--- a/MariamKili_Draft_Presentation.pptx
+++ b/MariamKili_Draft_Presentation.pptx
@@ -3492,7 +3492,7 @@
                 <a:srgbClr val="2B2551"/>
               </a:solidFill>
             </a:rPr>
-            <a:t>Leveraging AI and Machine Learning for early detection</a:t>
+            <a:t>Leveraging AI and Machine Learning in healthcare for early detection</a:t>
           </a:r>
           <a:endParaRPr lang="en-US" dirty="0">
             <a:solidFill>
@@ -6185,7 +6185,7 @@
                 <a:srgbClr val="2B2551"/>
               </a:solidFill>
             </a:rPr>
-            <a:t>Leveraging AI and Machine Learning for early detection</a:t>
+            <a:t>Leveraging AI and Machine Learning in healthcare for early detection</a:t>
           </a:r>
           <a:endParaRPr lang="en-US" sz="1200" kern="1200" dirty="0">
             <a:solidFill>
@@ -29672,7 +29672,7 @@
               <a:rPr lang="en-US" dirty="0">
                 <a:cs typeface="Calibri"/>
               </a:rPr>
-              <a:t>10-12-2023</a:t>
+              <a:t>12-12-2023</a:t>
             </a:r>
           </a:p>
         </p:txBody>
@@ -34470,14 +34470,21 @@
             <p:ph type="title"/>
           </p:nvPr>
         </p:nvSpPr>
-        <p:spPr/>
+        <p:spPr>
+          <a:xfrm>
+            <a:off x="1020282" y="1130752"/>
+            <a:ext cx="10112695" cy="921254"/>
+          </a:xfrm>
+        </p:spPr>
         <p:txBody>
-          <a:bodyPr/>
+          <a:bodyPr>
+            <a:normAutofit fontScale="90000"/>
+          </a:bodyPr>
           <a:lstStyle/>
           <a:p>
             <a:r>
               <a:rPr lang="en-US" b="1" dirty="0"/>
-              <a:t>Evaluation Results</a:t>
+              <a:t>Models Refinement Results-Evaluation Results</a:t>
             </a:r>
             <a:endParaRPr lang="tr-TR" dirty="0"/>
           </a:p>
@@ -36021,18 +36028,18 @@
           <a:lstStyle/>
           <a:p>
             <a:r>
-              <a:rPr lang="tr-TR" b="1" err="1"/>
+              <a:rPr lang="tr-TR" b="1" dirty="0" err="1"/>
               <a:t>Future</a:t>
             </a:r>
             <a:r>
-              <a:rPr lang="tr-TR" b="1"/>
+              <a:rPr lang="tr-TR" b="1" dirty="0"/>
               <a:t> </a:t>
             </a:r>
             <a:r>
-              <a:rPr lang="tr-TR" b="1" err="1"/>
+              <a:rPr lang="tr-TR" b="1" dirty="0" err="1"/>
               <a:t>Work</a:t>
             </a:r>
-            <a:endParaRPr lang="tr-TR"/>
+            <a:endParaRPr lang="tr-TR" dirty="0"/>
           </a:p>
         </p:txBody>
       </p:sp>
@@ -36052,7 +36059,12 @@
             <p:ph idx="1"/>
           </p:nvPr>
         </p:nvSpPr>
-        <p:spPr/>
+        <p:spPr>
+          <a:xfrm>
+            <a:off x="590843" y="2007218"/>
+            <a:ext cx="11113477" cy="4477987"/>
+          </a:xfrm>
+        </p:spPr>
         <p:txBody>
           <a:bodyPr>
             <a:noAutofit/>
@@ -36065,7 +36077,7 @@
             </a:pPr>
             <a:r>
               <a:rPr lang="en-US" sz="2400" dirty="0"/>
-              <a:t>The use of this app to predict chronic diseases</a:t>
+              <a:t>Improve the models for the good use of this app to predict chronic diseases</a:t>
             </a:r>
           </a:p>
           <a:p>
@@ -36254,8 +36266,8 @@
         </p:nvSpPr>
         <p:spPr>
           <a:xfrm>
-            <a:off x="323557" y="1885071"/>
-            <a:ext cx="11380763" cy="4795376"/>
+            <a:off x="487680" y="1885071"/>
+            <a:ext cx="11216640" cy="4795376"/>
           </a:xfrm>
         </p:spPr>
         <p:txBody>
@@ -36268,8 +36280,72 @@
               <a:buNone/>
             </a:pPr>
             <a:r>
-              <a:rPr lang="fr-FR" sz="1400" dirty="0"/>
-              <a:t>1-https://en.wikipedia.org/wiki/Sustainable_Development_Goal_3</a:t>
+              <a:rPr lang="fr-FR" sz="1600" dirty="0"/>
+              <a:t>1- D. Hamid, S. S. </a:t>
+            </a:r>
+            <a:r>
+              <a:rPr lang="fr-FR" sz="1600" dirty="0" err="1"/>
+              <a:t>Ullah</a:t>
+            </a:r>
+            <a:r>
+              <a:rPr lang="fr-FR" sz="1600" dirty="0"/>
+              <a:t>, J. Iqbal, S. Hussain, C. A. U. Hassan, and F. Umar, ‘A Machine Learning in </a:t>
+            </a:r>
+            <a:r>
+              <a:rPr lang="fr-FR" sz="1600" dirty="0" err="1"/>
+              <a:t>Binary</a:t>
+            </a:r>
+            <a:r>
+              <a:rPr lang="fr-FR" sz="1600" dirty="0"/>
+              <a:t> and </a:t>
+            </a:r>
+            <a:r>
+              <a:rPr lang="fr-FR" sz="1600" dirty="0" err="1"/>
+              <a:t>Multiclassification</a:t>
+            </a:r>
+            <a:r>
+              <a:rPr lang="fr-FR" sz="1600" dirty="0"/>
+              <a:t> </a:t>
+            </a:r>
+            <a:r>
+              <a:rPr lang="fr-FR" sz="1600" dirty="0" err="1"/>
+              <a:t>Results</a:t>
+            </a:r>
+            <a:r>
+              <a:rPr lang="fr-FR" sz="1600" dirty="0"/>
+              <a:t> on </a:t>
+            </a:r>
+            <a:r>
+              <a:rPr lang="fr-FR" sz="1600" dirty="0" err="1"/>
+              <a:t>Imbalanced</a:t>
+            </a:r>
+            <a:r>
+              <a:rPr lang="fr-FR" sz="1600" dirty="0"/>
+              <a:t> </a:t>
+            </a:r>
+            <a:r>
+              <a:rPr lang="fr-FR" sz="1600" dirty="0" err="1"/>
+              <a:t>Heart</a:t>
+            </a:r>
+            <a:r>
+              <a:rPr lang="fr-FR" sz="1600" dirty="0"/>
+              <a:t> </a:t>
+            </a:r>
+            <a:r>
+              <a:rPr lang="fr-FR" sz="1600" dirty="0" err="1"/>
+              <a:t>Disease</a:t>
+            </a:r>
+            <a:r>
+              <a:rPr lang="fr-FR" sz="1600" dirty="0"/>
+              <a:t> Data Stream’, J Sens, vol. 2022, 2022, </a:t>
+            </a:r>
+            <a:r>
+              <a:rPr lang="fr-FR" sz="1600" dirty="0" err="1"/>
+              <a:t>doi</a:t>
+            </a:r>
+            <a:r>
+              <a:rPr lang="fr-FR" sz="1600" dirty="0"/>
+              <a:t>: 10.1155/2022/8400622.</a:t>
             </a:r>
           </a:p>
           <a:p>
@@ -36277,8 +36353,8 @@
               <a:buNone/>
             </a:pPr>
             <a:r>
-              <a:rPr lang="fr-FR" sz="1400" dirty="0"/>
-              <a:t>2-https://www.un.org/sustainabledevelopment/health/</a:t>
+              <a:rPr lang="fr-FR" sz="1600" dirty="0"/>
+              <a:t>2- https://en.wikipedia.org/wiki/Sustainable_Development_Goal_3</a:t>
             </a:r>
           </a:p>
           <a:p>
@@ -36286,8 +36362,8 @@
               <a:buNone/>
             </a:pPr>
             <a:r>
-              <a:rPr lang="fr-FR" sz="1400" dirty="0"/>
-              <a:t>3-https://www.google.com/url?sa=i&amp;url=https%3A%2F%2Fwww.dimins.com%2Fblog%2F2022%2F06%2F13%2Fbig-data-healthcare%2F&amp;psig=AOvVaw1a3o-FR8Ewbof_NTEvPkou&amp;ust=1702123866255000&amp;source=images&amp;cd=vfe&amp;opi=89978449&amp;ved=0CBEQjRxqFwoTCIjihdrn_4IDFQAAAAAdAAAAABAI</a:t>
+              <a:rPr lang="fr-FR" sz="1600" dirty="0"/>
+              <a:t>3-https://www.un.org/sustainabledevelopment/health/</a:t>
             </a:r>
           </a:p>
           <a:p>
@@ -36295,8 +36371,8 @@
               <a:buNone/>
             </a:pPr>
             <a:r>
-              <a:rPr lang="en-US" sz="1400" dirty="0"/>
-              <a:t>4- https://unicsoft.com/wp-content/uploads/2022/07/ML_Model_1140.png</a:t>
+              <a:rPr lang="fr-FR" sz="1600" dirty="0"/>
+              <a:t>4-https://www.google.com/url?sa=i&amp;url=https%3A%2F%2Fwww.dimins.com%2Fblog%2F2022%2F06%2F13%2Fbig-data-healthcare%2F&amp;psig=AOvVaw1a3o-FR8Ewbof_NTEvPkou&amp;ust=1702123866255000&amp;source=images&amp;cd=vfe&amp;opi=89978449&amp;ved=0CBEQjRxqFwoTCIjihdrn_4IDFQAAAAAdAAAAABAI</a:t>
             </a:r>
           </a:p>
           <a:p>
@@ -36304,17 +36380,8 @@
               <a:buNone/>
             </a:pPr>
             <a:r>
-              <a:rPr lang="en-US" sz="1400" dirty="0"/>
-              <a:t>5-https://www.google.com/url?sa=i&amp;url=https%3A%2F%2Fresults.rathinamcollege.com%2F&amp;psig=AOvVaw0nA46MaHLD0vNYfCccwfaC&amp;ust=17</a:t>
-            </a:r>
-          </a:p>
-          <a:p>
-            <a:pPr marL="0" indent="0">
-              <a:buNone/>
-            </a:pPr>
-            <a:r>
-              <a:rPr lang="en-US" sz="1400" dirty="0"/>
-              <a:t>02141705422000&amp;source=images&amp;cd=vfe&amp;opi=89978449&amp;ved=0CBEQjRxqFwoTCJDTgpKrgIMDFQAAAAAdAAAAABAY</a:t>
+              <a:rPr lang="en-US" sz="1600" dirty="0"/>
+              <a:t>5- https://unicsoft.com/wp-content/uploads/2022/07/ML_Model_1140.png</a:t>
             </a:r>
           </a:p>
           <a:p>
@@ -36329,20 +36396,151 @@
               <a:buNone/>
             </a:pPr>
             <a:r>
-              <a:rPr lang="en-US" sz="1400" dirty="0"/>
-              <a:t>6- </a:t>
-            </a:r>
-            <a:r>
-              <a:rPr lang="en-US" sz="1400" kern="0" dirty="0">
+              <a:rPr lang="en-US" sz="1600" kern="0" dirty="0">
+                <a:latin typeface="Times New Roman" panose="02020603050405020304" pitchFamily="18" charset="0"/>
+                <a:ea typeface="Calibri" panose="020F0502020204030204" pitchFamily="34" charset="0"/>
+                <a:cs typeface="Arial" panose="020B0604020202020204" pitchFamily="34" charset="0"/>
+              </a:rPr>
+              <a:t>6-  M. ÇOLAK, T. TÜMER SİVRİ, N. PERVAN AKMAN, A. BERKOL, and Y. EKİCİ, “Disease prognosis using machine learning algorithms based on new clinical dataset,” Communications Faculty of Sciences University of Ankara Series A2-A3 Physical Sciences and Engineering, vol. 65, no. 1, pp. 52–68, Jun. 2023, </a:t>
+            </a:r>
+            <a:r>
+              <a:rPr lang="en-US" sz="1600" kern="0" dirty="0" err="1">
+                <a:latin typeface="Times New Roman" panose="02020603050405020304" pitchFamily="18" charset="0"/>
+                <a:ea typeface="Calibri" panose="020F0502020204030204" pitchFamily="34" charset="0"/>
+                <a:cs typeface="Arial" panose="020B0604020202020204" pitchFamily="34" charset="0"/>
+              </a:rPr>
+              <a:t>doi</a:t>
+            </a:r>
+            <a:r>
+              <a:rPr lang="en-US" sz="1600" kern="0" dirty="0">
+                <a:latin typeface="Times New Roman" panose="02020603050405020304" pitchFamily="18" charset="0"/>
+                <a:ea typeface="Calibri" panose="020F0502020204030204" pitchFamily="34" charset="0"/>
+                <a:cs typeface="Arial" panose="020B0604020202020204" pitchFamily="34" charset="0"/>
+              </a:rPr>
+              <a:t>: 10.33769/aupse.1215962.</a:t>
+            </a:r>
+          </a:p>
+          <a:p>
+            <a:pPr marL="0" indent="0">
+              <a:lnSpc>
+                <a:spcPct val="115000"/>
+              </a:lnSpc>
+              <a:spcAft>
+                <a:spcPts val="800"/>
+              </a:spcAft>
+              <a:buSzPts val="1100"/>
+              <a:buNone/>
+            </a:pPr>
+            <a:r>
+              <a:rPr lang="en-US" sz="1600" kern="0" dirty="0">
+                <a:effectLst/>
+                <a:latin typeface="Times New Roman" panose="02020603050405020304" pitchFamily="18" charset="0"/>
+                <a:ea typeface="Calibri" panose="020F0502020204030204" pitchFamily="34" charset="0"/>
+                <a:cs typeface="Arial" panose="020B0604020202020204" pitchFamily="34" charset="0"/>
+              </a:rPr>
+              <a:t>7- </a:t>
+            </a:r>
+            <a:r>
+              <a:rPr lang="en-US" sz="1800" dirty="0">
                 <a:effectLst/>
                 <a:latin typeface="Times New Roman" panose="02020603050405020304" pitchFamily="18" charset="0"/>
                 <a:ea typeface="Times New Roman" panose="02020603050405020304" pitchFamily="18" charset="0"/>
                 <a:cs typeface="Arial" panose="020B0604020202020204" pitchFamily="34" charset="0"/>
               </a:rPr>
-              <a:t>S. Vilas and A. M. S. Scholar, ‘Diseases Prediction Model using Machine Learning Technique’, </a:t>
-            </a:r>
-            <a:r>
-              <a:rPr lang="en-US" sz="1400" kern="0" dirty="0" err="1">
+              <a:t>T. H. H. </a:t>
+            </a:r>
+            <a:r>
+              <a:rPr lang="en-US" sz="1800" dirty="0" err="1">
+                <a:effectLst/>
+                <a:latin typeface="Times New Roman" panose="02020603050405020304" pitchFamily="18" charset="0"/>
+                <a:ea typeface="Times New Roman" panose="02020603050405020304" pitchFamily="18" charset="0"/>
+                <a:cs typeface="Arial" panose="020B0604020202020204" pitchFamily="34" charset="0"/>
+              </a:rPr>
+              <a:t>Aldhyani</a:t>
+            </a:r>
+            <a:r>
+              <a:rPr lang="en-US" sz="1800" dirty="0">
+                <a:effectLst/>
+                <a:latin typeface="Times New Roman" panose="02020603050405020304" pitchFamily="18" charset="0"/>
+                <a:ea typeface="Times New Roman" panose="02020603050405020304" pitchFamily="18" charset="0"/>
+                <a:cs typeface="Arial" panose="020B0604020202020204" pitchFamily="34" charset="0"/>
+              </a:rPr>
+              <a:t>, A. S. </a:t>
+            </a:r>
+            <a:r>
+              <a:rPr lang="en-US" sz="1800" dirty="0" err="1">
+                <a:effectLst/>
+                <a:latin typeface="Times New Roman" panose="02020603050405020304" pitchFamily="18" charset="0"/>
+                <a:ea typeface="Times New Roman" panose="02020603050405020304" pitchFamily="18" charset="0"/>
+                <a:cs typeface="Arial" panose="020B0604020202020204" pitchFamily="34" charset="0"/>
+              </a:rPr>
+              <a:t>Alshebami</a:t>
+            </a:r>
+            <a:r>
+              <a:rPr lang="en-US" sz="1800" dirty="0">
+                <a:effectLst/>
+                <a:latin typeface="Times New Roman" panose="02020603050405020304" pitchFamily="18" charset="0"/>
+                <a:ea typeface="Times New Roman" panose="02020603050405020304" pitchFamily="18" charset="0"/>
+                <a:cs typeface="Arial" panose="020B0604020202020204" pitchFamily="34" charset="0"/>
+              </a:rPr>
+              <a:t>, and M. Y. </a:t>
+            </a:r>
+            <a:r>
+              <a:rPr lang="en-US" sz="1800" dirty="0" err="1">
+                <a:effectLst/>
+                <a:latin typeface="Times New Roman" panose="02020603050405020304" pitchFamily="18" charset="0"/>
+                <a:ea typeface="Times New Roman" panose="02020603050405020304" pitchFamily="18" charset="0"/>
+                <a:cs typeface="Arial" panose="020B0604020202020204" pitchFamily="34" charset="0"/>
+              </a:rPr>
+              <a:t>Alzahrani</a:t>
+            </a:r>
+            <a:r>
+              <a:rPr lang="en-US" sz="1800" dirty="0">
+                <a:effectLst/>
+                <a:latin typeface="Times New Roman" panose="02020603050405020304" pitchFamily="18" charset="0"/>
+                <a:ea typeface="Times New Roman" panose="02020603050405020304" pitchFamily="18" charset="0"/>
+                <a:cs typeface="Arial" panose="020B0604020202020204" pitchFamily="34" charset="0"/>
+              </a:rPr>
+              <a:t>, ‘Soft Clustering for Enhancing the Diagnosis of Chronic Diseases over Machine Learning Algorithms’, </a:t>
+            </a:r>
+            <a:r>
+              <a:rPr lang="en-US" sz="1800" i="1" dirty="0">
+                <a:effectLst/>
+                <a:latin typeface="Times New Roman" panose="02020603050405020304" pitchFamily="18" charset="0"/>
+                <a:ea typeface="Times New Roman" panose="02020603050405020304" pitchFamily="18" charset="0"/>
+                <a:cs typeface="Arial" panose="020B0604020202020204" pitchFamily="34" charset="0"/>
+              </a:rPr>
+              <a:t>J </a:t>
+            </a:r>
+            <a:r>
+              <a:rPr lang="en-US" sz="1800" i="1" dirty="0" err="1">
+                <a:effectLst/>
+                <a:latin typeface="Times New Roman" panose="02020603050405020304" pitchFamily="18" charset="0"/>
+                <a:ea typeface="Times New Roman" panose="02020603050405020304" pitchFamily="18" charset="0"/>
+                <a:cs typeface="Arial" panose="020B0604020202020204" pitchFamily="34" charset="0"/>
+              </a:rPr>
+              <a:t>Healthc</a:t>
+            </a:r>
+            <a:r>
+              <a:rPr lang="en-US" sz="1800" i="1" dirty="0">
+                <a:effectLst/>
+                <a:latin typeface="Times New Roman" panose="02020603050405020304" pitchFamily="18" charset="0"/>
+                <a:ea typeface="Times New Roman" panose="02020603050405020304" pitchFamily="18" charset="0"/>
+                <a:cs typeface="Arial" panose="020B0604020202020204" pitchFamily="34" charset="0"/>
+              </a:rPr>
+              <a:t> Eng</a:t>
+            </a:r>
+            <a:r>
+              <a:rPr lang="en-US" sz="1800" dirty="0">
+                <a:effectLst/>
+                <a:latin typeface="Times New Roman" panose="02020603050405020304" pitchFamily="18" charset="0"/>
+                <a:ea typeface="Times New Roman" panose="02020603050405020304" pitchFamily="18" charset="0"/>
+                <a:cs typeface="Arial" panose="020B0604020202020204" pitchFamily="34" charset="0"/>
+              </a:rPr>
+              <a:t>, vol. 2020, 2020, </a:t>
+            </a:r>
+            <a:r>
+              <a:rPr lang="en-US" sz="1800" dirty="0" err="1">
                 <a:effectLst/>
                 <a:latin typeface="Times New Roman" panose="02020603050405020304" pitchFamily="18" charset="0"/>
                 <a:ea typeface="Times New Roman" panose="02020603050405020304" pitchFamily="18" charset="0"/>
@@ -36351,14 +36549,20 @@
               <a:t>doi</a:t>
             </a:r>
             <a:r>
-              <a:rPr lang="en-US" sz="1400" kern="0" dirty="0">
+              <a:rPr lang="en-US" sz="1800" dirty="0">
                 <a:effectLst/>
                 <a:latin typeface="Times New Roman" panose="02020603050405020304" pitchFamily="18" charset="0"/>
                 <a:ea typeface="Times New Roman" panose="02020603050405020304" pitchFamily="18" charset="0"/>
                 <a:cs typeface="Arial" panose="020B0604020202020204" pitchFamily="34" charset="0"/>
               </a:rPr>
-              <a:t>: 10.32628/IJSRST</a:t>
-            </a:r>
+              <a:t>: 10.1155/2020/4984967.</a:t>
+            </a:r>
+            <a:endParaRPr lang="en-US" sz="1800" dirty="0">
+              <a:effectLst/>
+              <a:latin typeface="Calibri" panose="020F0502020204030204" pitchFamily="34" charset="0"/>
+              <a:ea typeface="Calibri" panose="020F0502020204030204" pitchFamily="34" charset="0"/>
+              <a:cs typeface="Arial" panose="020B0604020202020204" pitchFamily="34" charset="0"/>
+            </a:endParaRPr>
           </a:p>
           <a:p>
             <a:pPr marL="0" lvl="0" indent="0" rtl="0">
@@ -36371,31 +36575,7 @@
               <a:buSzPts val="1100"/>
               <a:buNone/>
             </a:pPr>
-            <a:r>
-              <a:rPr lang="en-US" sz="1400" kern="0" dirty="0">
-                <a:latin typeface="Times New Roman" panose="02020603050405020304" pitchFamily="18" charset="0"/>
-                <a:ea typeface="Calibri" panose="020F0502020204030204" pitchFamily="34" charset="0"/>
-                <a:cs typeface="Arial" panose="020B0604020202020204" pitchFamily="34" charset="0"/>
-              </a:rPr>
-              <a:t>7-  M. ÇOLAK, T. TÜMER SİVRİ, N. PERVAN AKMAN, A. BERKOL, and Y. EKİCİ, “Disease prognosis using machine learning algorithms based on new clinical dataset,” Communications Faculty of Sciences University of Ankara Series A2-A3 Physical Sciences and Engineering, vol. 65, no. 1, pp. 52–68, Jun. 2023, </a:t>
-            </a:r>
-            <a:r>
-              <a:rPr lang="en-US" sz="1400" kern="0" dirty="0" err="1">
-                <a:latin typeface="Times New Roman" panose="02020603050405020304" pitchFamily="18" charset="0"/>
-                <a:ea typeface="Calibri" panose="020F0502020204030204" pitchFamily="34" charset="0"/>
-                <a:cs typeface="Arial" panose="020B0604020202020204" pitchFamily="34" charset="0"/>
-              </a:rPr>
-              <a:t>doi</a:t>
-            </a:r>
-            <a:r>
-              <a:rPr lang="en-US" sz="1400" kern="0" dirty="0">
-                <a:latin typeface="Times New Roman" panose="02020603050405020304" pitchFamily="18" charset="0"/>
-                <a:ea typeface="Calibri" panose="020F0502020204030204" pitchFamily="34" charset="0"/>
-                <a:cs typeface="Arial" panose="020B0604020202020204" pitchFamily="34" charset="0"/>
-              </a:rPr>
-              <a:t>: 10.33769/aupse.1215962.</a:t>
-            </a:r>
-            <a:endParaRPr lang="en-US" sz="1400" kern="100" dirty="0">
+            <a:endParaRPr lang="en-US" sz="1600" kern="100" dirty="0">
               <a:effectLst/>
               <a:latin typeface="Calibri" panose="020F0502020204030204" pitchFamily="34" charset="0"/>
               <a:ea typeface="Calibri" panose="020F0502020204030204" pitchFamily="34" charset="0"/>
@@ -36996,7 +37176,7 @@
             <p:ph idx="1"/>
             <p:extLst>
               <p:ext uri="{D42A27DB-BD31-4B8C-83A1-F6EECF244321}">
-                <p14:modId xmlns:p14="http://schemas.microsoft.com/office/powerpoint/2010/main" val="3323869106"/>
+                <p14:modId xmlns:p14="http://schemas.microsoft.com/office/powerpoint/2010/main" val="4116866245"/>
               </p:ext>
             </p:extLst>
           </p:nvPr>

--- a/MariamKili_Draft_Presentation.pptx
+++ b/MariamKili_Draft_Presentation.pptx
@@ -4674,11 +4674,11 @@
         <a:p>
           <a:pPr algn="l"/>
           <a:r>
-            <a:rPr lang="en-US" sz="1400" b="1" dirty="0"/>
+            <a:rPr lang="en-US" sz="1600" b="1" dirty="0"/>
             <a:t>1- Logistic Regression</a:t>
           </a:r>
           <a:r>
-            <a:rPr lang="en-US" sz="1400" dirty="0"/>
+            <a:rPr lang="en-US" sz="1600" dirty="0"/>
             <a:t>:</a:t>
           </a:r>
         </a:p>
@@ -4717,8 +4717,8 @@
         <a:p>
           <a:pPr algn="l"/>
           <a:r>
-            <a:rPr lang="en-US" sz="1400" dirty="0"/>
-            <a:t>simple and computationally efficient. robust to overfitting</a:t>
+            <a:rPr lang="en-US" sz="1600" dirty="0"/>
+            <a:t>simple and computationally efficient. robust to overfitting. May not perform well with highly non-linear data.</a:t>
           </a:r>
         </a:p>
       </dgm:t>
@@ -4747,45 +4747,6 @@
         </a:p>
       </dgm:t>
     </dgm:pt>
-    <dgm:pt modelId="{F03469D2-3FBD-4ABB-B23B-52F279C6F72C}">
-      <dgm:prSet custT="1"/>
-      <dgm:spPr/>
-      <dgm:t>
-        <a:bodyPr/>
-        <a:lstStyle/>
-        <a:p>
-          <a:pPr algn="l"/>
-          <a:r>
-            <a:rPr lang="en-US" sz="1400" dirty="0"/>
-            <a:t>May not perform well with highly non-linear data.</a:t>
-          </a:r>
-        </a:p>
-      </dgm:t>
-    </dgm:pt>
-    <dgm:pt modelId="{2605FC2A-39C2-42C2-99F0-64C653393751}" type="parTrans" cxnId="{D693383C-3303-4E35-9703-19CCADCC7B24}">
-      <dgm:prSet/>
-      <dgm:spPr/>
-      <dgm:t>
-        <a:bodyPr/>
-        <a:lstStyle/>
-        <a:p>
-          <a:pPr algn="l"/>
-          <a:endParaRPr lang="en-US"/>
-        </a:p>
-      </dgm:t>
-    </dgm:pt>
-    <dgm:pt modelId="{06022D58-F2EB-4A7A-B192-E99134F3B1FE}" type="sibTrans" cxnId="{D693383C-3303-4E35-9703-19CCADCC7B24}">
-      <dgm:prSet/>
-      <dgm:spPr/>
-      <dgm:t>
-        <a:bodyPr/>
-        <a:lstStyle/>
-        <a:p>
-          <a:pPr algn="l"/>
-          <a:endParaRPr lang="en-US"/>
-        </a:p>
-      </dgm:t>
-    </dgm:pt>
     <dgm:pt modelId="{DEE53C8C-7D65-4AE5-92FE-F82ECA25F534}">
       <dgm:prSet custT="1"/>
       <dgm:spPr/>
@@ -4795,7 +4756,7 @@
         <a:p>
           <a:pPr algn="l"/>
           <a:r>
-            <a:rPr lang="en-US" sz="1400" b="1" dirty="0"/>
+            <a:rPr lang="en-US" sz="1600" b="1" dirty="0"/>
             <a:t>2- SVM: </a:t>
           </a:r>
         </a:p>
@@ -4834,8 +4795,8 @@
         <a:p>
           <a:pPr algn="l"/>
           <a:r>
-            <a:rPr lang="en-US" sz="1400" dirty="0"/>
-            <a:t>effective in high-dimensional spaces, versatile due to different kernel functions, resistant to overfitting</a:t>
+            <a:rPr lang="en-US" sz="1600" dirty="0"/>
+            <a:t>computationally height, effective in high-dimensional spaces, versatile due to different kernel functions, resistant to overfitting, can be challenging to choose kernel.</a:t>
           </a:r>
         </a:p>
       </dgm:t>
@@ -4864,45 +4825,6 @@
         </a:p>
       </dgm:t>
     </dgm:pt>
-    <dgm:pt modelId="{E375DCE7-071B-46C6-9F60-5F64B0EF6143}">
-      <dgm:prSet custT="1"/>
-      <dgm:spPr/>
-      <dgm:t>
-        <a:bodyPr/>
-        <a:lstStyle/>
-        <a:p>
-          <a:pPr algn="l"/>
-          <a:r>
-            <a:rPr lang="en-US" sz="1400" dirty="0"/>
-            <a:t>computationally height, with large datasets, model parameters (e.g., the choice of the kernel) can be challenging to interpret.</a:t>
-          </a:r>
-        </a:p>
-      </dgm:t>
-    </dgm:pt>
-    <dgm:pt modelId="{5B8E8E68-0B1F-4B05-BF96-4E70A61B0F36}" type="parTrans" cxnId="{5968369A-1734-43A5-8035-5AE13890B789}">
-      <dgm:prSet/>
-      <dgm:spPr/>
-      <dgm:t>
-        <a:bodyPr/>
-        <a:lstStyle/>
-        <a:p>
-          <a:pPr algn="l"/>
-          <a:endParaRPr lang="en-US"/>
-        </a:p>
-      </dgm:t>
-    </dgm:pt>
-    <dgm:pt modelId="{3D141781-7313-4ED2-AAAA-301DFB5E163B}" type="sibTrans" cxnId="{5968369A-1734-43A5-8035-5AE13890B789}">
-      <dgm:prSet/>
-      <dgm:spPr/>
-      <dgm:t>
-        <a:bodyPr/>
-        <a:lstStyle/>
-        <a:p>
-          <a:pPr algn="l"/>
-          <a:endParaRPr lang="en-US"/>
-        </a:p>
-      </dgm:t>
-    </dgm:pt>
     <dgm:pt modelId="{CBF05B3D-0EC5-4DD0-BCDE-5EE5912778B7}">
       <dgm:prSet custT="1"/>
       <dgm:spPr/>
@@ -4912,11 +4834,11 @@
         <a:p>
           <a:pPr algn="l"/>
           <a:r>
-            <a:rPr lang="en-US" sz="1400" b="1" dirty="0"/>
+            <a:rPr lang="en-US" sz="1600" b="1" dirty="0"/>
             <a:t>3- k-Nearest Neighbors (KNN)</a:t>
           </a:r>
           <a:r>
-            <a:rPr lang="en-US" sz="1400" dirty="0"/>
+            <a:rPr lang="en-US" sz="1600" dirty="0"/>
             <a:t> </a:t>
           </a:r>
         </a:p>
@@ -4955,8 +4877,12 @@
         <a:p>
           <a:pPr algn="l"/>
           <a:r>
+            <a:rPr lang="en-US" sz="1600" dirty="0"/>
+            <a:t>non-parametric and flexible algorithm, intuitive and easy .. However, it’s computationally expensive during prediction, especially with large datasets and also sensitive to irrelevant or redundant features</a:t>
+          </a:r>
+          <a:r>
             <a:rPr lang="en-US" sz="1400" dirty="0"/>
-            <a:t>non-parametric and flexible algorithm, intuitive and easy . It can capture complex decision boundaries. However, it’s computationally expensive during prediction, especially with large datasets and also sensitive to irrelevant or redundant features.</a:t>
+            <a:t>.</a:t>
           </a:r>
         </a:p>
       </dgm:t>
@@ -5033,8 +4959,12 @@
         <a:p>
           <a:pPr algn="l"/>
           <a:r>
+            <a:rPr lang="en-US" sz="1600" dirty="0"/>
+            <a:t>Robust, less prone to overfitting compared to individual decision trees. It can handle a large number of features and provides feature importance scores. More expensive</a:t>
+          </a:r>
+          <a:r>
             <a:rPr lang="en-US" sz="1400" dirty="0"/>
-            <a:t>Robust and less prone to overfitting compared to individual decision trees. It can handle a large number of features and provides feature importance scores. The Weaknesses are Lack of interpretability compared to decision trees and the computation is sometimes more expensive.</a:t>
+            <a:t>.</a:t>
           </a:r>
         </a:p>
       </dgm:t>
@@ -5073,11 +5003,11 @@
           <a:pPr algn="l"/>
           <a:r>
             <a:rPr lang="en-US" sz="1600" b="1" dirty="0"/>
-            <a:t>5- </a:t>
+            <a:t>6- </a:t>
           </a:r>
           <a:r>
             <a:rPr lang="en-US" sz="1600" b="1" dirty="0" err="1"/>
-            <a:t>XGBoost</a:t>
+            <a:t>GradientBoosting</a:t>
           </a:r>
           <a:r>
             <a:rPr lang="en-US" sz="1600" b="1" dirty="0"/>
@@ -5119,13 +5049,10 @@
         <a:p>
           <a:pPr algn="l"/>
           <a:r>
-            <a:rPr lang="en-US" sz="1400" dirty="0"/>
-            <a:t>better predictive performance, robust to outliers. It’s an efficient and scalable algorithm. it can prone to overfitting, especially with insufficient regularization and requires tuning of hyperparameters</a:t>
+            <a:rPr lang="en-US" sz="1600" b="0" i="0" dirty="0"/>
+            <a:t>A powerful boosting algorithm, trains the model sequentially and each new model tries to correct the previous model, less sensitive to outliers</a:t>
           </a:r>
-          <a:r>
-            <a:rPr lang="en-US" sz="1600" dirty="0"/>
-            <a:t>.</a:t>
-          </a:r>
+          <a:endParaRPr lang="en-US" sz="1600" dirty="0"/>
         </a:p>
       </dgm:t>
     </dgm:pt>
@@ -5153,6 +5080,86 @@
         </a:p>
       </dgm:t>
     </dgm:pt>
+    <dgm:pt modelId="{BE01D67A-F4B1-4CB5-BF89-1806BD3B889B}">
+      <dgm:prSet/>
+      <dgm:spPr/>
+      <dgm:t>
+        <a:bodyPr/>
+        <a:lstStyle/>
+        <a:p>
+          <a:r>
+            <a:rPr lang="en-US" sz="1600" b="1" dirty="0"/>
+            <a:t>5- </a:t>
+          </a:r>
+          <a:r>
+            <a:rPr lang="en-US" sz="1600" b="1" dirty="0" err="1"/>
+            <a:t>XGBoost</a:t>
+          </a:r>
+          <a:r>
+            <a:rPr lang="en-US" sz="1600" b="1" dirty="0"/>
+            <a:t> : </a:t>
+          </a:r>
+        </a:p>
+      </dgm:t>
+    </dgm:pt>
+    <dgm:pt modelId="{33B8B200-129F-491F-A42F-B76D07E4A8C9}" type="parTrans" cxnId="{A2DACDCB-7B56-40EF-ABE8-32B68952BCBD}">
+      <dgm:prSet/>
+      <dgm:spPr/>
+      <dgm:t>
+        <a:bodyPr/>
+        <a:lstStyle/>
+        <a:p>
+          <a:endParaRPr lang="en-US"/>
+        </a:p>
+      </dgm:t>
+    </dgm:pt>
+    <dgm:pt modelId="{85918114-D118-401E-9A02-27B87CA32374}" type="sibTrans" cxnId="{A2DACDCB-7B56-40EF-ABE8-32B68952BCBD}">
+      <dgm:prSet/>
+      <dgm:spPr/>
+      <dgm:t>
+        <a:bodyPr/>
+        <a:lstStyle/>
+        <a:p>
+          <a:endParaRPr lang="en-US"/>
+        </a:p>
+      </dgm:t>
+    </dgm:pt>
+    <dgm:pt modelId="{72504853-7F6C-4446-9D87-36AE3FEEED4E}">
+      <dgm:prSet custT="1"/>
+      <dgm:spPr/>
+      <dgm:t>
+        <a:bodyPr/>
+        <a:lstStyle/>
+        <a:p>
+          <a:r>
+            <a:rPr lang="en-US" sz="1600" dirty="0"/>
+            <a:t>better predictive performance, robust to outliers. Efficient and scalable algorithm. it can prone to overfitting, especially with insufficient regularization and requires tuning of hyperparameters.</a:t>
+          </a:r>
+        </a:p>
+      </dgm:t>
+    </dgm:pt>
+    <dgm:pt modelId="{9E5F40FF-9DF3-4A99-A311-79CEF2CF23E8}" type="parTrans" cxnId="{678A85AF-0A98-42CC-8A92-1D5A9661670F}">
+      <dgm:prSet/>
+      <dgm:spPr/>
+      <dgm:t>
+        <a:bodyPr/>
+        <a:lstStyle/>
+        <a:p>
+          <a:endParaRPr lang="en-US"/>
+        </a:p>
+      </dgm:t>
+    </dgm:pt>
+    <dgm:pt modelId="{7147A7D1-C7D2-4CCE-8615-0980D50B5D8F}" type="sibTrans" cxnId="{678A85AF-0A98-42CC-8A92-1D5A9661670F}">
+      <dgm:prSet/>
+      <dgm:spPr/>
+      <dgm:t>
+        <a:bodyPr/>
+        <a:lstStyle/>
+        <a:p>
+          <a:endParaRPr lang="en-US"/>
+        </a:p>
+      </dgm:t>
+    </dgm:pt>
     <dgm:pt modelId="{227544CB-7603-4668-BD99-B1DB1DEFCA6D}" type="pres">
       <dgm:prSet presAssocID="{254606E6-5FFE-4F46-B992-B1271BF3EC56}" presName="compositeShape" presStyleCnt="0">
         <dgm:presLayoutVars>
@@ -5164,11 +5171,11 @@
       <dgm:spPr/>
     </dgm:pt>
     <dgm:pt modelId="{BABE92D7-865B-460F-BBC8-3B3C03012800}" type="pres">
-      <dgm:prSet presAssocID="{DEC4938A-4EAB-44D7-9D88-EB0E5FAB78DA}" presName="circ1" presStyleLbl="vennNode1" presStyleIdx="0" presStyleCnt="5"/>
+      <dgm:prSet presAssocID="{DEC4938A-4EAB-44D7-9D88-EB0E5FAB78DA}" presName="circ1" presStyleLbl="vennNode1" presStyleIdx="0" presStyleCnt="6"/>
       <dgm:spPr/>
     </dgm:pt>
     <dgm:pt modelId="{FC22E2FC-92F8-42DC-950E-ECD14E0DACD2}" type="pres">
-      <dgm:prSet presAssocID="{DEC4938A-4EAB-44D7-9D88-EB0E5FAB78DA}" presName="circ1Tx" presStyleLbl="revTx" presStyleIdx="0" presStyleCnt="0" custScaleX="176341" custLinFactNeighborY="7075">
+      <dgm:prSet presAssocID="{DEC4938A-4EAB-44D7-9D88-EB0E5FAB78DA}" presName="circ1Tx" presStyleLbl="revTx" presStyleIdx="0" presStyleCnt="0" custScaleX="236575" custLinFactNeighborX="5361" custLinFactNeighborY="10820">
         <dgm:presLayoutVars>
           <dgm:chMax val="0"/>
           <dgm:chPref val="0"/>
@@ -5178,11 +5185,11 @@
       <dgm:spPr/>
     </dgm:pt>
     <dgm:pt modelId="{109A39DE-F455-4EA9-9310-A61D0A78C2A2}" type="pres">
-      <dgm:prSet presAssocID="{DEE53C8C-7D65-4AE5-92FE-F82ECA25F534}" presName="circ2" presStyleLbl="vennNode1" presStyleIdx="1" presStyleCnt="5"/>
+      <dgm:prSet presAssocID="{DEE53C8C-7D65-4AE5-92FE-F82ECA25F534}" presName="circ2" presStyleLbl="vennNode1" presStyleIdx="1" presStyleCnt="6"/>
       <dgm:spPr/>
     </dgm:pt>
     <dgm:pt modelId="{BBDB21C6-1BBA-4E9B-8CED-ED0E8A77CD8B}" type="pres">
-      <dgm:prSet presAssocID="{DEE53C8C-7D65-4AE5-92FE-F82ECA25F534}" presName="circ2Tx" presStyleLbl="revTx" presStyleIdx="0" presStyleCnt="0" custScaleX="144024" custScaleY="117114" custLinFactNeighborX="45280" custLinFactNeighborY="-30573">
+      <dgm:prSet presAssocID="{DEE53C8C-7D65-4AE5-92FE-F82ECA25F534}" presName="circ2Tx" presStyleLbl="revTx" presStyleIdx="0" presStyleCnt="0" custScaleX="144024" custScaleY="117114" custLinFactNeighborX="77359" custLinFactNeighborY="18591">
         <dgm:presLayoutVars>
           <dgm:chMax val="0"/>
           <dgm:chPref val="0"/>
@@ -5192,11 +5199,11 @@
       <dgm:spPr/>
     </dgm:pt>
     <dgm:pt modelId="{9C1A28F7-D986-45E8-9B58-B603E50122C1}" type="pres">
-      <dgm:prSet presAssocID="{CBF05B3D-0EC5-4DD0-BCDE-5EE5912778B7}" presName="circ3" presStyleLbl="vennNode1" presStyleIdx="2" presStyleCnt="5"/>
+      <dgm:prSet presAssocID="{CBF05B3D-0EC5-4DD0-BCDE-5EE5912778B7}" presName="circ3" presStyleLbl="vennNode1" presStyleIdx="2" presStyleCnt="6"/>
       <dgm:spPr/>
     </dgm:pt>
     <dgm:pt modelId="{5DD4F5A8-5912-458C-A1A2-4C4ED1331287}" type="pres">
-      <dgm:prSet presAssocID="{CBF05B3D-0EC5-4DD0-BCDE-5EE5912778B7}" presName="circ3Tx" presStyleLbl="revTx" presStyleIdx="0" presStyleCnt="0" custScaleX="155896" custScaleY="93041" custLinFactNeighborX="59379" custLinFactNeighborY="-18535">
+      <dgm:prSet presAssocID="{CBF05B3D-0EC5-4DD0-BCDE-5EE5912778B7}" presName="circ3Tx" presStyleLbl="revTx" presStyleIdx="0" presStyleCnt="0" custScaleX="155896" custScaleY="93041" custLinFactNeighborX="79029" custLinFactNeighborY="35084">
         <dgm:presLayoutVars>
           <dgm:chMax val="0"/>
           <dgm:chPref val="0"/>
@@ -5206,11 +5213,11 @@
       <dgm:spPr/>
     </dgm:pt>
     <dgm:pt modelId="{52A53109-B3D3-4C1B-8A50-4BFEC248E1E7}" type="pres">
-      <dgm:prSet presAssocID="{0F9E8500-6F6B-4941-BFAE-4FB1F93F51F9}" presName="circ4" presStyleLbl="vennNode1" presStyleIdx="3" presStyleCnt="5"/>
+      <dgm:prSet presAssocID="{0F9E8500-6F6B-4941-BFAE-4FB1F93F51F9}" presName="circ4" presStyleLbl="vennNode1" presStyleIdx="3" presStyleCnt="6"/>
       <dgm:spPr/>
     </dgm:pt>
     <dgm:pt modelId="{428A1256-B83E-45C3-BE0A-8C682AA7DB16}" type="pres">
-      <dgm:prSet presAssocID="{0F9E8500-6F6B-4941-BFAE-4FB1F93F51F9}" presName="circ4Tx" presStyleLbl="revTx" presStyleIdx="0" presStyleCnt="0" custScaleX="178044" custLinFactNeighborX="-71399" custLinFactNeighborY="-27744">
+      <dgm:prSet presAssocID="{0F9E8500-6F6B-4941-BFAE-4FB1F93F51F9}" presName="circ4Tx" presStyleLbl="revTx" presStyleIdx="0" presStyleCnt="0" custScaleX="224718" custLinFactNeighborX="-26682" custLinFactNeighborY="-9634">
         <dgm:presLayoutVars>
           <dgm:chMax val="0"/>
           <dgm:chPref val="0"/>
@@ -5220,11 +5227,25 @@
       <dgm:spPr/>
     </dgm:pt>
     <dgm:pt modelId="{07F78699-3DB8-4B65-963E-CE57C4C04550}" type="pres">
-      <dgm:prSet presAssocID="{6163C455-4887-4587-BCB7-DC4CBB5ABEA5}" presName="circ5" presStyleLbl="vennNode1" presStyleIdx="4" presStyleCnt="5"/>
+      <dgm:prSet presAssocID="{6163C455-4887-4587-BCB7-DC4CBB5ABEA5}" presName="circ5" presStyleLbl="vennNode1" presStyleIdx="4" presStyleCnt="6"/>
       <dgm:spPr/>
     </dgm:pt>
     <dgm:pt modelId="{AA4A5DC3-96F4-4948-AE22-24F404A2AB1C}" type="pres">
-      <dgm:prSet presAssocID="{6163C455-4887-4587-BCB7-DC4CBB5ABEA5}" presName="circ5Tx" presStyleLbl="revTx" presStyleIdx="0" presStyleCnt="0" custScaleX="169574" custLinFactNeighborX="-61416" custLinFactNeighborY="-30573">
+      <dgm:prSet presAssocID="{6163C455-4887-4587-BCB7-DC4CBB5ABEA5}" presName="circ5Tx" presStyleLbl="revTx" presStyleIdx="0" presStyleCnt="0" custScaleX="169574" custLinFactY="-60200" custLinFactNeighborX="-77609" custLinFactNeighborY="-100000">
+        <dgm:presLayoutVars>
+          <dgm:chMax val="0"/>
+          <dgm:chPref val="0"/>
+          <dgm:bulletEnabled val="1"/>
+        </dgm:presLayoutVars>
+      </dgm:prSet>
+      <dgm:spPr/>
+    </dgm:pt>
+    <dgm:pt modelId="{67D65BC2-50FC-499A-AF6B-633C0F711BAF}" type="pres">
+      <dgm:prSet presAssocID="{BE01D67A-F4B1-4CB5-BF89-1806BD3B889B}" presName="circ6" presStyleLbl="vennNode1" presStyleIdx="5" presStyleCnt="6"/>
+      <dgm:spPr/>
+    </dgm:pt>
+    <dgm:pt modelId="{850D3DFB-3A30-4588-BFB9-BC1FC1307AD7}" type="pres">
+      <dgm:prSet presAssocID="{BE01D67A-F4B1-4CB5-BF89-1806BD3B889B}" presName="circ6Tx" presStyleLbl="revTx" presStyleIdx="0" presStyleCnt="0" custScaleX="157237" custScaleY="109059" custLinFactY="18227" custLinFactNeighborX="-87295" custLinFactNeighborY="100000">
         <dgm:presLayoutVars>
           <dgm:chMax val="0"/>
           <dgm:chPref val="0"/>
@@ -5238,8 +5259,8 @@
     <dgm:cxn modelId="{C90BD527-E381-48AC-8F86-43E9B3FDCE9C}" srcId="{DEE53C8C-7D65-4AE5-92FE-F82ECA25F534}" destId="{1CEB6160-28C4-4BA7-BBF2-93EC651B575B}" srcOrd="0" destOrd="0" parTransId="{25CE4EC3-612D-45C7-A34F-11FC9A08A358}" sibTransId="{529F7259-CFB9-4ECD-81DC-BB35FD85EB5C}"/>
     <dgm:cxn modelId="{7E3BA62B-AB59-491B-B4AA-D7B4796AA7A8}" type="presOf" srcId="{DEC4938A-4EAB-44D7-9D88-EB0E5FAB78DA}" destId="{FC22E2FC-92F8-42DC-950E-ECD14E0DACD2}" srcOrd="0" destOrd="0" presId="urn:microsoft.com/office/officeart/2005/8/layout/venn1"/>
     <dgm:cxn modelId="{CEABB52B-7820-440E-A6FC-1D2A1DEDE785}" type="presOf" srcId="{0F9E8500-6F6B-4941-BFAE-4FB1F93F51F9}" destId="{428A1256-B83E-45C3-BE0A-8C682AA7DB16}" srcOrd="0" destOrd="0" presId="urn:microsoft.com/office/officeart/2005/8/layout/venn1"/>
-    <dgm:cxn modelId="{D693383C-3303-4E35-9703-19CCADCC7B24}" srcId="{DEC4938A-4EAB-44D7-9D88-EB0E5FAB78DA}" destId="{F03469D2-3FBD-4ABB-B23B-52F279C6F72C}" srcOrd="1" destOrd="0" parTransId="{2605FC2A-39C2-42C2-99F0-64C653393751}" sibTransId="{06022D58-F2EB-4A7A-B192-E99134F3B1FE}"/>
     <dgm:cxn modelId="{899D3C5D-5F8A-439B-932D-6442BF373BF0}" type="presOf" srcId="{8CF57CEB-10C9-4A62-89A1-BFE54C03FE23}" destId="{FC22E2FC-92F8-42DC-950E-ECD14E0DACD2}" srcOrd="0" destOrd="1" presId="urn:microsoft.com/office/officeart/2005/8/layout/venn1"/>
+    <dgm:cxn modelId="{33AFBD62-E151-4964-B16B-304F0603BEA3}" type="presOf" srcId="{BE01D67A-F4B1-4CB5-BF89-1806BD3B889B}" destId="{850D3DFB-3A30-4588-BFB9-BC1FC1307AD7}" srcOrd="0" destOrd="0" presId="urn:microsoft.com/office/officeart/2005/8/layout/venn1"/>
     <dgm:cxn modelId="{6AB82667-CE58-43C9-BDDD-375285A699C9}" type="presOf" srcId="{1CEB6160-28C4-4BA7-BBF2-93EC651B575B}" destId="{BBDB21C6-1BBA-4E9B-8CED-ED0E8A77CD8B}" srcOrd="0" destOrd="1" presId="urn:microsoft.com/office/officeart/2005/8/layout/venn1"/>
     <dgm:cxn modelId="{6924C96F-6ED4-467C-9193-5801222029B5}" type="presOf" srcId="{CBF05B3D-0EC5-4DD0-BCDE-5EE5912778B7}" destId="{5DD4F5A8-5912-458C-A1A2-4C4ED1331287}" srcOrd="0" destOrd="0" presId="urn:microsoft.com/office/officeart/2005/8/layout/venn1"/>
     <dgm:cxn modelId="{FAEBE16F-FE0E-444B-A5C7-B72BE62F8799}" type="presOf" srcId="{254606E6-5FFE-4F46-B992-B1271BF3EC56}" destId="{227544CB-7603-4668-BD99-B1DB1DEFCA6D}" srcOrd="0" destOrd="0" presId="urn:microsoft.com/office/officeart/2005/8/layout/venn1"/>
@@ -5247,18 +5268,18 @@
     <dgm:cxn modelId="{1FBF5B7B-EF71-4862-A2FB-7ABA1E7B77BD}" srcId="{254606E6-5FFE-4F46-B992-B1271BF3EC56}" destId="{CBF05B3D-0EC5-4DD0-BCDE-5EE5912778B7}" srcOrd="2" destOrd="0" parTransId="{587A4BE6-1139-415D-9179-23DD0FBDECCD}" sibTransId="{64B046D1-AF0A-498A-9352-07E4A5ACF918}"/>
     <dgm:cxn modelId="{88937483-03BE-4125-9A82-01B50B00A339}" type="presOf" srcId="{31411FE2-34DF-4691-8B65-15649A57782F}" destId="{428A1256-B83E-45C3-BE0A-8C682AA7DB16}" srcOrd="0" destOrd="1" presId="urn:microsoft.com/office/officeart/2005/8/layout/venn1"/>
     <dgm:cxn modelId="{6BB19B99-82AA-4020-A299-A9F435739005}" srcId="{254606E6-5FFE-4F46-B992-B1271BF3EC56}" destId="{6163C455-4887-4587-BCB7-DC4CBB5ABEA5}" srcOrd="4" destOrd="0" parTransId="{988F2EF6-255E-46F6-A54C-B8722DEC7294}" sibTransId="{139484D9-1C01-4839-8706-2B7FA62CBE4F}"/>
-    <dgm:cxn modelId="{5968369A-1734-43A5-8035-5AE13890B789}" srcId="{DEE53C8C-7D65-4AE5-92FE-F82ECA25F534}" destId="{E375DCE7-071B-46C6-9F60-5F64B0EF6143}" srcOrd="1" destOrd="0" parTransId="{5B8E8E68-0B1F-4B05-BF96-4E70A61B0F36}" sibTransId="{3D141781-7313-4ED2-AAAA-301DFB5E163B}"/>
-    <dgm:cxn modelId="{85FFD29F-7F5E-41EE-97F0-8D714535CA89}" type="presOf" srcId="{F03469D2-3FBD-4ABB-B23B-52F279C6F72C}" destId="{FC22E2FC-92F8-42DC-950E-ECD14E0DACD2}" srcOrd="0" destOrd="2" presId="urn:microsoft.com/office/officeart/2005/8/layout/venn1"/>
     <dgm:cxn modelId="{AB1AD3A6-089C-4664-AAAE-968D9C91A71B}" srcId="{DEC4938A-4EAB-44D7-9D88-EB0E5FAB78DA}" destId="{8CF57CEB-10C9-4A62-89A1-BFE54C03FE23}" srcOrd="0" destOrd="0" parTransId="{08D05034-5E0D-4DD7-AC6B-154FB4BC7F0A}" sibTransId="{42CAB6F7-3DB1-4A2F-AAEC-BFB8BA6DF4F5}"/>
+    <dgm:cxn modelId="{678A85AF-0A98-42CC-8A92-1D5A9661670F}" srcId="{BE01D67A-F4B1-4CB5-BF89-1806BD3B889B}" destId="{72504853-7F6C-4446-9D87-36AE3FEEED4E}" srcOrd="0" destOrd="0" parTransId="{9E5F40FF-9DF3-4A99-A311-79CEF2CF23E8}" sibTransId="{7147A7D1-C7D2-4CCE-8615-0980D50B5D8F}"/>
     <dgm:cxn modelId="{862099B4-9019-4431-9B08-67DD84814EFC}" srcId="{254606E6-5FFE-4F46-B992-B1271BF3EC56}" destId="{DEE53C8C-7D65-4AE5-92FE-F82ECA25F534}" srcOrd="1" destOrd="0" parTransId="{4ED77CAC-8005-4EB8-AFF4-D5F7F4FB2828}" sibTransId="{E2746B61-3CD5-4D23-AA4C-54639816C429}"/>
     <dgm:cxn modelId="{4EB7F0C2-6C94-4726-861C-B44B740731D9}" srcId="{0F9E8500-6F6B-4941-BFAE-4FB1F93F51F9}" destId="{31411FE2-34DF-4691-8B65-15649A57782F}" srcOrd="0" destOrd="0" parTransId="{073807C7-92BF-48A0-A75E-9EDB2949AF25}" sibTransId="{DC1346E0-B9AE-454E-9418-8AE419982C4F}"/>
     <dgm:cxn modelId="{EF59C3CB-1179-48B5-9F9C-ED4D553ACE50}" srcId="{CBF05B3D-0EC5-4DD0-BCDE-5EE5912778B7}" destId="{C9BD3A56-11EB-45FD-8861-2C91AA983BE4}" srcOrd="0" destOrd="0" parTransId="{DCB8F6D7-1D82-433E-AB5B-59E4A4D30CA9}" sibTransId="{7CD9E351-DCC9-46C6-8B2C-26804D3F5B21}"/>
+    <dgm:cxn modelId="{A2DACDCB-7B56-40EF-ABE8-32B68952BCBD}" srcId="{254606E6-5FFE-4F46-B992-B1271BF3EC56}" destId="{BE01D67A-F4B1-4CB5-BF89-1806BD3B889B}" srcOrd="5" destOrd="0" parTransId="{33B8B200-129F-491F-A42F-B76D07E4A8C9}" sibTransId="{85918114-D118-401E-9A02-27B87CA32374}"/>
     <dgm:cxn modelId="{393EACCC-6A02-46AA-945C-30FCB8B664BC}" type="presOf" srcId="{6163C455-4887-4587-BCB7-DC4CBB5ABEA5}" destId="{AA4A5DC3-96F4-4948-AE22-24F404A2AB1C}" srcOrd="0" destOrd="0" presId="urn:microsoft.com/office/officeart/2005/8/layout/venn1"/>
     <dgm:cxn modelId="{37068CD5-2649-44C1-A998-D62FAEA90E42}" srcId="{254606E6-5FFE-4F46-B992-B1271BF3EC56}" destId="{DEC4938A-4EAB-44D7-9D88-EB0E5FAB78DA}" srcOrd="0" destOrd="0" parTransId="{17D2C241-4D2C-4A39-ACEC-339DB59F16D1}" sibTransId="{48230A6C-9ADB-4376-9050-813C6114F582}"/>
     <dgm:cxn modelId="{5F4668DB-4F42-4430-99B0-1D72196D99F6}" type="presOf" srcId="{C9BD3A56-11EB-45FD-8861-2C91AA983BE4}" destId="{5DD4F5A8-5912-458C-A1A2-4C4ED1331287}" srcOrd="0" destOrd="1" presId="urn:microsoft.com/office/officeart/2005/8/layout/venn1"/>
     <dgm:cxn modelId="{91086FDB-0048-49FE-8131-FA13D36F292C}" type="presOf" srcId="{94685D33-7467-467A-8C02-C66E834B2D0B}" destId="{AA4A5DC3-96F4-4948-AE22-24F404A2AB1C}" srcOrd="0" destOrd="1" presId="urn:microsoft.com/office/officeart/2005/8/layout/venn1"/>
+    <dgm:cxn modelId="{25EDC9E7-D837-4F17-AE59-0BC2F94DA2F3}" type="presOf" srcId="{72504853-7F6C-4446-9D87-36AE3FEEED4E}" destId="{850D3DFB-3A30-4588-BFB9-BC1FC1307AD7}" srcOrd="0" destOrd="1" presId="urn:microsoft.com/office/officeart/2005/8/layout/venn1"/>
     <dgm:cxn modelId="{C0A309F6-0D56-4353-92CF-93AB6D7F74E4}" type="presOf" srcId="{DEE53C8C-7D65-4AE5-92FE-F82ECA25F534}" destId="{BBDB21C6-1BBA-4E9B-8CED-ED0E8A77CD8B}" srcOrd="0" destOrd="0" presId="urn:microsoft.com/office/officeart/2005/8/layout/venn1"/>
-    <dgm:cxn modelId="{DC97ECF8-5947-404A-9272-E8E9FC8CE072}" type="presOf" srcId="{E375DCE7-071B-46C6-9F60-5F64B0EF6143}" destId="{BBDB21C6-1BBA-4E9B-8CED-ED0E8A77CD8B}" srcOrd="0" destOrd="2" presId="urn:microsoft.com/office/officeart/2005/8/layout/venn1"/>
     <dgm:cxn modelId="{AF18C6FF-B069-4194-A5E9-1D458F22B746}" srcId="{6163C455-4887-4587-BCB7-DC4CBB5ABEA5}" destId="{94685D33-7467-467A-8C02-C66E834B2D0B}" srcOrd="0" destOrd="0" parTransId="{C861F5D7-318E-4CEE-AC7F-9B11A79BF065}" sibTransId="{E7C103C3-EA5A-4CE2-8C91-6503E9475818}"/>
     <dgm:cxn modelId="{33FAC0AC-45B5-488B-A939-E63B80E6AC89}" type="presParOf" srcId="{227544CB-7603-4668-BD99-B1DB1DEFCA6D}" destId="{BABE92D7-865B-460F-BBC8-3B3C03012800}" srcOrd="0" destOrd="0" presId="urn:microsoft.com/office/officeart/2005/8/layout/venn1"/>
     <dgm:cxn modelId="{2AEDAF9B-02E1-4A92-A1FB-0B60A3F66CA6}" type="presParOf" srcId="{227544CB-7603-4668-BD99-B1DB1DEFCA6D}" destId="{FC22E2FC-92F8-42DC-950E-ECD14E0DACD2}" srcOrd="1" destOrd="0" presId="urn:microsoft.com/office/officeart/2005/8/layout/venn1"/>
@@ -5270,6 +5291,8 @@
     <dgm:cxn modelId="{83425102-38F4-45EE-9C86-344744ED6FDB}" type="presParOf" srcId="{227544CB-7603-4668-BD99-B1DB1DEFCA6D}" destId="{428A1256-B83E-45C3-BE0A-8C682AA7DB16}" srcOrd="7" destOrd="0" presId="urn:microsoft.com/office/officeart/2005/8/layout/venn1"/>
     <dgm:cxn modelId="{9A95C165-8E21-4D58-A20B-B1552891C7E7}" type="presParOf" srcId="{227544CB-7603-4668-BD99-B1DB1DEFCA6D}" destId="{07F78699-3DB8-4B65-963E-CE57C4C04550}" srcOrd="8" destOrd="0" presId="urn:microsoft.com/office/officeart/2005/8/layout/venn1"/>
     <dgm:cxn modelId="{1EDEE181-87BB-445E-B6F7-38927831B9C8}" type="presParOf" srcId="{227544CB-7603-4668-BD99-B1DB1DEFCA6D}" destId="{AA4A5DC3-96F4-4948-AE22-24F404A2AB1C}" srcOrd="9" destOrd="0" presId="urn:microsoft.com/office/officeart/2005/8/layout/venn1"/>
+    <dgm:cxn modelId="{C601FB72-A451-48A4-90FF-BE223E9C3D60}" type="presParOf" srcId="{227544CB-7603-4668-BD99-B1DB1DEFCA6D}" destId="{67D65BC2-50FC-499A-AF6B-633C0F711BAF}" srcOrd="10" destOrd="0" presId="urn:microsoft.com/office/officeart/2005/8/layout/venn1"/>
+    <dgm:cxn modelId="{141EAEAE-FAFA-4948-B1B5-3DE1AAEE1DD9}" type="presParOf" srcId="{227544CB-7603-4668-BD99-B1DB1DEFCA6D}" destId="{850D3DFB-3A30-4588-BFB9-BC1FC1307AD7}" srcOrd="11" destOrd="0" presId="urn:microsoft.com/office/officeart/2005/8/layout/venn1"/>
   </dgm:cxnLst>
   <dgm:bg/>
   <dgm:whole/>
@@ -7926,8 +7949,8 @@
       </dsp:nvSpPr>
       <dsp:spPr>
         <a:xfrm>
-          <a:off x="5063743" y="1442858"/>
-          <a:ext cx="1771931" cy="1771931"/>
+          <a:off x="5114581" y="1165424"/>
+          <a:ext cx="1561324" cy="1561324"/>
         </a:xfrm>
         <a:prstGeom prst="ellipse">
           <a:avLst/>
@@ -7977,8 +8000,8 @@
       </dsp:nvSpPr>
       <dsp:spPr>
         <a:xfrm>
-          <a:off x="4137417" y="84173"/>
-          <a:ext cx="3624584" cy="1189725"/>
+          <a:off x="3691307" y="115033"/>
+          <a:ext cx="4617130" cy="1063159"/>
         </a:xfrm>
         <a:prstGeom prst="rect">
           <a:avLst/>
@@ -8008,7 +8031,7 @@
         </a:bodyPr>
         <a:lstStyle/>
         <a:p>
-          <a:pPr marL="0" lvl="0" indent="0" algn="l" defTabSz="622300">
+          <a:pPr marL="0" lvl="0" indent="0" algn="l" defTabSz="711200">
             <a:lnSpc>
               <a:spcPct val="90000"/>
             </a:lnSpc>
@@ -8021,16 +8044,16 @@
             <a:buNone/>
           </a:pPr>
           <a:r>
-            <a:rPr lang="en-US" sz="1400" b="1" kern="1200" dirty="0"/>
+            <a:rPr lang="en-US" sz="1600" b="1" kern="1200" dirty="0"/>
             <a:t>1- Logistic Regression</a:t>
           </a:r>
           <a:r>
-            <a:rPr lang="en-US" sz="1400" kern="1200" dirty="0"/>
+            <a:rPr lang="en-US" sz="1600" kern="1200" dirty="0"/>
             <a:t>:</a:t>
           </a:r>
         </a:p>
         <a:p>
-          <a:pPr marL="114300" lvl="1" indent="-114300" algn="l" defTabSz="622300">
+          <a:pPr marL="171450" lvl="1" indent="-171450" algn="l" defTabSz="711200">
             <a:lnSpc>
               <a:spcPct val="90000"/>
             </a:lnSpc>
@@ -8043,32 +8066,14 @@
             <a:buChar char="•"/>
           </a:pPr>
           <a:r>
-            <a:rPr lang="en-US" sz="1400" kern="1200" dirty="0"/>
-            <a:t>simple and computationally efficient. robust to overfitting</a:t>
-          </a:r>
-        </a:p>
-        <a:p>
-          <a:pPr marL="114300" lvl="1" indent="-114300" algn="l" defTabSz="622300">
-            <a:lnSpc>
-              <a:spcPct val="90000"/>
-            </a:lnSpc>
-            <a:spcBef>
-              <a:spcPct val="0"/>
-            </a:spcBef>
-            <a:spcAft>
-              <a:spcPct val="15000"/>
-            </a:spcAft>
-            <a:buChar char="•"/>
-          </a:pPr>
-          <a:r>
-            <a:rPr lang="en-US" sz="1400" kern="1200" dirty="0"/>
-            <a:t>May not perform well with highly non-linear data.</a:t>
+            <a:rPr lang="en-US" sz="1600" kern="1200" dirty="0"/>
+            <a:t>simple and computationally efficient. robust to overfitting. May not perform well with highly non-linear data.</a:t>
           </a:r>
         </a:p>
       </dsp:txBody>
       <dsp:txXfrm>
-        <a:off x="4137417" y="84173"/>
-        <a:ext cx="3624584" cy="1189725"/>
+        <a:off x="3691307" y="115033"/>
+        <a:ext cx="4617130" cy="1063159"/>
       </dsp:txXfrm>
     </dsp:sp>
     <dsp:sp modelId="{109A39DE-F455-4EA9-9310-A61D0A78C2A2}">
@@ -8078,8 +8083,8 @@
       </dsp:nvSpPr>
       <dsp:spPr>
         <a:xfrm>
-          <a:off x="5737786" y="1932418"/>
-          <a:ext cx="1771931" cy="1771931"/>
+          <a:off x="5621361" y="1458046"/>
+          <a:ext cx="1561324" cy="1561324"/>
         </a:xfrm>
         <a:prstGeom prst="ellipse">
           <a:avLst/>
@@ -8129,8 +8134,8 @@
       </dsp:nvSpPr>
       <dsp:spPr>
         <a:xfrm>
-          <a:off x="8079548" y="1064265"/>
-          <a:ext cx="2654087" cy="1511916"/>
+          <a:off x="8322138" y="1129369"/>
+          <a:ext cx="2663752" cy="1363689"/>
         </a:xfrm>
         <a:prstGeom prst="rect">
           <a:avLst/>
@@ -8160,7 +8165,7 @@
         </a:bodyPr>
         <a:lstStyle/>
         <a:p>
-          <a:pPr marL="0" lvl="0" indent="0" algn="l" defTabSz="622300">
+          <a:pPr marL="0" lvl="0" indent="0" algn="l" defTabSz="711200">
             <a:lnSpc>
               <a:spcPct val="90000"/>
             </a:lnSpc>
@@ -8173,12 +8178,12 @@
             <a:buNone/>
           </a:pPr>
           <a:r>
-            <a:rPr lang="en-US" sz="1400" b="1" kern="1200" dirty="0"/>
+            <a:rPr lang="en-US" sz="1600" b="1" kern="1200" dirty="0"/>
             <a:t>2- SVM: </a:t>
           </a:r>
         </a:p>
         <a:p>
-          <a:pPr marL="114300" lvl="1" indent="-114300" algn="l" defTabSz="622300">
+          <a:pPr marL="171450" lvl="1" indent="-171450" algn="l" defTabSz="711200">
             <a:lnSpc>
               <a:spcPct val="90000"/>
             </a:lnSpc>
@@ -8191,32 +8196,14 @@
             <a:buChar char="•"/>
           </a:pPr>
           <a:r>
-            <a:rPr lang="en-US" sz="1400" kern="1200" dirty="0"/>
-            <a:t>effective in high-dimensional spaces, versatile due to different kernel functions, resistant to overfitting</a:t>
-          </a:r>
-        </a:p>
-        <a:p>
-          <a:pPr marL="114300" lvl="1" indent="-114300" algn="l" defTabSz="622300">
-            <a:lnSpc>
-              <a:spcPct val="90000"/>
-            </a:lnSpc>
-            <a:spcBef>
-              <a:spcPct val="0"/>
-            </a:spcBef>
-            <a:spcAft>
-              <a:spcPct val="15000"/>
-            </a:spcAft>
-            <a:buChar char="•"/>
-          </a:pPr>
-          <a:r>
-            <a:rPr lang="en-US" sz="1400" kern="1200" dirty="0"/>
-            <a:t>computationally height, with large datasets, model parameters (e.g., the choice of the kernel) can be challenging to interpret.</a:t>
+            <a:rPr lang="en-US" sz="1600" kern="1200" dirty="0"/>
+            <a:t>computationally height, effective in high-dimensional spaces, versatile due to different kernel functions, resistant to overfitting, can be challenging to choose kernel.</a:t>
           </a:r>
         </a:p>
       </dsp:txBody>
       <dsp:txXfrm>
-        <a:off x="8079548" y="1064265"/>
-        <a:ext cx="2654087" cy="1511916"/>
+        <a:off x="8322138" y="1129369"/>
+        <a:ext cx="2663752" cy="1363689"/>
       </dsp:txXfrm>
     </dsp:sp>
     <dsp:sp modelId="{9C1A28F7-D986-45E8-9B58-B603E50122C1}">
@@ -8226,8 +8213,8 @@
       </dsp:nvSpPr>
       <dsp:spPr>
         <a:xfrm>
-          <a:off x="5480501" y="2725230"/>
-          <a:ext cx="1771931" cy="1771931"/>
+          <a:off x="5621361" y="2043290"/>
+          <a:ext cx="1561324" cy="1561324"/>
         </a:xfrm>
         <a:prstGeom prst="ellipse">
           <a:avLst/>
@@ -8277,8 +8264,8 @@
       </dsp:nvSpPr>
       <dsp:spPr>
         <a:xfrm>
-          <a:off x="7946468" y="3577319"/>
-          <a:ext cx="2872865" cy="1201139"/>
+          <a:off x="8243238" y="3250776"/>
+          <a:ext cx="2883326" cy="1210560"/>
         </a:xfrm>
         <a:prstGeom prst="rect">
           <a:avLst/>
@@ -8308,7 +8295,7 @@
         </a:bodyPr>
         <a:lstStyle/>
         <a:p>
-          <a:pPr marL="0" lvl="0" indent="0" algn="l" defTabSz="622300">
+          <a:pPr marL="0" lvl="0" indent="0" algn="l" defTabSz="711200">
             <a:lnSpc>
               <a:spcPct val="90000"/>
             </a:lnSpc>
@@ -8321,16 +8308,16 @@
             <a:buNone/>
           </a:pPr>
           <a:r>
-            <a:rPr lang="en-US" sz="1400" b="1" kern="1200" dirty="0"/>
+            <a:rPr lang="en-US" sz="1600" b="1" kern="1200" dirty="0"/>
             <a:t>3- k-Nearest Neighbors (KNN)</a:t>
           </a:r>
           <a:r>
-            <a:rPr lang="en-US" sz="1400" kern="1200" dirty="0"/>
+            <a:rPr lang="en-US" sz="1600" kern="1200" dirty="0"/>
             <a:t> </a:t>
           </a:r>
         </a:p>
         <a:p>
-          <a:pPr marL="114300" lvl="1" indent="-114300" algn="l" defTabSz="622300">
+          <a:pPr marL="171450" lvl="1" indent="-171450" algn="l" defTabSz="711200">
             <a:lnSpc>
               <a:spcPct val="90000"/>
             </a:lnSpc>
@@ -8343,14 +8330,18 @@
             <a:buChar char="•"/>
           </a:pPr>
           <a:r>
+            <a:rPr lang="en-US" sz="1600" kern="1200" dirty="0"/>
+            <a:t>non-parametric and flexible algorithm, intuitive and easy .. However, it’s computationally expensive during prediction, especially with large datasets and also sensitive to irrelevant or redundant features</a:t>
+          </a:r>
+          <a:r>
             <a:rPr lang="en-US" sz="1400" kern="1200" dirty="0"/>
-            <a:t>non-parametric and flexible algorithm, intuitive and easy . It can capture complex decision boundaries. However, it’s computationally expensive during prediction, especially with large datasets and also sensitive to irrelevant or redundant features.</a:t>
+            <a:t>.</a:t>
           </a:r>
         </a:p>
       </dsp:txBody>
       <dsp:txXfrm>
-        <a:off x="7946468" y="3577319"/>
-        <a:ext cx="2872865" cy="1201139"/>
+        <a:off x="8243238" y="3250776"/>
+        <a:ext cx="2883326" cy="1210560"/>
       </dsp:txXfrm>
     </dsp:sp>
     <dsp:sp modelId="{52A53109-B3D3-4C1B-8A50-4BFEC248E1E7}">
@@ -8360,8 +8351,8 @@
       </dsp:nvSpPr>
       <dsp:spPr>
         <a:xfrm>
-          <a:off x="4646985" y="2725230"/>
-          <a:ext cx="1771931" cy="1771931"/>
+          <a:off x="5114581" y="2336418"/>
+          <a:ext cx="1561324" cy="1561324"/>
         </a:xfrm>
         <a:prstGeom prst="ellipse">
           <a:avLst/>
@@ -8411,8 +8402,8 @@
       </dsp:nvSpPr>
       <dsp:spPr>
         <a:xfrm>
-          <a:off x="654507" y="3413514"/>
-          <a:ext cx="3281010" cy="1290978"/>
+          <a:off x="3181642" y="3897078"/>
+          <a:ext cx="4385722" cy="1063159"/>
         </a:xfrm>
         <a:prstGeom prst="rect">
           <a:avLst/>
@@ -8460,7 +8451,7 @@
           </a:r>
         </a:p>
         <a:p>
-          <a:pPr marL="114300" lvl="1" indent="-114300" algn="l" defTabSz="622300">
+          <a:pPr marL="171450" lvl="1" indent="-171450" algn="l" defTabSz="711200">
             <a:lnSpc>
               <a:spcPct val="90000"/>
             </a:lnSpc>
@@ -8473,14 +8464,18 @@
             <a:buChar char="•"/>
           </a:pPr>
           <a:r>
+            <a:rPr lang="en-US" sz="1600" kern="1200" dirty="0"/>
+            <a:t>Robust, less prone to overfitting compared to individual decision trees. It can handle a large number of features and provides feature importance scores. More expensive</a:t>
+          </a:r>
+          <a:r>
             <a:rPr lang="en-US" sz="1400" kern="1200" dirty="0"/>
-            <a:t>Robust and less prone to overfitting compared to individual decision trees. It can handle a large number of features and provides feature importance scores. The Weaknesses are Lack of interpretability compared to decision trees and the computation is sometimes more expensive.</a:t>
+            <a:t>.</a:t>
           </a:r>
         </a:p>
       </dsp:txBody>
       <dsp:txXfrm>
-        <a:off x="654507" y="3413514"/>
-        <a:ext cx="3281010" cy="1290978"/>
+        <a:off x="3181642" y="3897078"/>
+        <a:ext cx="4385722" cy="1063159"/>
       </dsp:txXfrm>
     </dsp:sp>
     <dsp:sp modelId="{07F78699-3DB8-4B65-963E-CE57C4C04550}">
@@ -8490,8 +8485,8 @@
       </dsp:nvSpPr>
       <dsp:spPr>
         <a:xfrm>
-          <a:off x="4389700" y="1932418"/>
-          <a:ext cx="1771931" cy="1771931"/>
+          <a:off x="4607801" y="2043290"/>
+          <a:ext cx="1561324" cy="1561324"/>
         </a:xfrm>
         <a:prstGeom prst="ellipse">
           <a:avLst/>
@@ -8541,8 +8536,147 @@
       </dsp:nvSpPr>
       <dsp:spPr>
         <a:xfrm>
-          <a:off x="633008" y="1174734"/>
-          <a:ext cx="3124924" cy="1290978"/>
+          <a:off x="563698" y="664656"/>
+          <a:ext cx="3136304" cy="1301104"/>
+        </a:xfrm>
+        <a:prstGeom prst="rect">
+          <a:avLst/>
+        </a:prstGeom>
+        <a:noFill/>
+        <a:ln>
+          <a:noFill/>
+        </a:ln>
+        <a:effectLst/>
+        <a:sp3d/>
+      </dsp:spPr>
+      <dsp:style>
+        <a:lnRef idx="0">
+          <a:scrgbClr r="0" g="0" b="0"/>
+        </a:lnRef>
+        <a:fillRef idx="0">
+          <a:scrgbClr r="0" g="0" b="0"/>
+        </a:fillRef>
+        <a:effectRef idx="0">
+          <a:scrgbClr r="0" g="0" b="0"/>
+        </a:effectRef>
+        <a:fontRef idx="minor"/>
+      </dsp:style>
+      <dsp:txBody>
+        <a:bodyPr spcFirstLastPara="0" vert="horz" wrap="square" lIns="0" tIns="0" rIns="0" bIns="0" numCol="1" spcCol="1270" anchor="ctr" anchorCtr="1">
+          <a:noAutofit/>
+        </a:bodyPr>
+        <a:lstStyle/>
+        <a:p>
+          <a:pPr marL="0" lvl="0" indent="0" algn="l" defTabSz="711200">
+            <a:lnSpc>
+              <a:spcPct val="90000"/>
+            </a:lnSpc>
+            <a:spcBef>
+              <a:spcPct val="0"/>
+            </a:spcBef>
+            <a:spcAft>
+              <a:spcPct val="35000"/>
+            </a:spcAft>
+            <a:buNone/>
+          </a:pPr>
+          <a:r>
+            <a:rPr lang="en-US" sz="1600" b="1" kern="1200" dirty="0"/>
+            <a:t>6- </a:t>
+          </a:r>
+          <a:r>
+            <a:rPr lang="en-US" sz="1600" b="1" kern="1200" dirty="0" err="1"/>
+            <a:t>GradientBoosting</a:t>
+          </a:r>
+          <a:r>
+            <a:rPr lang="en-US" sz="1600" b="1" kern="1200" dirty="0"/>
+            <a:t> : </a:t>
+          </a:r>
+        </a:p>
+        <a:p>
+          <a:pPr marL="171450" lvl="1" indent="-171450" algn="l" defTabSz="711200">
+            <a:lnSpc>
+              <a:spcPct val="90000"/>
+            </a:lnSpc>
+            <a:spcBef>
+              <a:spcPct val="0"/>
+            </a:spcBef>
+            <a:spcAft>
+              <a:spcPct val="15000"/>
+            </a:spcAft>
+            <a:buChar char="•"/>
+          </a:pPr>
+          <a:r>
+            <a:rPr lang="en-US" sz="1600" b="0" i="0" kern="1200" dirty="0"/>
+            <a:t>A powerful boosting algorithm, trains the model sequentially and each new model tries to correct the previous model, less sensitive to outliers</a:t>
+          </a:r>
+          <a:endParaRPr lang="en-US" sz="1600" kern="1200" dirty="0"/>
+        </a:p>
+      </dsp:txBody>
+      <dsp:txXfrm>
+        <a:off x="563698" y="664656"/>
+        <a:ext cx="3136304" cy="1301104"/>
+      </dsp:txXfrm>
+    </dsp:sp>
+    <dsp:sp modelId="{67D65BC2-50FC-499A-AF6B-633C0F711BAF}">
+      <dsp:nvSpPr>
+        <dsp:cNvPr id="0" name=""/>
+        <dsp:cNvSpPr/>
+      </dsp:nvSpPr>
+      <dsp:spPr>
+        <a:xfrm>
+          <a:off x="4607801" y="1458046"/>
+          <a:ext cx="1561324" cy="1561324"/>
+        </a:xfrm>
+        <a:prstGeom prst="ellipse">
+          <a:avLst/>
+        </a:prstGeom>
+        <a:solidFill>
+          <a:schemeClr val="accent1">
+            <a:alpha val="50000"/>
+            <a:hueOff val="0"/>
+            <a:satOff val="0"/>
+            <a:lumOff val="0"/>
+            <a:alphaOff val="0"/>
+          </a:schemeClr>
+        </a:solidFill>
+        <a:ln w="12700" cap="flat" cmpd="sng" algn="ctr">
+          <a:solidFill>
+            <a:schemeClr val="lt1">
+              <a:hueOff val="0"/>
+              <a:satOff val="0"/>
+              <a:lumOff val="0"/>
+              <a:alphaOff val="0"/>
+            </a:schemeClr>
+          </a:solidFill>
+          <a:prstDash val="solid"/>
+          <a:miter lim="800000"/>
+        </a:ln>
+        <a:effectLst/>
+      </dsp:spPr>
+      <dsp:style>
+        <a:lnRef idx="2">
+          <a:scrgbClr r="0" g="0" b="0"/>
+        </a:lnRef>
+        <a:fillRef idx="1">
+          <a:scrgbClr r="0" g="0" b="0"/>
+        </a:fillRef>
+        <a:effectRef idx="0">
+          <a:scrgbClr r="0" g="0" b="0"/>
+        </a:effectRef>
+        <a:fontRef idx="minor">
+          <a:schemeClr val="tx1"/>
+        </a:fontRef>
+      </dsp:style>
+    </dsp:sp>
+    <dsp:sp modelId="{850D3DFB-3A30-4588-BFB9-BC1FC1307AD7}">
+      <dsp:nvSpPr>
+        <dsp:cNvPr id="0" name=""/>
+        <dsp:cNvSpPr/>
+      </dsp:nvSpPr>
+      <dsp:spPr>
+        <a:xfrm>
+          <a:off x="498641" y="2491855"/>
+          <a:ext cx="2908129" cy="1418971"/>
         </a:xfrm>
         <a:prstGeom prst="rect">
           <a:avLst/>
@@ -8598,7 +8732,7 @@
           </a:r>
         </a:p>
         <a:p>
-          <a:pPr marL="114300" lvl="1" indent="-114300" algn="l" defTabSz="622300">
+          <a:pPr marL="171450" lvl="1" indent="-171450" algn="l" defTabSz="711200">
             <a:lnSpc>
               <a:spcPct val="90000"/>
             </a:lnSpc>
@@ -8611,18 +8745,14 @@
             <a:buChar char="•"/>
           </a:pPr>
           <a:r>
-            <a:rPr lang="en-US" sz="1400" kern="1200" dirty="0"/>
-            <a:t>better predictive performance, robust to outliers. It’s an efficient and scalable algorithm. it can prone to overfitting, especially with insufficient regularization and requires tuning of hyperparameters</a:t>
-          </a:r>
-          <a:r>
             <a:rPr lang="en-US" sz="1600" kern="1200" dirty="0"/>
-            <a:t>.</a:t>
+            <a:t>better predictive performance, robust to outliers. Efficient and scalable algorithm. it can prone to overfitting, especially with insufficient regularization and requires tuning of hyperparameters.</a:t>
           </a:r>
         </a:p>
       </dsp:txBody>
       <dsp:txXfrm>
-        <a:off x="633008" y="1174734"/>
-        <a:ext cx="3124924" cy="1290978"/>
+        <a:off x="498641" y="2491855"/>
+        <a:ext cx="2908129" cy="1418971"/>
       </dsp:txXfrm>
     </dsp:sp>
   </dsp:spTree>
@@ -15159,7 +15289,7 @@
           </a:lstStyle>
           <a:p>
             <a:fld id="{E14C8F11-D0DF-4008-860B-4A7D93BC166E}" type="datetimeFigureOut">
-              <a:t>12/12/2023</a:t>
+              <a:t>12/15/2023</a:t>
             </a:fld>
             <a:endParaRPr lang="en-US"/>
           </a:p>
@@ -30030,7 +30160,7 @@
             <p:ph idx="1"/>
             <p:extLst>
               <p:ext uri="{D42A27DB-BD31-4B8C-83A1-F6EECF244321}">
-                <p14:modId xmlns:p14="http://schemas.microsoft.com/office/powerpoint/2010/main" val="2785227258"/>
+                <p14:modId xmlns:p14="http://schemas.microsoft.com/office/powerpoint/2010/main" val="1937881295"/>
               </p:ext>
             </p:extLst>
           </p:nvPr>
@@ -30144,7 +30274,12 @@
             <p:ph type="title"/>
           </p:nvPr>
         </p:nvSpPr>
-        <p:spPr/>
+        <p:spPr>
+          <a:xfrm>
+            <a:off x="858129" y="1064779"/>
+            <a:ext cx="10294219" cy="921254"/>
+          </a:xfrm>
+        </p:spPr>
         <p:txBody>
           <a:bodyPr>
             <a:normAutofit fontScale="90000"/>
@@ -30152,26 +30287,26 @@
           <a:lstStyle/>
           <a:p>
             <a:r>
-              <a:rPr lang="en-US" b="1"/>
+              <a:rPr lang="en-US" b="1" dirty="0"/>
               <a:t>Model Evaluation</a:t>
             </a:r>
             <a:r>
-              <a:rPr lang="tr-TR" b="1"/>
+              <a:rPr lang="tr-TR" b="1" dirty="0"/>
               <a:t> </a:t>
             </a:r>
             <a:r>
-              <a:rPr lang="tr-TR" b="1" err="1"/>
+              <a:rPr lang="tr-TR" b="1" dirty="0" err="1"/>
               <a:t>and</a:t>
             </a:r>
             <a:r>
-              <a:rPr lang="tr-TR" b="1"/>
+              <a:rPr lang="tr-TR" b="1" dirty="0"/>
               <a:t> </a:t>
             </a:r>
             <a:r>
-              <a:rPr lang="en-US" b="1"/>
+              <a:rPr lang="en-US" b="1" dirty="0"/>
               <a:t>Hyperparameter Tuning</a:t>
             </a:r>
-            <a:endParaRPr lang="tr-TR"/>
+            <a:endParaRPr lang="tr-TR" dirty="0"/>
           </a:p>
         </p:txBody>
       </p:sp>
@@ -30243,7 +30378,15 @@
             </a:pPr>
             <a:r>
               <a:rPr lang="en-US" sz="2400" dirty="0"/>
-              <a:t>Result of hyperparameter Tuning on Heart dataset</a:t>
+              <a:t>Result of hyperparameter Tuning on </a:t>
+            </a:r>
+            <a:r>
+              <a:rPr lang="en-US" sz="2400" dirty="0">
+                <a:solidFill>
+                  <a:srgbClr val="FFC000"/>
+                </a:solidFill>
+              </a:rPr>
+              <a:t>Heart dataset</a:t>
             </a:r>
           </a:p>
           <a:p>
@@ -30316,10 +30459,10 @@
       </p:sp>
       <p:graphicFrame>
         <p:nvGraphicFramePr>
-          <p:cNvPr id="6" name="Table 5">
+          <p:cNvPr id="8" name="Table 7">
             <a:extLst>
               <a:ext uri="{FF2B5EF4-FFF2-40B4-BE49-F238E27FC236}">
-                <a16:creationId xmlns:a16="http://schemas.microsoft.com/office/drawing/2014/main" id="{8A3B6BFD-9CA2-383C-EE74-BFD4B9B57515}"/>
+                <a16:creationId xmlns:a16="http://schemas.microsoft.com/office/drawing/2014/main" id="{0B80638D-1B43-D1F3-91AD-AEE85D70B5EC}"/>
               </a:ext>
             </a:extLst>
           </p:cNvPr>
@@ -30329,14 +30472,14 @@
           <p:nvPr>
             <p:extLst>
               <p:ext uri="{D42A27DB-BD31-4B8C-83A1-F6EECF244321}">
-                <p14:modId xmlns:p14="http://schemas.microsoft.com/office/powerpoint/2010/main" val="2590336394"/>
+                <p14:modId xmlns:p14="http://schemas.microsoft.com/office/powerpoint/2010/main" val="1916167585"/>
               </p:ext>
             </p:extLst>
           </p:nvPr>
         </p:nvGraphicFramePr>
         <p:xfrm>
-          <a:off x="1420837" y="3113326"/>
-          <a:ext cx="9594167" cy="3376223"/>
+          <a:off x="519261" y="3038622"/>
+          <a:ext cx="11241329" cy="3641825"/>
         </p:xfrm>
         <a:graphic>
           <a:graphicData uri="http://schemas.openxmlformats.org/drawingml/2006/table">
@@ -30345,28 +30488,35 @@
                 <a:tableStyleId>{17292A2E-F333-43FB-9621-5CBBE7FDCDCB}</a:tableStyleId>
               </a:tblPr>
               <a:tblGrid>
-                <a:gridCol w="595004">
+                <a:gridCol w="504200">
                   <a:extLst>
                     <a:ext uri="{9D8B030D-6E8A-4147-A177-3AD203B41FA5}">
                       <a16:colId xmlns:a16="http://schemas.microsoft.com/office/drawing/2014/main" val="1041236934"/>
                     </a:ext>
                   </a:extLst>
                 </a:gridCol>
-                <a:gridCol w="2852206">
+                <a:gridCol w="2141770">
                   <a:extLst>
                     <a:ext uri="{9D8B030D-6E8A-4147-A177-3AD203B41FA5}">
                       <a16:colId xmlns:a16="http://schemas.microsoft.com/office/drawing/2014/main" val="3712412373"/>
                     </a:ext>
                   </a:extLst>
                 </a:gridCol>
-                <a:gridCol w="1650552">
+                <a:gridCol w="2630658">
+                  <a:extLst>
+                    <a:ext uri="{9D8B030D-6E8A-4147-A177-3AD203B41FA5}">
+                      <a16:colId xmlns:a16="http://schemas.microsoft.com/office/drawing/2014/main" val="909771426"/>
+                    </a:ext>
+                  </a:extLst>
+                </a:gridCol>
+                <a:gridCol w="2377440">
                   <a:extLst>
                     <a:ext uri="{9D8B030D-6E8A-4147-A177-3AD203B41FA5}">
                       <a16:colId xmlns:a16="http://schemas.microsoft.com/office/drawing/2014/main" val="3759634098"/>
                     </a:ext>
                   </a:extLst>
                 </a:gridCol>
-                <a:gridCol w="4496405">
+                <a:gridCol w="3587261">
                   <a:extLst>
                     <a:ext uri="{9D8B030D-6E8A-4147-A177-3AD203B41FA5}">
                       <a16:colId xmlns:a16="http://schemas.microsoft.com/office/drawing/2014/main" val="689841091"/>
@@ -30374,7 +30524,7 @@
                   </a:extLst>
                 </a:gridCol>
               </a:tblGrid>
-              <a:tr h="600545">
+              <a:tr h="522613">
                 <a:tc>
                   <a:txBody>
                     <a:bodyPr/>
@@ -30418,12 +30568,12 @@
                         </a:spcAft>
                       </a:pPr>
                       <a:r>
-                        <a:rPr lang="en-US" sz="1400" kern="0" dirty="0">
+                        <a:rPr lang="en-US" sz="1800" kern="0" dirty="0">
                           <a:effectLst/>
                         </a:rPr>
-                        <a:t>           model </a:t>
+                        <a:t>model </a:t>
                       </a:r>
-                      <a:endParaRPr lang="en-US" sz="1400" kern="100" dirty="0">
+                      <a:endParaRPr lang="en-US" sz="1800" kern="100" dirty="0">
                         <a:effectLst/>
                         <a:latin typeface="Calibri" panose="020F0502020204030204" pitchFamily="34" charset="0"/>
                         <a:ea typeface="Calibri" panose="020F0502020204030204" pitchFamily="34" charset="0"/>
@@ -30447,12 +30597,42 @@
                         </a:spcAft>
                       </a:pPr>
                       <a:r>
-                        <a:rPr lang="en-US" sz="1400" kern="0" dirty="0">
+                        <a:rPr lang="fr-FR" sz="1800" kern="100" dirty="0">
                           <a:effectLst/>
+                          <a:latin typeface="Calibri" panose="020F0502020204030204" pitchFamily="34" charset="0"/>
+                          <a:ea typeface="Calibri" panose="020F0502020204030204" pitchFamily="34" charset="0"/>
+                          <a:cs typeface="Arial" panose="020B0604020202020204" pitchFamily="34" charset="0"/>
                         </a:rPr>
-                        <a:t>Best score</a:t>
+                        <a:t> </a:t>
                       </a:r>
-                      <a:endParaRPr lang="en-US" sz="1400" kern="100" dirty="0">
+                      <a:r>
+                        <a:rPr lang="fr-FR" sz="1800" kern="100" dirty="0" err="1">
+                          <a:effectLst/>
+                          <a:latin typeface="Calibri" panose="020F0502020204030204" pitchFamily="34" charset="0"/>
+                          <a:ea typeface="Calibri" panose="020F0502020204030204" pitchFamily="34" charset="0"/>
+                          <a:cs typeface="Arial" panose="020B0604020202020204" pitchFamily="34" charset="0"/>
+                        </a:rPr>
+                        <a:t>Before</a:t>
+                      </a:r>
+                      <a:r>
+                        <a:rPr lang="fr-FR" sz="1800" kern="100" dirty="0">
+                          <a:effectLst/>
+                          <a:latin typeface="Calibri" panose="020F0502020204030204" pitchFamily="34" charset="0"/>
+                          <a:ea typeface="Calibri" panose="020F0502020204030204" pitchFamily="34" charset="0"/>
+                          <a:cs typeface="Arial" panose="020B0604020202020204" pitchFamily="34" charset="0"/>
+                        </a:rPr>
+                        <a:t> </a:t>
+                      </a:r>
+                      <a:r>
+                        <a:rPr lang="fr-FR" sz="1800" kern="100" dirty="0" err="1">
+                          <a:effectLst/>
+                          <a:latin typeface="Calibri" panose="020F0502020204030204" pitchFamily="34" charset="0"/>
+                          <a:ea typeface="Calibri" panose="020F0502020204030204" pitchFamily="34" charset="0"/>
+                          <a:cs typeface="Arial" panose="020B0604020202020204" pitchFamily="34" charset="0"/>
+                        </a:rPr>
+                        <a:t>HyperParameter</a:t>
+                      </a:r>
+                      <a:endParaRPr lang="en-US" sz="1800" kern="100" dirty="0">
                         <a:effectLst/>
                         <a:latin typeface="Calibri" panose="020F0502020204030204" pitchFamily="34" charset="0"/>
                         <a:ea typeface="Calibri" panose="020F0502020204030204" pitchFamily="34" charset="0"/>
@@ -30476,18 +30656,77 @@
                         </a:spcAft>
                       </a:pPr>
                       <a:r>
-                        <a:rPr lang="en-US" sz="1400" kern="0" dirty="0">
+                        <a:rPr lang="fr-FR" sz="1800" kern="0" dirty="0">
+                          <a:effectLst/>
+                          <a:latin typeface="Calibri" panose="020F0502020204030204" pitchFamily="34" charset="0"/>
+                          <a:ea typeface="Calibri" panose="020F0502020204030204" pitchFamily="34" charset="0"/>
+                          <a:cs typeface="Arial" panose="020B0604020202020204" pitchFamily="34" charset="0"/>
+                        </a:rPr>
+                        <a:t>A</a:t>
+                      </a:r>
+                      <a:r>
+                        <a:rPr lang="en-US" sz="1800" kern="0" dirty="0" err="1">
+                          <a:effectLst/>
+                          <a:latin typeface="Calibri" panose="020F0502020204030204" pitchFamily="34" charset="0"/>
+                          <a:ea typeface="Calibri" panose="020F0502020204030204" pitchFamily="34" charset="0"/>
+                          <a:cs typeface="Arial" panose="020B0604020202020204" pitchFamily="34" charset="0"/>
+                        </a:rPr>
+                        <a:t>fter</a:t>
+                      </a:r>
+                      <a:r>
+                        <a:rPr lang="en-US" sz="1800" kern="0" dirty="0">
+                          <a:effectLst/>
+                          <a:latin typeface="Calibri" panose="020F0502020204030204" pitchFamily="34" charset="0"/>
+                          <a:ea typeface="Calibri" panose="020F0502020204030204" pitchFamily="34" charset="0"/>
+                          <a:cs typeface="Arial" panose="020B0604020202020204" pitchFamily="34" charset="0"/>
+                        </a:rPr>
+                        <a:t> </a:t>
+                      </a:r>
+                      <a:r>
+                        <a:rPr lang="en-US" sz="1800" kern="0" dirty="0" err="1">
+                          <a:effectLst/>
+                          <a:latin typeface="Calibri" panose="020F0502020204030204" pitchFamily="34" charset="0"/>
+                          <a:ea typeface="Calibri" panose="020F0502020204030204" pitchFamily="34" charset="0"/>
+                          <a:cs typeface="Arial" panose="020B0604020202020204" pitchFamily="34" charset="0"/>
+                        </a:rPr>
+                        <a:t>Hyperparamter</a:t>
+                      </a:r>
+                      <a:endParaRPr lang="en-US" sz="1800" kern="100" dirty="0">
+                        <a:effectLst/>
+                        <a:latin typeface="Calibri" panose="020F0502020204030204" pitchFamily="34" charset="0"/>
+                        <a:ea typeface="Calibri" panose="020F0502020204030204" pitchFamily="34" charset="0"/>
+                        <a:cs typeface="Arial" panose="020B0604020202020204" pitchFamily="34" charset="0"/>
+                      </a:endParaRPr>
+                    </a:p>
+                  </a:txBody>
+                  <a:tcPr marL="68580" marR="68580" marT="0" marB="0"/>
+                </a:tc>
+                <a:tc>
+                  <a:txBody>
+                    <a:bodyPr/>
+                    <a:lstStyle/>
+                    <a:p>
+                      <a:pPr algn="ctr">
+                        <a:lnSpc>
+                          <a:spcPct val="107000"/>
+                        </a:lnSpc>
+                        <a:spcAft>
+                          <a:spcPts val="800"/>
+                        </a:spcAft>
+                      </a:pPr>
+                      <a:r>
+                        <a:rPr lang="en-US" sz="1800" kern="0" dirty="0">
                           <a:effectLst/>
                         </a:rPr>
                         <a:t> </a:t>
                       </a:r>
                       <a:r>
-                        <a:rPr lang="en-US" sz="1400" kern="0" dirty="0" err="1">
+                        <a:rPr lang="en-US" sz="1800" kern="0" dirty="0" err="1">
                           <a:effectLst/>
                         </a:rPr>
                         <a:t>best_parameters</a:t>
                       </a:r>
-                      <a:endParaRPr lang="en-US" sz="1400" kern="100" dirty="0">
+                      <a:endParaRPr lang="en-US" sz="1800" kern="100" dirty="0">
                         <a:effectLst/>
                         <a:latin typeface="Calibri" panose="020F0502020204030204" pitchFamily="34" charset="0"/>
                         <a:ea typeface="Calibri" panose="020F0502020204030204" pitchFamily="34" charset="0"/>
@@ -30503,7 +30742,7 @@
                   </a:ext>
                 </a:extLst>
               </a:tr>
-              <a:tr h="455526">
+              <a:tr h="502313">
                 <a:tc>
                   <a:txBody>
                     <a:bodyPr/>
@@ -30518,12 +30757,12 @@
                         </a:spcAft>
                       </a:pPr>
                       <a:r>
-                        <a:rPr lang="en-US" sz="1400" kern="0" dirty="0">
+                        <a:rPr lang="en-US" sz="1600" kern="0" dirty="0">
                           <a:effectLst/>
                         </a:rPr>
                         <a:t>0</a:t>
                       </a:r>
-                      <a:endParaRPr lang="en-US" sz="1400" kern="100" dirty="0">
+                      <a:endParaRPr lang="en-US" sz="1600" kern="100" dirty="0">
                         <a:effectLst/>
                         <a:latin typeface="Calibri" panose="020F0502020204030204" pitchFamily="34" charset="0"/>
                         <a:ea typeface="Calibri" panose="020F0502020204030204" pitchFamily="34" charset="0"/>
@@ -30547,12 +30786,12 @@
                         </a:spcAft>
                       </a:pPr>
                       <a:r>
-                        <a:rPr lang="en-US" sz="1400" kern="0" dirty="0" err="1">
+                        <a:rPr lang="en-US" sz="1600" kern="0" dirty="0" err="1">
                           <a:effectLst/>
                         </a:rPr>
-                        <a:t>logistic_regression</a:t>
+                        <a:t>Logistic_regression</a:t>
                       </a:r>
-                      <a:endParaRPr lang="en-US" sz="1400" kern="100" dirty="0">
+                      <a:endParaRPr lang="en-US" sz="1600" kern="100" dirty="0">
                         <a:effectLst/>
                         <a:latin typeface="Calibri" panose="020F0502020204030204" pitchFamily="34" charset="0"/>
                         <a:ea typeface="Calibri" panose="020F0502020204030204" pitchFamily="34" charset="0"/>
@@ -30576,12 +30815,15 @@
                         </a:spcAft>
                       </a:pPr>
                       <a:r>
-                        <a:rPr lang="en-US" sz="1400" kern="0">
+                        <a:rPr lang="fr-FR" sz="1600" kern="100" dirty="0">
                           <a:effectLst/>
+                          <a:latin typeface="Calibri" panose="020F0502020204030204" pitchFamily="34" charset="0"/>
+                          <a:ea typeface="Calibri" panose="020F0502020204030204" pitchFamily="34" charset="0"/>
+                          <a:cs typeface="Arial" panose="020B0604020202020204" pitchFamily="34" charset="0"/>
                         </a:rPr>
-                        <a:t> 0.885245</a:t>
+                        <a:t>78%</a:t>
                       </a:r>
-                      <a:endParaRPr lang="en-US" sz="1400" kern="100">
+                      <a:endParaRPr lang="en-US" sz="1600" kern="100" dirty="0">
                         <a:effectLst/>
                         <a:latin typeface="Calibri" panose="020F0502020204030204" pitchFamily="34" charset="0"/>
                         <a:ea typeface="Calibri" panose="020F0502020204030204" pitchFamily="34" charset="0"/>
@@ -30605,12 +30847,53 @@
                         </a:spcAft>
                       </a:pPr>
                       <a:r>
-                        <a:rPr lang="en-US" sz="1400" kern="0">
+                        <a:rPr lang="en-US" sz="1600" kern="0" dirty="0">
                           <a:effectLst/>
                         </a:rPr>
-                        <a:t>C= 0.23, max_iter= 100</a:t>
+                        <a:t> 86%</a:t>
                       </a:r>
-                      <a:endParaRPr lang="en-US" sz="1400" kern="100">
+                      <a:endParaRPr lang="en-US" sz="1600" kern="100" dirty="0">
+                        <a:effectLst/>
+                        <a:latin typeface="Calibri" panose="020F0502020204030204" pitchFamily="34" charset="0"/>
+                        <a:ea typeface="Calibri" panose="020F0502020204030204" pitchFamily="34" charset="0"/>
+                        <a:cs typeface="Arial" panose="020B0604020202020204" pitchFamily="34" charset="0"/>
+                      </a:endParaRPr>
+                    </a:p>
+                  </a:txBody>
+                  <a:tcPr marL="68580" marR="68580" marT="0" marB="0"/>
+                </a:tc>
+                <a:tc>
+                  <a:txBody>
+                    <a:bodyPr/>
+                    <a:lstStyle/>
+                    <a:p>
+                      <a:pPr algn="ctr">
+                        <a:lnSpc>
+                          <a:spcPct val="107000"/>
+                        </a:lnSpc>
+                        <a:spcAft>
+                          <a:spcPts val="800"/>
+                        </a:spcAft>
+                      </a:pPr>
+                      <a:r>
+                        <a:rPr lang="en-US" sz="1600" kern="0" dirty="0">
+                          <a:effectLst/>
+                        </a:rPr>
+                        <a:t>C= 1.623, </a:t>
+                      </a:r>
+                      <a:r>
+                        <a:rPr lang="en-US" sz="1600" kern="0" dirty="0" err="1">
+                          <a:effectLst/>
+                        </a:rPr>
+                        <a:t>max_iter</a:t>
+                      </a:r>
+                      <a:r>
+                        <a:rPr lang="en-US" sz="1600" kern="0" dirty="0">
+                          <a:effectLst/>
+                        </a:rPr>
+                        <a:t>= 300</a:t>
+                      </a:r>
+                      <a:endParaRPr lang="en-US" sz="1600" kern="100" dirty="0">
                         <a:effectLst/>
                         <a:latin typeface="Calibri" panose="020F0502020204030204" pitchFamily="34" charset="0"/>
                         <a:ea typeface="Calibri" panose="020F0502020204030204" pitchFamily="34" charset="0"/>
@@ -30626,7 +30909,7 @@
                   </a:ext>
                 </a:extLst>
               </a:tr>
-              <a:tr h="455526">
+              <a:tr h="502313">
                 <a:tc>
                   <a:txBody>
                     <a:bodyPr/>
@@ -30641,12 +30924,12 @@
                         </a:spcAft>
                       </a:pPr>
                       <a:r>
-                        <a:rPr lang="en-US" sz="1400" kern="0">
+                        <a:rPr lang="en-US" sz="1600" kern="0">
                           <a:effectLst/>
                         </a:rPr>
                         <a:t>1</a:t>
                       </a:r>
-                      <a:endParaRPr lang="en-US" sz="1400" kern="100">
+                      <a:endParaRPr lang="en-US" sz="1600" kern="100">
                         <a:effectLst/>
                         <a:latin typeface="Calibri" panose="020F0502020204030204" pitchFamily="34" charset="0"/>
                         <a:ea typeface="Calibri" panose="020F0502020204030204" pitchFamily="34" charset="0"/>
@@ -30670,18 +30953,18 @@
                         </a:spcAft>
                       </a:pPr>
                       <a:r>
-                        <a:rPr lang="en-US" sz="1400" kern="0" dirty="0" err="1">
+                        <a:rPr lang="en-US" sz="1600" kern="0" dirty="0" err="1">
                           <a:effectLst/>
                         </a:rPr>
-                        <a:t>random_forest</a:t>
+                        <a:t>Random_forest</a:t>
                       </a:r>
                       <a:r>
-                        <a:rPr lang="en-US" sz="1400" kern="0" dirty="0">
+                        <a:rPr lang="en-US" sz="1600" kern="0" dirty="0">
                           <a:effectLst/>
                         </a:rPr>
                         <a:t> </a:t>
                       </a:r>
-                      <a:endParaRPr lang="en-US" sz="1400" kern="100" dirty="0">
+                      <a:endParaRPr lang="en-US" sz="1600" kern="100" dirty="0">
                         <a:effectLst/>
                         <a:latin typeface="Calibri" panose="020F0502020204030204" pitchFamily="34" charset="0"/>
                         <a:ea typeface="Calibri" panose="020F0502020204030204" pitchFamily="34" charset="0"/>
@@ -30705,12 +30988,15 @@
                         </a:spcAft>
                       </a:pPr>
                       <a:r>
-                        <a:rPr lang="en-US" sz="1400" kern="0">
+                        <a:rPr lang="fr-FR" sz="1600" kern="100" dirty="0">
                           <a:effectLst/>
+                          <a:latin typeface="Calibri" panose="020F0502020204030204" pitchFamily="34" charset="0"/>
+                          <a:ea typeface="Calibri" panose="020F0502020204030204" pitchFamily="34" charset="0"/>
+                          <a:cs typeface="Arial" panose="020B0604020202020204" pitchFamily="34" charset="0"/>
                         </a:rPr>
-                        <a:t> 0.8852459</a:t>
+                        <a:t>98.53%</a:t>
                       </a:r>
-                      <a:endParaRPr lang="en-US" sz="1400" kern="100">
+                      <a:endParaRPr lang="en-US" sz="1600" kern="100" dirty="0">
                         <a:effectLst/>
                         <a:latin typeface="Calibri" panose="020F0502020204030204" pitchFamily="34" charset="0"/>
                         <a:ea typeface="Calibri" panose="020F0502020204030204" pitchFamily="34" charset="0"/>
@@ -30734,12 +31020,59 @@
                         </a:spcAft>
                       </a:pPr>
                       <a:r>
-                        <a:rPr lang="en-US" sz="1400" kern="0">
+                        <a:rPr lang="en-US" sz="1600" kern="0" dirty="0">
                           <a:effectLst/>
                         </a:rPr>
-                        <a:t>max_depth=2, max_leaf_nodes= 6</a:t>
+                        <a:t> 87%</a:t>
                       </a:r>
-                      <a:endParaRPr lang="en-US" sz="1400" kern="100">
+                      <a:endParaRPr lang="en-US" sz="1600" kern="100" dirty="0">
+                        <a:effectLst/>
+                        <a:latin typeface="Calibri" panose="020F0502020204030204" pitchFamily="34" charset="0"/>
+                        <a:ea typeface="Calibri" panose="020F0502020204030204" pitchFamily="34" charset="0"/>
+                        <a:cs typeface="Arial" panose="020B0604020202020204" pitchFamily="34" charset="0"/>
+                      </a:endParaRPr>
+                    </a:p>
+                  </a:txBody>
+                  <a:tcPr marL="68580" marR="68580" marT="0" marB="0"/>
+                </a:tc>
+                <a:tc>
+                  <a:txBody>
+                    <a:bodyPr/>
+                    <a:lstStyle/>
+                    <a:p>
+                      <a:pPr algn="ctr">
+                        <a:lnSpc>
+                          <a:spcPct val="107000"/>
+                        </a:lnSpc>
+                        <a:spcAft>
+                          <a:spcPts val="800"/>
+                        </a:spcAft>
+                      </a:pPr>
+                      <a:r>
+                        <a:rPr lang="en-US" sz="1600" kern="0" dirty="0" err="1">
+                          <a:effectLst/>
+                        </a:rPr>
+                        <a:t>max_depth</a:t>
+                      </a:r>
+                      <a:r>
+                        <a:rPr lang="en-US" sz="1600" kern="0" dirty="0">
+                          <a:effectLst/>
+                        </a:rPr>
+                        <a:t>=3, </a:t>
+                      </a:r>
+                      <a:r>
+                        <a:rPr lang="en-US" sz="1600" kern="0" dirty="0" err="1">
+                          <a:effectLst/>
+                        </a:rPr>
+                        <a:t>max_leaf_nodes</a:t>
+                      </a:r>
+                      <a:r>
+                        <a:rPr lang="en-US" sz="1600" kern="0" dirty="0">
+                          <a:effectLst/>
+                        </a:rPr>
+                        <a:t>= 9</a:t>
+                      </a:r>
+                      <a:endParaRPr lang="en-US" sz="1600" kern="100" dirty="0">
                         <a:effectLst/>
                         <a:latin typeface="Calibri" panose="020F0502020204030204" pitchFamily="34" charset="0"/>
                         <a:ea typeface="Calibri" panose="020F0502020204030204" pitchFamily="34" charset="0"/>
@@ -30755,7 +31088,7 @@
                   </a:ext>
                 </a:extLst>
               </a:tr>
-              <a:tr h="645269">
+              <a:tr h="711544">
                 <a:tc>
                   <a:txBody>
                     <a:bodyPr/>
@@ -30770,12 +31103,12 @@
                         </a:spcAft>
                       </a:pPr>
                       <a:r>
-                        <a:rPr lang="en-US" sz="1400" kern="0">
+                        <a:rPr lang="en-US" sz="1600" kern="0">
                           <a:effectLst/>
                         </a:rPr>
                         <a:t>3</a:t>
                       </a:r>
-                      <a:endParaRPr lang="en-US" sz="1400" kern="100">
+                      <a:endParaRPr lang="en-US" sz="1600" kern="100">
                         <a:effectLst/>
                         <a:latin typeface="Calibri" panose="020F0502020204030204" pitchFamily="34" charset="0"/>
                         <a:ea typeface="Calibri" panose="020F0502020204030204" pitchFamily="34" charset="0"/>
@@ -30799,12 +31132,12 @@
                         </a:spcAft>
                       </a:pPr>
                       <a:r>
-                        <a:rPr lang="en-US" sz="1400" kern="0" dirty="0">
+                        <a:rPr lang="en-US" sz="1600" kern="0" dirty="0">
                           <a:effectLst/>
                         </a:rPr>
                         <a:t>SVM</a:t>
                       </a:r>
-                      <a:endParaRPr lang="en-US" sz="1400" kern="100" dirty="0">
+                      <a:endParaRPr lang="en-US" sz="1600" kern="100" dirty="0">
                         <a:effectLst/>
                         <a:latin typeface="Calibri" panose="020F0502020204030204" pitchFamily="34" charset="0"/>
                         <a:ea typeface="Calibri" panose="020F0502020204030204" pitchFamily="34" charset="0"/>
@@ -30828,12 +31161,15 @@
                         </a:spcAft>
                       </a:pPr>
                       <a:r>
-                        <a:rPr lang="en-US" sz="1400" kern="0" dirty="0">
+                        <a:rPr lang="fr-FR" sz="1600" kern="100" dirty="0">
                           <a:effectLst/>
+                          <a:latin typeface="Calibri" panose="020F0502020204030204" pitchFamily="34" charset="0"/>
+                          <a:ea typeface="Calibri" panose="020F0502020204030204" pitchFamily="34" charset="0"/>
+                          <a:cs typeface="Arial" panose="020B0604020202020204" pitchFamily="34" charset="0"/>
                         </a:rPr>
-                        <a:t>0.86885245</a:t>
+                        <a:t>81%</a:t>
                       </a:r>
-                      <a:endParaRPr lang="en-US" sz="1400" kern="100" dirty="0">
+                      <a:endParaRPr lang="en-US" sz="1600" kern="100" dirty="0">
                         <a:effectLst/>
                         <a:latin typeface="Calibri" panose="020F0502020204030204" pitchFamily="34" charset="0"/>
                         <a:ea typeface="Calibri" panose="020F0502020204030204" pitchFamily="34" charset="0"/>
@@ -30857,12 +31193,53 @@
                         </a:spcAft>
                       </a:pPr>
                       <a:r>
-                        <a:rPr lang="en-US" sz="1400" kern="0">
+                        <a:rPr lang="en-US" sz="1600" kern="0" dirty="0">
                           <a:effectLst/>
                         </a:rPr>
-                        <a:t>C= 100, gamma= 1, kernel= 'linear'</a:t>
+                        <a:t>100%</a:t>
                       </a:r>
-                      <a:endParaRPr lang="en-US" sz="1400" kern="100">
+                      <a:endParaRPr lang="en-US" sz="1600" kern="100" dirty="0">
+                        <a:effectLst/>
+                        <a:latin typeface="Calibri" panose="020F0502020204030204" pitchFamily="34" charset="0"/>
+                        <a:ea typeface="Calibri" panose="020F0502020204030204" pitchFamily="34" charset="0"/>
+                        <a:cs typeface="Arial" panose="020B0604020202020204" pitchFamily="34" charset="0"/>
+                      </a:endParaRPr>
+                    </a:p>
+                  </a:txBody>
+                  <a:tcPr marL="68580" marR="68580" marT="0" marB="0"/>
+                </a:tc>
+                <a:tc>
+                  <a:txBody>
+                    <a:bodyPr/>
+                    <a:lstStyle/>
+                    <a:p>
+                      <a:pPr algn="ctr">
+                        <a:lnSpc>
+                          <a:spcPct val="107000"/>
+                        </a:lnSpc>
+                        <a:spcAft>
+                          <a:spcPts val="800"/>
+                        </a:spcAft>
+                      </a:pPr>
+                      <a:r>
+                        <a:rPr lang="en-US" sz="1600" kern="0" dirty="0">
+                          <a:effectLst/>
+                        </a:rPr>
+                        <a:t>C= 1000, gamma= 0.001, kernel= ‘</a:t>
+                      </a:r>
+                      <a:r>
+                        <a:rPr lang="en-US" sz="1600" kern="0" dirty="0" err="1">
+                          <a:effectLst/>
+                        </a:rPr>
+                        <a:t>rbf</a:t>
+                      </a:r>
+                      <a:r>
+                        <a:rPr lang="en-US" sz="1600" kern="0" dirty="0">
+                          <a:effectLst/>
+                        </a:rPr>
+                        <a:t>'</a:t>
+                      </a:r>
+                      <a:endParaRPr lang="en-US" sz="1600" kern="100" dirty="0">
                         <a:effectLst/>
                         <a:latin typeface="Calibri" panose="020F0502020204030204" pitchFamily="34" charset="0"/>
                         <a:ea typeface="Calibri" panose="020F0502020204030204" pitchFamily="34" charset="0"/>
@@ -30878,7 +31255,7 @@
                   </a:ext>
                 </a:extLst>
               </a:tr>
-              <a:tr h="527690">
+              <a:tr h="640336">
                 <a:tc>
                   <a:txBody>
                     <a:bodyPr/>
@@ -30893,12 +31270,12 @@
                         </a:spcAft>
                       </a:pPr>
                       <a:r>
-                        <a:rPr lang="en-US" sz="1400" kern="0">
+                        <a:rPr lang="en-US" sz="1600" kern="0">
                           <a:effectLst/>
                         </a:rPr>
                         <a:t>4</a:t>
                       </a:r>
-                      <a:endParaRPr lang="en-US" sz="1400" kern="100">
+                      <a:endParaRPr lang="en-US" sz="1600" kern="100">
                         <a:effectLst/>
                         <a:latin typeface="Calibri" panose="020F0502020204030204" pitchFamily="34" charset="0"/>
                         <a:ea typeface="Calibri" panose="020F0502020204030204" pitchFamily="34" charset="0"/>
@@ -30922,12 +31299,12 @@
                         </a:spcAft>
                       </a:pPr>
                       <a:r>
-                        <a:rPr lang="en-US" sz="1400" kern="0" dirty="0" err="1">
+                        <a:rPr lang="en-US" sz="1600" kern="0" dirty="0" err="1">
                           <a:effectLst/>
                         </a:rPr>
-                        <a:t>xg_boost</a:t>
+                        <a:t>XG_Boost</a:t>
                       </a:r>
-                      <a:endParaRPr lang="en-US" sz="1400" kern="100" dirty="0">
+                      <a:endParaRPr lang="en-US" sz="1600" kern="100" dirty="0">
                         <a:effectLst/>
                         <a:latin typeface="Calibri" panose="020F0502020204030204" pitchFamily="34" charset="0"/>
                         <a:ea typeface="Calibri" panose="020F0502020204030204" pitchFamily="34" charset="0"/>
@@ -30951,12 +31328,15 @@
                         </a:spcAft>
                       </a:pPr>
                       <a:r>
-                        <a:rPr lang="en-US" sz="1400" kern="0" dirty="0">
+                        <a:rPr lang="fr-FR" sz="1600" kern="100" dirty="0">
                           <a:effectLst/>
+                          <a:latin typeface="Calibri" panose="020F0502020204030204" pitchFamily="34" charset="0"/>
+                          <a:ea typeface="Calibri" panose="020F0502020204030204" pitchFamily="34" charset="0"/>
+                          <a:cs typeface="Arial" panose="020B0604020202020204" pitchFamily="34" charset="0"/>
                         </a:rPr>
-                        <a:t>  0.797619</a:t>
+                        <a:t>99%</a:t>
                       </a:r>
-                      <a:endParaRPr lang="en-US" sz="1400" kern="100" dirty="0">
+                      <a:endParaRPr lang="en-US" sz="1600" kern="100" dirty="0">
                         <a:effectLst/>
                         <a:latin typeface="Calibri" panose="020F0502020204030204" pitchFamily="34" charset="0"/>
                         <a:ea typeface="Calibri" panose="020F0502020204030204" pitchFamily="34" charset="0"/>
@@ -30980,12 +31360,41 @@
                         </a:spcAft>
                       </a:pPr>
                       <a:r>
-                        <a:rPr lang="en-US" sz="1400" kern="0">
+                        <a:rPr lang="en-US" sz="1600" kern="0" dirty="0">
+                          <a:effectLst/>
+                        </a:rPr>
+                        <a:t>  98%</a:t>
+                      </a:r>
+                      <a:endParaRPr lang="en-US" sz="1600" kern="100" dirty="0">
+                        <a:effectLst/>
+                        <a:latin typeface="Calibri" panose="020F0502020204030204" pitchFamily="34" charset="0"/>
+                        <a:ea typeface="Calibri" panose="020F0502020204030204" pitchFamily="34" charset="0"/>
+                        <a:cs typeface="Arial" panose="020B0604020202020204" pitchFamily="34" charset="0"/>
+                      </a:endParaRPr>
+                    </a:p>
+                  </a:txBody>
+                  <a:tcPr marL="68580" marR="68580" marT="0" marB="0"/>
+                </a:tc>
+                <a:tc>
+                  <a:txBody>
+                    <a:bodyPr/>
+                    <a:lstStyle/>
+                    <a:p>
+                      <a:pPr algn="ctr">
+                        <a:lnSpc>
+                          <a:spcPct val="107000"/>
+                        </a:lnSpc>
+                        <a:spcAft>
+                          <a:spcPts val="800"/>
+                        </a:spcAft>
+                      </a:pPr>
+                      <a:r>
+                        <a:rPr lang="en-US" sz="1600" kern="0">
                           <a:effectLst/>
                         </a:rPr>
                         <a:t>max_depth=9, max_leaf_nodes=3</a:t>
                       </a:r>
-                      <a:endParaRPr lang="en-US" sz="1400" kern="100">
+                      <a:endParaRPr lang="en-US" sz="1600" kern="100">
                         <a:effectLst/>
                         <a:latin typeface="Calibri" panose="020F0502020204030204" pitchFamily="34" charset="0"/>
                         <a:ea typeface="Calibri" panose="020F0502020204030204" pitchFamily="34" charset="0"/>
@@ -31001,7 +31410,7 @@
                   </a:ext>
                 </a:extLst>
               </a:tr>
-              <a:tr h="691667">
+              <a:tr h="762706">
                 <a:tc>
                   <a:txBody>
                     <a:bodyPr/>
@@ -31016,12 +31425,12 @@
                         </a:spcAft>
                       </a:pPr>
                       <a:r>
-                        <a:rPr lang="en-US" sz="1400" kern="0">
+                        <a:rPr lang="en-US" sz="1600" kern="0">
                           <a:effectLst/>
                         </a:rPr>
                         <a:t>5</a:t>
                       </a:r>
-                      <a:endParaRPr lang="en-US" sz="1400" kern="100">
+                      <a:endParaRPr lang="en-US" sz="1600" kern="100">
                         <a:effectLst/>
                         <a:latin typeface="Calibri" panose="020F0502020204030204" pitchFamily="34" charset="0"/>
                         <a:ea typeface="Calibri" panose="020F0502020204030204" pitchFamily="34" charset="0"/>
@@ -31045,12 +31454,12 @@
                         </a:spcAft>
                       </a:pPr>
                       <a:r>
-                        <a:rPr lang="en-US" sz="1400" kern="0" dirty="0">
+                        <a:rPr lang="en-US" sz="1600" kern="0" dirty="0">
                           <a:effectLst/>
                         </a:rPr>
                         <a:t>KNN</a:t>
                       </a:r>
-                      <a:endParaRPr lang="en-US" sz="1400" kern="100" dirty="0">
+                      <a:endParaRPr lang="en-US" sz="1600" kern="100" dirty="0">
                         <a:effectLst/>
                         <a:latin typeface="Calibri" panose="020F0502020204030204" pitchFamily="34" charset="0"/>
                         <a:ea typeface="Calibri" panose="020F0502020204030204" pitchFamily="34" charset="0"/>
@@ -31074,12 +31483,53 @@
                         </a:spcAft>
                       </a:pPr>
                       <a:r>
-                        <a:rPr lang="en-US" sz="1400" kern="0" dirty="0">
+                        <a:rPr lang="tr-TR" sz="1600" kern="100" dirty="0">
+                          <a:effectLst/>
+                          <a:latin typeface="Calibri" panose="020F0502020204030204" pitchFamily="34" charset="0"/>
+                          <a:ea typeface="Calibri" panose="020F0502020204030204" pitchFamily="34" charset="0"/>
+                          <a:cs typeface="Arial" panose="020B0604020202020204" pitchFamily="34" charset="0"/>
+                        </a:rPr>
+                        <a:t>73</a:t>
+                      </a:r>
+                      <a:r>
+                        <a:rPr lang="fr-FR" sz="1600" kern="100" dirty="0">
+                          <a:effectLst/>
+                          <a:latin typeface="Calibri" panose="020F0502020204030204" pitchFamily="34" charset="0"/>
+                          <a:ea typeface="Calibri" panose="020F0502020204030204" pitchFamily="34" charset="0"/>
+                          <a:cs typeface="Arial" panose="020B0604020202020204" pitchFamily="34" charset="0"/>
+                        </a:rPr>
+                        <a:t>%</a:t>
+                      </a:r>
+                      <a:endParaRPr lang="en-US" sz="1600" kern="100" dirty="0">
+                        <a:effectLst/>
+                        <a:latin typeface="Calibri" panose="020F0502020204030204" pitchFamily="34" charset="0"/>
+                        <a:ea typeface="Calibri" panose="020F0502020204030204" pitchFamily="34" charset="0"/>
+                        <a:cs typeface="Arial" panose="020B0604020202020204" pitchFamily="34" charset="0"/>
+                      </a:endParaRPr>
+                    </a:p>
+                  </a:txBody>
+                  <a:tcPr marL="68580" marR="68580" marT="0" marB="0"/>
+                </a:tc>
+                <a:tc>
+                  <a:txBody>
+                    <a:bodyPr/>
+                    <a:lstStyle/>
+                    <a:p>
+                      <a:pPr algn="l">
+                        <a:lnSpc>
+                          <a:spcPct val="107000"/>
+                        </a:lnSpc>
+                        <a:spcAft>
+                          <a:spcPts val="800"/>
+                        </a:spcAft>
+                      </a:pPr>
+                      <a:r>
+                        <a:rPr lang="en-US" sz="1600" kern="0" dirty="0">
                           <a:effectLst/>
                         </a:rPr>
-                        <a:t>                             0.702381</a:t>
+                        <a:t>                      97%</a:t>
                       </a:r>
-                      <a:endParaRPr lang="en-US" sz="1400" kern="100" dirty="0">
+                      <a:endParaRPr lang="en-US" sz="1600" kern="100" dirty="0">
                         <a:effectLst/>
                         <a:latin typeface="Calibri" panose="020F0502020204030204" pitchFamily="34" charset="0"/>
                         <a:ea typeface="Calibri" panose="020F0502020204030204" pitchFamily="34" charset="0"/>
@@ -31103,36 +31553,36 @@
                         </a:spcAft>
                       </a:pPr>
                       <a:r>
-                        <a:rPr lang="en-US" sz="1400" kern="0" dirty="0">
+                        <a:rPr lang="en-US" sz="1600" kern="0" dirty="0">
                           <a:effectLst/>
                         </a:rPr>
                         <a:t>  metric= '</a:t>
                       </a:r>
                       <a:r>
-                        <a:rPr lang="en-US" sz="1400" kern="0" dirty="0" err="1">
+                        <a:rPr lang="en-US" sz="1600" kern="0" dirty="0" err="1">
                           <a:effectLst/>
                         </a:rPr>
                         <a:t>manhattan</a:t>
                       </a:r>
                       <a:r>
-                        <a:rPr lang="en-US" sz="1400" kern="0" dirty="0">
+                        <a:rPr lang="en-US" sz="1600" kern="0" dirty="0">
                           <a:effectLst/>
                         </a:rPr>
                         <a:t>', '</a:t>
                       </a:r>
                       <a:r>
-                        <a:rPr lang="en-US" sz="1400" kern="0" dirty="0" err="1">
+                        <a:rPr lang="en-US" sz="1600" kern="0" dirty="0" err="1">
                           <a:effectLst/>
                         </a:rPr>
                         <a:t>n_neighbors</a:t>
                       </a:r>
                       <a:r>
-                        <a:rPr lang="en-US" sz="1400" kern="0" dirty="0">
+                        <a:rPr lang="en-US" sz="1600" kern="0" dirty="0">
                           <a:effectLst/>
                         </a:rPr>
-                        <a:t>': 7</a:t>
+                        <a:t>’=11</a:t>
                       </a:r>
-                      <a:endParaRPr lang="en-US" sz="1400" kern="100" dirty="0">
+                      <a:endParaRPr lang="en-US" sz="1600" kern="100" dirty="0">
                         <a:effectLst/>
                         <a:latin typeface="Calibri" panose="020F0502020204030204" pitchFamily="34" charset="0"/>
                         <a:ea typeface="Calibri" panose="020F0502020204030204" pitchFamily="34" charset="0"/>
@@ -31297,7 +31747,15 @@
             </a:pPr>
             <a:r>
               <a:rPr lang="en-US" sz="2400" dirty="0"/>
-              <a:t>Result of hyperparameter Tuning on Diabetes dataset</a:t>
+              <a:t>Models Result of hyperparameter Tuning on </a:t>
+            </a:r>
+            <a:r>
+              <a:rPr lang="en-US" sz="2400" dirty="0">
+                <a:solidFill>
+                  <a:srgbClr val="FFC000"/>
+                </a:solidFill>
+              </a:rPr>
+              <a:t>Diabetes dataset</a:t>
             </a:r>
           </a:p>
           <a:p>
@@ -31376,10 +31834,10 @@
       </p:sp>
       <p:graphicFrame>
         <p:nvGraphicFramePr>
-          <p:cNvPr id="7" name="Table 6">
+          <p:cNvPr id="4" name="Table 3">
             <a:extLst>
               <a:ext uri="{FF2B5EF4-FFF2-40B4-BE49-F238E27FC236}">
-                <a16:creationId xmlns:a16="http://schemas.microsoft.com/office/drawing/2014/main" id="{4DAB8553-AC0D-1276-43D0-928795C1BD77}"/>
+                <a16:creationId xmlns:a16="http://schemas.microsoft.com/office/drawing/2014/main" id="{A351F91D-D188-3542-B1BE-2F6BCFD4C03F}"/>
               </a:ext>
             </a:extLst>
           </p:cNvPr>
@@ -31389,14 +31847,14 @@
           <p:nvPr>
             <p:extLst>
               <p:ext uri="{D42A27DB-BD31-4B8C-83A1-F6EECF244321}">
-                <p14:modId xmlns:p14="http://schemas.microsoft.com/office/powerpoint/2010/main" val="1755457752"/>
+                <p14:modId xmlns:p14="http://schemas.microsoft.com/office/powerpoint/2010/main" val="1216239089"/>
               </p:ext>
             </p:extLst>
           </p:nvPr>
         </p:nvGraphicFramePr>
         <p:xfrm>
-          <a:off x="1049338" y="3195637"/>
-          <a:ext cx="10093324" cy="3312001"/>
+          <a:off x="519261" y="3038622"/>
+          <a:ext cx="11241329" cy="3623014"/>
         </p:xfrm>
         <a:graphic>
           <a:graphicData uri="http://schemas.openxmlformats.org/drawingml/2006/table">
@@ -31405,51 +31863,43 @@
                 <a:tableStyleId>{17292A2E-F333-43FB-9621-5CBBE7FDCDCB}</a:tableStyleId>
               </a:tblPr>
               <a:tblGrid>
-                <a:gridCol w="680988">
+                <a:gridCol w="504200">
                   <a:extLst>
                     <a:ext uri="{9D8B030D-6E8A-4147-A177-3AD203B41FA5}">
-                      <a16:colId xmlns:a16="http://schemas.microsoft.com/office/drawing/2014/main" val="2976282163"/>
+                      <a16:colId xmlns:a16="http://schemas.microsoft.com/office/drawing/2014/main" val="1041236934"/>
                     </a:ext>
                   </a:extLst>
                 </a:gridCol>
-                <a:gridCol w="3080825">
+                <a:gridCol w="2141770">
                   <a:extLst>
                     <a:ext uri="{9D8B030D-6E8A-4147-A177-3AD203B41FA5}">
-                      <a16:colId xmlns:a16="http://schemas.microsoft.com/office/drawing/2014/main" val="2377646081"/>
+                      <a16:colId xmlns:a16="http://schemas.microsoft.com/office/drawing/2014/main" val="3712412373"/>
                     </a:ext>
                   </a:extLst>
                 </a:gridCol>
-                <a:gridCol w="1519311">
+                <a:gridCol w="2630658">
                   <a:extLst>
                     <a:ext uri="{9D8B030D-6E8A-4147-A177-3AD203B41FA5}">
-                      <a16:colId xmlns:a16="http://schemas.microsoft.com/office/drawing/2014/main" val="2317530552"/>
+                      <a16:colId xmlns:a16="http://schemas.microsoft.com/office/drawing/2014/main" val="909771426"/>
                     </a:ext>
                   </a:extLst>
                 </a:gridCol>
-                <a:gridCol w="4812200">
+                <a:gridCol w="2377440">
                   <a:extLst>
                     <a:ext uri="{9D8B030D-6E8A-4147-A177-3AD203B41FA5}">
-                      <a16:colId xmlns:a16="http://schemas.microsoft.com/office/drawing/2014/main" val="1591104023"/>
+                      <a16:colId xmlns:a16="http://schemas.microsoft.com/office/drawing/2014/main" val="3759634098"/>
+                    </a:ext>
+                  </a:extLst>
+                </a:gridCol>
+                <a:gridCol w="3587261">
+                  <a:extLst>
+                    <a:ext uri="{9D8B030D-6E8A-4147-A177-3AD203B41FA5}">
+                      <a16:colId xmlns:a16="http://schemas.microsoft.com/office/drawing/2014/main" val="689841091"/>
                     </a:ext>
                   </a:extLst>
                 </a:gridCol>
               </a:tblGrid>
-              <a:tr h="532736">
-                <a:tc>
-                  <a:txBody>
-                    <a:bodyPr/>
-                    <a:lstStyle/>
-                    <a:p>
-                      <a:pPr algn="ctr"/>
-                      <a:endParaRPr lang="en-US" sz="1400" kern="100" dirty="0">
-                        <a:effectLst/>
-                        <a:latin typeface="+mn-lt"/>
-                        <a:cs typeface="Arial" panose="020B0604020202020204" pitchFamily="34" charset="0"/>
-                      </a:endParaRPr>
-                    </a:p>
-                  </a:txBody>
-                  <a:tcPr marL="68580" marR="68580" marT="0" marB="0"/>
-                </a:tc>
+              <a:tr h="432115">
                 <a:tc>
                   <a:txBody>
                     <a:bodyPr/>
@@ -31464,15 +31914,14 @@
                         </a:spcAft>
                       </a:pPr>
                       <a:r>
-                        <a:rPr lang="en-US" sz="1400" kern="100" dirty="0">
+                        <a:rPr lang="en-US" sz="1400" kern="0" dirty="0">
                           <a:effectLst/>
-                          <a:latin typeface="+mn-lt"/>
                         </a:rPr>
-                        <a:t>model</a:t>
+                        <a:t> </a:t>
                       </a:r>
                       <a:endParaRPr lang="en-US" sz="1400" kern="100" dirty="0">
                         <a:effectLst/>
-                        <a:latin typeface="+mn-lt"/>
+                        <a:latin typeface="Calibri" panose="020F0502020204030204" pitchFamily="34" charset="0"/>
                         <a:ea typeface="Calibri" panose="020F0502020204030204" pitchFamily="34" charset="0"/>
                         <a:cs typeface="Arial" panose="020B0604020202020204" pitchFamily="34" charset="0"/>
                       </a:endParaRPr>
@@ -31494,15 +31943,14 @@
                         </a:spcAft>
                       </a:pPr>
                       <a:r>
-                        <a:rPr lang="en-US" sz="1400" kern="100">
+                        <a:rPr lang="en-US" sz="1800" kern="0" dirty="0">
                           <a:effectLst/>
-                          <a:latin typeface="+mn-lt"/>
                         </a:rPr>
-                        <a:t>best_score</a:t>
+                        <a:t>model </a:t>
                       </a:r>
-                      <a:endParaRPr lang="en-US" sz="1400" kern="100">
+                      <a:endParaRPr lang="en-US" sz="1800" kern="100" dirty="0">
                         <a:effectLst/>
-                        <a:latin typeface="+mn-lt"/>
+                        <a:latin typeface="Calibri" panose="020F0502020204030204" pitchFamily="34" charset="0"/>
                         <a:ea typeface="Calibri" panose="020F0502020204030204" pitchFamily="34" charset="0"/>
                         <a:cs typeface="Arial" panose="020B0604020202020204" pitchFamily="34" charset="0"/>
                       </a:endParaRPr>
@@ -31524,52 +31972,44 @@
                         </a:spcAft>
                       </a:pPr>
                       <a:r>
-                        <a:rPr lang="en-US" sz="1400" kern="100" dirty="0" err="1">
+                        <a:rPr lang="fr-FR" sz="1800" kern="100" dirty="0">
                           <a:effectLst/>
-                          <a:latin typeface="+mn-lt"/>
+                          <a:latin typeface="Calibri" panose="020F0502020204030204" pitchFamily="34" charset="0"/>
+                          <a:ea typeface="Calibri" panose="020F0502020204030204" pitchFamily="34" charset="0"/>
+                          <a:cs typeface="Arial" panose="020B0604020202020204" pitchFamily="34" charset="0"/>
                         </a:rPr>
-                        <a:t>best_params</a:t>
+                        <a:t> </a:t>
                       </a:r>
-                      <a:endParaRPr lang="en-US" sz="1400" kern="100" dirty="0">
+                      <a:r>
+                        <a:rPr lang="fr-FR" sz="1800" kern="100" dirty="0" err="1">
+                          <a:effectLst/>
+                          <a:latin typeface="Calibri" panose="020F0502020204030204" pitchFamily="34" charset="0"/>
+                          <a:ea typeface="Calibri" panose="020F0502020204030204" pitchFamily="34" charset="0"/>
+                          <a:cs typeface="Arial" panose="020B0604020202020204" pitchFamily="34" charset="0"/>
+                        </a:rPr>
+                        <a:t>Before</a:t>
+                      </a:r>
+                      <a:r>
+                        <a:rPr lang="fr-FR" sz="1800" kern="100" dirty="0">
+                          <a:effectLst/>
+                          <a:latin typeface="Calibri" panose="020F0502020204030204" pitchFamily="34" charset="0"/>
+                          <a:ea typeface="Calibri" panose="020F0502020204030204" pitchFamily="34" charset="0"/>
+                          <a:cs typeface="Arial" panose="020B0604020202020204" pitchFamily="34" charset="0"/>
+                        </a:rPr>
+                        <a:t> </a:t>
+                      </a:r>
+                      <a:r>
+                        <a:rPr lang="fr-FR" sz="1800" kern="100" dirty="0" err="1">
+                          <a:effectLst/>
+                          <a:latin typeface="Calibri" panose="020F0502020204030204" pitchFamily="34" charset="0"/>
+                          <a:ea typeface="Calibri" panose="020F0502020204030204" pitchFamily="34" charset="0"/>
+                          <a:cs typeface="Arial" panose="020B0604020202020204" pitchFamily="34" charset="0"/>
+                        </a:rPr>
+                        <a:t>HyperParameter</a:t>
+                      </a:r>
+                      <a:endParaRPr lang="en-US" sz="1800" kern="100" dirty="0">
                         <a:effectLst/>
-                        <a:latin typeface="+mn-lt"/>
-                        <a:ea typeface="Calibri" panose="020F0502020204030204" pitchFamily="34" charset="0"/>
-                        <a:cs typeface="Arial" panose="020B0604020202020204" pitchFamily="34" charset="0"/>
-                      </a:endParaRPr>
-                    </a:p>
-                  </a:txBody>
-                  <a:tcPr marL="68580" marR="68580" marT="0" marB="0"/>
-                </a:tc>
-                <a:extLst>
-                  <a:ext uri="{0D108BD9-81ED-4DB2-BD59-A6C34878D82A}">
-                    <a16:rowId xmlns:a16="http://schemas.microsoft.com/office/drawing/2014/main" val="2437491324"/>
-                  </a:ext>
-                </a:extLst>
-              </a:tr>
-              <a:tr h="532736">
-                <a:tc>
-                  <a:txBody>
-                    <a:bodyPr/>
-                    <a:lstStyle/>
-                    <a:p>
-                      <a:pPr algn="ctr">
-                        <a:lnSpc>
-                          <a:spcPct val="107000"/>
-                        </a:lnSpc>
-                        <a:spcAft>
-                          <a:spcPts val="800"/>
-                        </a:spcAft>
-                      </a:pPr>
-                      <a:r>
-                        <a:rPr lang="en-US" sz="1400" kern="100" dirty="0">
-                          <a:effectLst/>
-                          <a:latin typeface="+mn-lt"/>
-                        </a:rPr>
-                        <a:t>0</a:t>
-                      </a:r>
-                      <a:endParaRPr lang="en-US" sz="1400" kern="100" dirty="0">
-                        <a:effectLst/>
-                        <a:latin typeface="+mn-lt"/>
+                        <a:latin typeface="Calibri" panose="020F0502020204030204" pitchFamily="34" charset="0"/>
                         <a:ea typeface="Calibri" panose="020F0502020204030204" pitchFamily="34" charset="0"/>
                         <a:cs typeface="Arial" panose="020B0604020202020204" pitchFamily="34" charset="0"/>
                       </a:endParaRPr>
@@ -31591,15 +32031,44 @@
                         </a:spcAft>
                       </a:pPr>
                       <a:r>
-                        <a:rPr lang="en-US" sz="1400" kern="100" dirty="0" err="1">
+                        <a:rPr lang="fr-FR" sz="1800" kern="0" dirty="0">
                           <a:effectLst/>
-                          <a:latin typeface="+mn-lt"/>
+                          <a:latin typeface="Calibri" panose="020F0502020204030204" pitchFamily="34" charset="0"/>
+                          <a:ea typeface="Calibri" panose="020F0502020204030204" pitchFamily="34" charset="0"/>
+                          <a:cs typeface="Arial" panose="020B0604020202020204" pitchFamily="34" charset="0"/>
                         </a:rPr>
-                        <a:t>svm</a:t>
+                        <a:t>A</a:t>
                       </a:r>
-                      <a:endParaRPr lang="en-US" sz="1400" kern="100" dirty="0">
+                      <a:r>
+                        <a:rPr lang="en-US" sz="1800" kern="0" dirty="0" err="1">
+                          <a:effectLst/>
+                          <a:latin typeface="Calibri" panose="020F0502020204030204" pitchFamily="34" charset="0"/>
+                          <a:ea typeface="Calibri" panose="020F0502020204030204" pitchFamily="34" charset="0"/>
+                          <a:cs typeface="Arial" panose="020B0604020202020204" pitchFamily="34" charset="0"/>
+                        </a:rPr>
+                        <a:t>fter</a:t>
+                      </a:r>
+                      <a:r>
+                        <a:rPr lang="en-US" sz="1800" kern="0" dirty="0">
+                          <a:effectLst/>
+                          <a:latin typeface="Calibri" panose="020F0502020204030204" pitchFamily="34" charset="0"/>
+                          <a:ea typeface="Calibri" panose="020F0502020204030204" pitchFamily="34" charset="0"/>
+                          <a:cs typeface="Arial" panose="020B0604020202020204" pitchFamily="34" charset="0"/>
+                        </a:rPr>
+                        <a:t> </a:t>
+                      </a:r>
+                      <a:r>
+                        <a:rPr lang="en-US" sz="1800" kern="0" dirty="0" err="1">
+                          <a:effectLst/>
+                          <a:latin typeface="Calibri" panose="020F0502020204030204" pitchFamily="34" charset="0"/>
+                          <a:ea typeface="Calibri" panose="020F0502020204030204" pitchFamily="34" charset="0"/>
+                          <a:cs typeface="Arial" panose="020B0604020202020204" pitchFamily="34" charset="0"/>
+                        </a:rPr>
+                        <a:t>Hyperparamter</a:t>
+                      </a:r>
+                      <a:endParaRPr lang="en-US" sz="1800" kern="100" dirty="0">
                         <a:effectLst/>
-                        <a:latin typeface="+mn-lt"/>
+                        <a:latin typeface="Calibri" panose="020F0502020204030204" pitchFamily="34" charset="0"/>
                         <a:ea typeface="Calibri" panose="020F0502020204030204" pitchFamily="34" charset="0"/>
                         <a:cs typeface="Arial" panose="020B0604020202020204" pitchFamily="34" charset="0"/>
                       </a:endParaRPr>
@@ -31621,15 +32090,85 @@
                         </a:spcAft>
                       </a:pPr>
                       <a:r>
-                        <a:rPr lang="en-US" sz="1400" kern="100" dirty="0">
+                        <a:rPr lang="en-US" sz="1800" kern="0" dirty="0">
                           <a:effectLst/>
-                          <a:latin typeface="+mn-lt"/>
                         </a:rPr>
-                        <a:t>0.780168</a:t>
+                        <a:t> </a:t>
                       </a:r>
-                      <a:endParaRPr lang="en-US" sz="1400" kern="100" dirty="0">
+                      <a:r>
+                        <a:rPr lang="en-US" sz="1800" kern="0" dirty="0" err="1">
+                          <a:effectLst/>
+                        </a:rPr>
+                        <a:t>best_parameters</a:t>
+                      </a:r>
+                      <a:endParaRPr lang="en-US" sz="1800" kern="100" dirty="0">
                         <a:effectLst/>
-                        <a:latin typeface="+mn-lt"/>
+                        <a:latin typeface="Calibri" panose="020F0502020204030204" pitchFamily="34" charset="0"/>
+                        <a:ea typeface="Calibri" panose="020F0502020204030204" pitchFamily="34" charset="0"/>
+                        <a:cs typeface="Arial" panose="020B0604020202020204" pitchFamily="34" charset="0"/>
+                      </a:endParaRPr>
+                    </a:p>
+                  </a:txBody>
+                  <a:tcPr marL="68580" marR="68580" marT="0" marB="0"/>
+                </a:tc>
+                <a:extLst>
+                  <a:ext uri="{0D108BD9-81ED-4DB2-BD59-A6C34878D82A}">
+                    <a16:rowId xmlns:a16="http://schemas.microsoft.com/office/drawing/2014/main" val="3344103732"/>
+                  </a:ext>
+                </a:extLst>
+              </a:tr>
+              <a:tr h="415330">
+                <a:tc>
+                  <a:txBody>
+                    <a:bodyPr/>
+                    <a:lstStyle/>
+                    <a:p>
+                      <a:pPr algn="ctr">
+                        <a:lnSpc>
+                          <a:spcPct val="107000"/>
+                        </a:lnSpc>
+                        <a:spcAft>
+                          <a:spcPts val="800"/>
+                        </a:spcAft>
+                      </a:pPr>
+                      <a:r>
+                        <a:rPr lang="en-US" sz="1600" kern="0" dirty="0">
+                          <a:effectLst/>
+                        </a:rPr>
+                        <a:t>0</a:t>
+                      </a:r>
+                      <a:endParaRPr lang="en-US" sz="1600" kern="100" dirty="0">
+                        <a:effectLst/>
+                        <a:latin typeface="Calibri" panose="020F0502020204030204" pitchFamily="34" charset="0"/>
+                        <a:ea typeface="Calibri" panose="020F0502020204030204" pitchFamily="34" charset="0"/>
+                        <a:cs typeface="Arial" panose="020B0604020202020204" pitchFamily="34" charset="0"/>
+                      </a:endParaRPr>
+                    </a:p>
+                  </a:txBody>
+                  <a:tcPr marL="68580" marR="68580" marT="0" marB="0"/>
+                </a:tc>
+                <a:tc>
+                  <a:txBody>
+                    <a:bodyPr/>
+                    <a:lstStyle/>
+                    <a:p>
+                      <a:pPr algn="l">
+                        <a:lnSpc>
+                          <a:spcPct val="107000"/>
+                        </a:lnSpc>
+                        <a:spcAft>
+                          <a:spcPts val="800"/>
+                        </a:spcAft>
+                      </a:pPr>
+                      <a:r>
+                        <a:rPr lang="en-US" sz="1600" kern="0" dirty="0" err="1">
+                          <a:effectLst/>
+                        </a:rPr>
+                        <a:t>Logistic_regression</a:t>
+                      </a:r>
+                      <a:endParaRPr lang="en-US" sz="1600" kern="100" dirty="0">
+                        <a:effectLst/>
+                        <a:latin typeface="Calibri" panose="020F0502020204030204" pitchFamily="34" charset="0"/>
                         <a:ea typeface="Calibri" panose="020F0502020204030204" pitchFamily="34" charset="0"/>
                         <a:cs typeface="Arial" panose="020B0604020202020204" pitchFamily="34" charset="0"/>
                       </a:endParaRPr>
@@ -31651,52 +32190,17 @@
                         </a:spcAft>
                       </a:pPr>
                       <a:r>
-                        <a:rPr lang="en-US" sz="1400" kern="100" dirty="0">
+                        <a:rPr lang="fr-FR" sz="1600" kern="100" dirty="0">
                           <a:effectLst/>
-                          <a:latin typeface="+mn-lt"/>
+                          <a:latin typeface="Calibri" panose="020F0502020204030204" pitchFamily="34" charset="0"/>
+                          <a:ea typeface="Calibri" panose="020F0502020204030204" pitchFamily="34" charset="0"/>
+                          <a:cs typeface="Arial" panose="020B0604020202020204" pitchFamily="34" charset="0"/>
                         </a:rPr>
-                        <a:t>'C': 10, 'kernel': 'linear'</a:t>
+                        <a:t>75.32%</a:t>
                       </a:r>
-                      <a:endParaRPr lang="en-US" sz="1400" kern="100" dirty="0">
+                      <a:endParaRPr lang="en-US" sz="1600" kern="100" dirty="0">
                         <a:effectLst/>
-                        <a:latin typeface="+mn-lt"/>
-                        <a:ea typeface="Calibri" panose="020F0502020204030204" pitchFamily="34" charset="0"/>
-                        <a:cs typeface="Arial" panose="020B0604020202020204" pitchFamily="34" charset="0"/>
-                      </a:endParaRPr>
-                    </a:p>
-                  </a:txBody>
-                  <a:tcPr marL="68580" marR="68580" marT="0" marB="0"/>
-                </a:tc>
-                <a:extLst>
-                  <a:ext uri="{0D108BD9-81ED-4DB2-BD59-A6C34878D82A}">
-                    <a16:rowId xmlns:a16="http://schemas.microsoft.com/office/drawing/2014/main" val="649066554"/>
-                  </a:ext>
-                </a:extLst>
-              </a:tr>
-              <a:tr h="532736">
-                <a:tc>
-                  <a:txBody>
-                    <a:bodyPr/>
-                    <a:lstStyle/>
-                    <a:p>
-                      <a:pPr algn="ctr">
-                        <a:lnSpc>
-                          <a:spcPct val="107000"/>
-                        </a:lnSpc>
-                        <a:spcAft>
-                          <a:spcPts val="800"/>
-                        </a:spcAft>
-                      </a:pPr>
-                      <a:r>
-                        <a:rPr lang="en-US" sz="1400" kern="100">
-                          <a:effectLst/>
-                          <a:latin typeface="+mn-lt"/>
-                        </a:rPr>
-                        <a:t>1</a:t>
-                      </a:r>
-                      <a:endParaRPr lang="en-US" sz="1400" kern="100">
-                        <a:effectLst/>
-                        <a:latin typeface="+mn-lt"/>
+                        <a:latin typeface="Calibri" panose="020F0502020204030204" pitchFamily="34" charset="0"/>
                         <a:ea typeface="Calibri" panose="020F0502020204030204" pitchFamily="34" charset="0"/>
                         <a:cs typeface="Arial" panose="020B0604020202020204" pitchFamily="34" charset="0"/>
                       </a:endParaRPr>
@@ -31718,15 +32222,14 @@
                         </a:spcAft>
                       </a:pPr>
                       <a:r>
-                        <a:rPr lang="en-US" sz="1400" kern="100">
+                        <a:rPr lang="en-US" sz="1600" kern="0" dirty="0">
                           <a:effectLst/>
-                          <a:latin typeface="+mn-lt"/>
                         </a:rPr>
-                        <a:t>knn</a:t>
+                        <a:t> 84%</a:t>
                       </a:r>
-                      <a:endParaRPr lang="en-US" sz="1400" kern="100">
+                      <a:endParaRPr lang="en-US" sz="1600" kern="100" dirty="0">
                         <a:effectLst/>
-                        <a:latin typeface="+mn-lt"/>
+                        <a:latin typeface="Calibri" panose="020F0502020204030204" pitchFamily="34" charset="0"/>
                         <a:ea typeface="Calibri" panose="020F0502020204030204" pitchFamily="34" charset="0"/>
                         <a:cs typeface="Arial" panose="020B0604020202020204" pitchFamily="34" charset="0"/>
                       </a:endParaRPr>
@@ -31748,15 +32251,115 @@
                         </a:spcAft>
                       </a:pPr>
                       <a:r>
-                        <a:rPr lang="en-US" sz="1400" kern="100">
+                        <a:rPr lang="en-US" sz="1600" kern="0" dirty="0">
                           <a:effectLst/>
-                          <a:latin typeface="+mn-lt"/>
                         </a:rPr>
-                        <a:t>0.762255</a:t>
+                        <a:t>C= 0.001, </a:t>
                       </a:r>
-                      <a:endParaRPr lang="en-US" sz="1400" kern="100">
+                      <a:r>
+                        <a:rPr lang="en-US" sz="1600" kern="0" dirty="0" err="1">
+                          <a:effectLst/>
+                        </a:rPr>
+                        <a:t>max_iter</a:t>
+                      </a:r>
+                      <a:r>
+                        <a:rPr lang="en-US" sz="1600" kern="0" dirty="0">
+                          <a:effectLst/>
+                        </a:rPr>
+                        <a:t>= 100, solver=‘</a:t>
+                      </a:r>
+                      <a:r>
+                        <a:rPr lang="en-US" sz="1600" kern="0" dirty="0" err="1">
+                          <a:effectLst/>
+                        </a:rPr>
+                        <a:t>lbfgs</a:t>
+                      </a:r>
+                      <a:r>
+                        <a:rPr lang="en-US" sz="1600" kern="0" dirty="0">
+                          <a:effectLst/>
+                        </a:rPr>
+                        <a:t>’</a:t>
+                      </a:r>
+                      <a:endParaRPr lang="en-US" sz="1600" kern="100" dirty="0">
                         <a:effectLst/>
-                        <a:latin typeface="+mn-lt"/>
+                        <a:latin typeface="Calibri" panose="020F0502020204030204" pitchFamily="34" charset="0"/>
+                        <a:ea typeface="Calibri" panose="020F0502020204030204" pitchFamily="34" charset="0"/>
+                        <a:cs typeface="Arial" panose="020B0604020202020204" pitchFamily="34" charset="0"/>
+                      </a:endParaRPr>
+                    </a:p>
+                  </a:txBody>
+                  <a:tcPr marL="68580" marR="68580" marT="0" marB="0"/>
+                </a:tc>
+                <a:extLst>
+                  <a:ext uri="{0D108BD9-81ED-4DB2-BD59-A6C34878D82A}">
+                    <a16:rowId xmlns:a16="http://schemas.microsoft.com/office/drawing/2014/main" val="1573146284"/>
+                  </a:ext>
+                </a:extLst>
+              </a:tr>
+              <a:tr h="415330">
+                <a:tc>
+                  <a:txBody>
+                    <a:bodyPr/>
+                    <a:lstStyle/>
+                    <a:p>
+                      <a:pPr algn="ctr">
+                        <a:lnSpc>
+                          <a:spcPct val="107000"/>
+                        </a:lnSpc>
+                        <a:spcAft>
+                          <a:spcPts val="800"/>
+                        </a:spcAft>
+                      </a:pPr>
+                      <a:r>
+                        <a:rPr lang="en-US" sz="1600" kern="0">
+                          <a:effectLst/>
+                        </a:rPr>
+                        <a:t>1</a:t>
+                      </a:r>
+                      <a:endParaRPr lang="en-US" sz="1600" kern="100">
+                        <a:effectLst/>
+                        <a:latin typeface="Calibri" panose="020F0502020204030204" pitchFamily="34" charset="0"/>
+                        <a:ea typeface="Calibri" panose="020F0502020204030204" pitchFamily="34" charset="0"/>
+                        <a:cs typeface="Arial" panose="020B0604020202020204" pitchFamily="34" charset="0"/>
+                      </a:endParaRPr>
+                    </a:p>
+                  </a:txBody>
+                  <a:tcPr marL="68580" marR="68580" marT="0" marB="0"/>
+                </a:tc>
+                <a:tc>
+                  <a:txBody>
+                    <a:bodyPr/>
+                    <a:lstStyle/>
+                    <a:p>
+                      <a:pPr algn="l">
+                        <a:lnSpc>
+                          <a:spcPct val="107000"/>
+                        </a:lnSpc>
+                        <a:spcAft>
+                          <a:spcPts val="800"/>
+                        </a:spcAft>
+                      </a:pPr>
+                      <a:r>
+                        <a:rPr lang="fr-FR" sz="1600" kern="0" dirty="0">
+                          <a:effectLst/>
+                          <a:latin typeface="Calibri" panose="020F0502020204030204" pitchFamily="34" charset="0"/>
+                          <a:ea typeface="Calibri" panose="020F0502020204030204" pitchFamily="34" charset="0"/>
+                          <a:cs typeface="Arial" panose="020B0604020202020204" pitchFamily="34" charset="0"/>
+                        </a:rPr>
+                        <a:t>K</a:t>
+                      </a:r>
+                      <a:r>
+                        <a:rPr lang="en-US" sz="1600" kern="0" dirty="0">
+                          <a:effectLst/>
+                          <a:latin typeface="Calibri" panose="020F0502020204030204" pitchFamily="34" charset="0"/>
+                          <a:ea typeface="Calibri" panose="020F0502020204030204" pitchFamily="34" charset="0"/>
+                          <a:cs typeface="Arial" panose="020B0604020202020204" pitchFamily="34" charset="0"/>
+                        </a:rPr>
+                        <a:t>NN</a:t>
+                      </a:r>
+                      <a:endParaRPr lang="en-US" sz="1600" kern="100" dirty="0">
+                        <a:effectLst/>
+                        <a:latin typeface="Calibri" panose="020F0502020204030204" pitchFamily="34" charset="0"/>
                         <a:ea typeface="Calibri" panose="020F0502020204030204" pitchFamily="34" charset="0"/>
                         <a:cs typeface="Arial" panose="020B0604020202020204" pitchFamily="34" charset="0"/>
                       </a:endParaRPr>
@@ -31778,66 +32381,17 @@
                         </a:spcAft>
                       </a:pPr>
                       <a:r>
-                        <a:rPr lang="en-US" sz="1400" kern="100" dirty="0">
+                        <a:rPr lang="fr-FR" sz="1600" kern="100" dirty="0">
                           <a:effectLst/>
-                          <a:latin typeface="+mn-lt"/>
+                          <a:latin typeface="Calibri" panose="020F0502020204030204" pitchFamily="34" charset="0"/>
+                          <a:ea typeface="Calibri" panose="020F0502020204030204" pitchFamily="34" charset="0"/>
+                          <a:cs typeface="Arial" panose="020B0604020202020204" pitchFamily="34" charset="0"/>
                         </a:rPr>
-                        <a:t>'</a:t>
+                        <a:t>82.46%</a:t>
                       </a:r>
-                      <a:r>
-                        <a:rPr lang="en-US" sz="1400" kern="100" dirty="0" err="1">
-                          <a:effectLst/>
-                          <a:latin typeface="+mn-lt"/>
-                        </a:rPr>
-                        <a:t>n_neighbors</a:t>
-                      </a:r>
-                      <a:r>
-                        <a:rPr lang="en-US" sz="1400" kern="100" dirty="0">
-                          <a:effectLst/>
-                          <a:latin typeface="+mn-lt"/>
-                        </a:rPr>
-                        <a:t>': 10</a:t>
-                      </a:r>
-                      <a:endParaRPr lang="en-US" sz="1400" kern="100" dirty="0">
+                      <a:endParaRPr lang="en-US" sz="1600" kern="100" dirty="0">
                         <a:effectLst/>
-                        <a:latin typeface="+mn-lt"/>
-                        <a:ea typeface="Calibri" panose="020F0502020204030204" pitchFamily="34" charset="0"/>
-                        <a:cs typeface="Arial" panose="020B0604020202020204" pitchFamily="34" charset="0"/>
-                      </a:endParaRPr>
-                    </a:p>
-                  </a:txBody>
-                  <a:tcPr marL="68580" marR="68580" marT="0" marB="0"/>
-                </a:tc>
-                <a:extLst>
-                  <a:ext uri="{0D108BD9-81ED-4DB2-BD59-A6C34878D82A}">
-                    <a16:rowId xmlns:a16="http://schemas.microsoft.com/office/drawing/2014/main" val="2858205011"/>
-                  </a:ext>
-                </a:extLst>
-              </a:tr>
-              <a:tr h="648321">
-                <a:tc>
-                  <a:txBody>
-                    <a:bodyPr/>
-                    <a:lstStyle/>
-                    <a:p>
-                      <a:pPr algn="ctr">
-                        <a:lnSpc>
-                          <a:spcPct val="107000"/>
-                        </a:lnSpc>
-                        <a:spcAft>
-                          <a:spcPts val="800"/>
-                        </a:spcAft>
-                      </a:pPr>
-                      <a:r>
-                        <a:rPr lang="en-US" sz="1400" kern="100">
-                          <a:effectLst/>
-                          <a:latin typeface="+mn-lt"/>
-                        </a:rPr>
-                        <a:t>2</a:t>
-                      </a:r>
-                      <a:endParaRPr lang="en-US" sz="1400" kern="100">
-                        <a:effectLst/>
-                        <a:latin typeface="+mn-lt"/>
+                        <a:latin typeface="Calibri" panose="020F0502020204030204" pitchFamily="34" charset="0"/>
                         <a:ea typeface="Calibri" panose="020F0502020204030204" pitchFamily="34" charset="0"/>
                         <a:cs typeface="Arial" panose="020B0604020202020204" pitchFamily="34" charset="0"/>
                       </a:endParaRPr>
@@ -31859,15 +32413,14 @@
                         </a:spcAft>
                       </a:pPr>
                       <a:r>
-                        <a:rPr lang="en-US" sz="1400" kern="100">
+                        <a:rPr lang="en-US" sz="1600" kern="0" dirty="0">
                           <a:effectLst/>
-                          <a:latin typeface="+mn-lt"/>
                         </a:rPr>
-                        <a:t>random_forest</a:t>
+                        <a:t> 87%</a:t>
                       </a:r>
-                      <a:endParaRPr lang="en-US" sz="1400" kern="100">
+                      <a:endParaRPr lang="en-US" sz="1600" kern="100" dirty="0">
                         <a:effectLst/>
-                        <a:latin typeface="+mn-lt"/>
+                        <a:latin typeface="Calibri" panose="020F0502020204030204" pitchFamily="34" charset="0"/>
                         <a:ea typeface="Calibri" panose="020F0502020204030204" pitchFamily="34" charset="0"/>
                         <a:cs typeface="Arial" panose="020B0604020202020204" pitchFamily="34" charset="0"/>
                       </a:endParaRPr>
@@ -31889,15 +32442,103 @@
                         </a:spcAft>
                       </a:pPr>
                       <a:r>
-                        <a:rPr lang="en-US" sz="1400" kern="100">
+                        <a:rPr lang="en-US" sz="1600" kern="0" dirty="0">
                           <a:effectLst/>
-                          <a:latin typeface="+mn-lt"/>
                         </a:rPr>
-                        <a:t>0.780155</a:t>
+                        <a:t> metric= '</a:t>
                       </a:r>
-                      <a:endParaRPr lang="en-US" sz="1400" kern="100">
+                      <a:r>
+                        <a:rPr lang="en-US" sz="1600" kern="0" dirty="0" err="1">
+                          <a:effectLst/>
+                        </a:rPr>
+                        <a:t>manhattan</a:t>
+                      </a:r>
+                      <a:r>
+                        <a:rPr lang="en-US" sz="1600" kern="0" dirty="0">
+                          <a:effectLst/>
+                        </a:rPr>
+                        <a:t>', '</a:t>
+                      </a:r>
+                      <a:r>
+                        <a:rPr lang="en-US" sz="1600" kern="0" dirty="0" err="1">
+                          <a:effectLst/>
+                        </a:rPr>
+                        <a:t>n_neighbors</a:t>
+                      </a:r>
+                      <a:r>
+                        <a:rPr lang="en-US" sz="1600" kern="0" dirty="0">
+                          <a:effectLst/>
+                        </a:rPr>
+                        <a:t>’=7</a:t>
+                      </a:r>
+                      <a:endParaRPr lang="en-US" sz="1600" kern="100" dirty="0">
                         <a:effectLst/>
-                        <a:latin typeface="+mn-lt"/>
+                        <a:latin typeface="Calibri" panose="020F0502020204030204" pitchFamily="34" charset="0"/>
+                        <a:ea typeface="Calibri" panose="020F0502020204030204" pitchFamily="34" charset="0"/>
+                        <a:cs typeface="Arial" panose="020B0604020202020204" pitchFamily="34" charset="0"/>
+                      </a:endParaRPr>
+                    </a:p>
+                  </a:txBody>
+                  <a:tcPr marL="68580" marR="68580" marT="0" marB="0"/>
+                </a:tc>
+                <a:extLst>
+                  <a:ext uri="{0D108BD9-81ED-4DB2-BD59-A6C34878D82A}">
+                    <a16:rowId xmlns:a16="http://schemas.microsoft.com/office/drawing/2014/main" val="929634171"/>
+                  </a:ext>
+                </a:extLst>
+              </a:tr>
+              <a:tr h="588330">
+                <a:tc>
+                  <a:txBody>
+                    <a:bodyPr/>
+                    <a:lstStyle/>
+                    <a:p>
+                      <a:pPr algn="ctr">
+                        <a:lnSpc>
+                          <a:spcPct val="107000"/>
+                        </a:lnSpc>
+                        <a:spcAft>
+                          <a:spcPts val="800"/>
+                        </a:spcAft>
+                      </a:pPr>
+                      <a:r>
+                        <a:rPr lang="en-US" sz="1600" kern="0">
+                          <a:effectLst/>
+                        </a:rPr>
+                        <a:t>3</a:t>
+                      </a:r>
+                      <a:endParaRPr lang="en-US" sz="1600" kern="100">
+                        <a:effectLst/>
+                        <a:latin typeface="Calibri" panose="020F0502020204030204" pitchFamily="34" charset="0"/>
+                        <a:ea typeface="Calibri" panose="020F0502020204030204" pitchFamily="34" charset="0"/>
+                        <a:cs typeface="Arial" panose="020B0604020202020204" pitchFamily="34" charset="0"/>
+                      </a:endParaRPr>
+                    </a:p>
+                  </a:txBody>
+                  <a:tcPr marL="68580" marR="68580" marT="0" marB="0"/>
+                </a:tc>
+                <a:tc>
+                  <a:txBody>
+                    <a:bodyPr/>
+                    <a:lstStyle/>
+                    <a:p>
+                      <a:pPr algn="l">
+                        <a:lnSpc>
+                          <a:spcPct val="107000"/>
+                        </a:lnSpc>
+                        <a:spcAft>
+                          <a:spcPts val="800"/>
+                        </a:spcAft>
+                      </a:pPr>
+                      <a:r>
+                        <a:rPr lang="en-US" sz="1600" kern="0" dirty="0">
+                          <a:effectLst/>
+                        </a:rPr>
+                        <a:t>SVM</a:t>
+                      </a:r>
+                      <a:endParaRPr lang="en-US" sz="1600" kern="100" dirty="0">
+                        <a:effectLst/>
+                        <a:latin typeface="Calibri" panose="020F0502020204030204" pitchFamily="34" charset="0"/>
                         <a:ea typeface="Calibri" panose="020F0502020204030204" pitchFamily="34" charset="0"/>
                         <a:cs typeface="Arial" panose="020B0604020202020204" pitchFamily="34" charset="0"/>
                       </a:endParaRPr>
@@ -31919,80 +32560,17 @@
                         </a:spcAft>
                       </a:pPr>
                       <a:r>
-                        <a:rPr lang="en-US" sz="1400" kern="100" dirty="0">
+                        <a:rPr lang="fr-FR" sz="1600" kern="100" dirty="0">
                           <a:effectLst/>
-                          <a:latin typeface="+mn-lt"/>
+                          <a:latin typeface="Calibri" panose="020F0502020204030204" pitchFamily="34" charset="0"/>
+                          <a:ea typeface="Calibri" panose="020F0502020204030204" pitchFamily="34" charset="0"/>
+                          <a:cs typeface="Arial" panose="020B0604020202020204" pitchFamily="34" charset="0"/>
                         </a:rPr>
-                        <a:t>'</a:t>
+                        <a:t>83.77%</a:t>
                       </a:r>
-                      <a:r>
-                        <a:rPr lang="en-US" sz="1400" kern="100" dirty="0" err="1">
-                          <a:effectLst/>
-                          <a:latin typeface="+mn-lt"/>
-                        </a:rPr>
-                        <a:t>max_depth</a:t>
-                      </a:r>
-                      <a:r>
-                        <a:rPr lang="en-US" sz="1400" kern="100" dirty="0">
-                          <a:effectLst/>
-                          <a:latin typeface="+mn-lt"/>
-                        </a:rPr>
-                        <a:t>': 11, '</a:t>
-                      </a:r>
-                      <a:r>
-                        <a:rPr lang="en-US" sz="1400" kern="100" dirty="0" err="1">
-                          <a:effectLst/>
-                          <a:latin typeface="+mn-lt"/>
-                        </a:rPr>
-                        <a:t>max_features</a:t>
-                      </a:r>
-                      <a:r>
-                        <a:rPr lang="en-US" sz="1400" kern="100" dirty="0">
-                          <a:effectLst/>
-                          <a:latin typeface="+mn-lt"/>
-                        </a:rPr>
-                        <a:t>': 'log2'</a:t>
-                      </a:r>
-                      <a:endParaRPr lang="en-US" sz="1400" kern="100" dirty="0">
+                      <a:endParaRPr lang="en-US" sz="1600" kern="100" dirty="0">
                         <a:effectLst/>
-                        <a:latin typeface="+mn-lt"/>
-                        <a:ea typeface="Calibri" panose="020F0502020204030204" pitchFamily="34" charset="0"/>
-                        <a:cs typeface="Arial" panose="020B0604020202020204" pitchFamily="34" charset="0"/>
-                      </a:endParaRPr>
-                    </a:p>
-                  </a:txBody>
-                  <a:tcPr marL="68580" marR="68580" marT="0" marB="0"/>
-                </a:tc>
-                <a:extLst>
-                  <a:ext uri="{0D108BD9-81ED-4DB2-BD59-A6C34878D82A}">
-                    <a16:rowId xmlns:a16="http://schemas.microsoft.com/office/drawing/2014/main" val="1960964646"/>
-                  </a:ext>
-                </a:extLst>
-              </a:tr>
-              <a:tr h="532736">
-                <a:tc>
-                  <a:txBody>
-                    <a:bodyPr/>
-                    <a:lstStyle/>
-                    <a:p>
-                      <a:pPr algn="ctr">
-                        <a:lnSpc>
-                          <a:spcPct val="107000"/>
-                        </a:lnSpc>
-                        <a:spcAft>
-                          <a:spcPts val="800"/>
-                        </a:spcAft>
-                      </a:pPr>
-                      <a:r>
-                        <a:rPr lang="en-US" sz="1400" kern="100">
-                          <a:effectLst/>
-                          <a:latin typeface="+mn-lt"/>
-                        </a:rPr>
-                        <a:t>3</a:t>
-                      </a:r>
-                      <a:endParaRPr lang="en-US" sz="1400" kern="100">
-                        <a:effectLst/>
-                        <a:latin typeface="+mn-lt"/>
+                        <a:latin typeface="Calibri" panose="020F0502020204030204" pitchFamily="34" charset="0"/>
                         <a:ea typeface="Calibri" panose="020F0502020204030204" pitchFamily="34" charset="0"/>
                         <a:cs typeface="Arial" panose="020B0604020202020204" pitchFamily="34" charset="0"/>
                       </a:endParaRPr>
@@ -32014,15 +32592,26 @@
                         </a:spcAft>
                       </a:pPr>
                       <a:r>
-                        <a:rPr lang="en-US" sz="1400" kern="100">
+                        <a:rPr lang="fr-FR" sz="1600" kern="0" dirty="0">
                           <a:effectLst/>
-                          <a:latin typeface="+mn-lt"/>
+                          <a:latin typeface="Calibri" panose="020F0502020204030204" pitchFamily="34" charset="0"/>
+                          <a:ea typeface="Calibri" panose="020F0502020204030204" pitchFamily="34" charset="0"/>
+                          <a:cs typeface="Arial" panose="020B0604020202020204" pitchFamily="34" charset="0"/>
                         </a:rPr>
-                        <a:t>xg_boost</a:t>
+                        <a:t>8</a:t>
                       </a:r>
-                      <a:endParaRPr lang="en-US" sz="1400" kern="100">
+                      <a:r>
+                        <a:rPr lang="en-US" sz="1600" kern="0" dirty="0">
+                          <a:effectLst/>
+                          <a:latin typeface="Calibri" panose="020F0502020204030204" pitchFamily="34" charset="0"/>
+                          <a:ea typeface="Calibri" panose="020F0502020204030204" pitchFamily="34" charset="0"/>
+                          <a:cs typeface="Arial" panose="020B0604020202020204" pitchFamily="34" charset="0"/>
+                        </a:rPr>
+                        <a:t>4.5%</a:t>
+                      </a:r>
+                      <a:endParaRPr lang="en-US" sz="1600" kern="100" dirty="0">
                         <a:effectLst/>
-                        <a:latin typeface="+mn-lt"/>
+                        <a:latin typeface="Calibri" panose="020F0502020204030204" pitchFamily="34" charset="0"/>
                         <a:ea typeface="Calibri" panose="020F0502020204030204" pitchFamily="34" charset="0"/>
                         <a:cs typeface="Arial" panose="020B0604020202020204" pitchFamily="34" charset="0"/>
                       </a:endParaRPr>
@@ -32044,15 +32633,91 @@
                         </a:spcAft>
                       </a:pPr>
                       <a:r>
-                        <a:rPr lang="en-US" sz="1400" kern="100">
+                        <a:rPr lang="en-US" sz="1600" kern="0" dirty="0">
                           <a:effectLst/>
-                          <a:latin typeface="+mn-lt"/>
                         </a:rPr>
-                        <a:t>0.792207</a:t>
+                        <a:t>C= 1, kernel= ‘linear'</a:t>
                       </a:r>
-                      <a:endParaRPr lang="en-US" sz="1400" kern="100">
+                      <a:endParaRPr lang="en-US" sz="1600" kern="100" dirty="0">
                         <a:effectLst/>
-                        <a:latin typeface="+mn-lt"/>
+                        <a:latin typeface="Calibri" panose="020F0502020204030204" pitchFamily="34" charset="0"/>
+                        <a:ea typeface="Calibri" panose="020F0502020204030204" pitchFamily="34" charset="0"/>
+                        <a:cs typeface="Arial" panose="020B0604020202020204" pitchFamily="34" charset="0"/>
+                      </a:endParaRPr>
+                    </a:p>
+                  </a:txBody>
+                  <a:tcPr marL="68580" marR="68580" marT="0" marB="0"/>
+                </a:tc>
+                <a:extLst>
+                  <a:ext uri="{0D108BD9-81ED-4DB2-BD59-A6C34878D82A}">
+                    <a16:rowId xmlns:a16="http://schemas.microsoft.com/office/drawing/2014/main" val="1566493222"/>
+                  </a:ext>
+                </a:extLst>
+              </a:tr>
+              <a:tr h="529453">
+                <a:tc>
+                  <a:txBody>
+                    <a:bodyPr/>
+                    <a:lstStyle/>
+                    <a:p>
+                      <a:pPr algn="ctr">
+                        <a:lnSpc>
+                          <a:spcPct val="107000"/>
+                        </a:lnSpc>
+                        <a:spcAft>
+                          <a:spcPts val="800"/>
+                        </a:spcAft>
+                      </a:pPr>
+                      <a:r>
+                        <a:rPr lang="en-US" sz="1600" kern="0">
+                          <a:effectLst/>
+                        </a:rPr>
+                        <a:t>4</a:t>
+                      </a:r>
+                      <a:endParaRPr lang="en-US" sz="1600" kern="100">
+                        <a:effectLst/>
+                        <a:latin typeface="Calibri" panose="020F0502020204030204" pitchFamily="34" charset="0"/>
+                        <a:ea typeface="Calibri" panose="020F0502020204030204" pitchFamily="34" charset="0"/>
+                        <a:cs typeface="Arial" panose="020B0604020202020204" pitchFamily="34" charset="0"/>
+                      </a:endParaRPr>
+                    </a:p>
+                  </a:txBody>
+                  <a:tcPr marL="68580" marR="68580" marT="0" marB="0"/>
+                </a:tc>
+                <a:tc>
+                  <a:txBody>
+                    <a:bodyPr/>
+                    <a:lstStyle/>
+                    <a:p>
+                      <a:pPr algn="l">
+                        <a:lnSpc>
+                          <a:spcPct val="107000"/>
+                        </a:lnSpc>
+                        <a:spcAft>
+                          <a:spcPts val="800"/>
+                        </a:spcAft>
+                      </a:pPr>
+                      <a:r>
+                        <a:rPr lang="fr-FR" sz="1600" kern="0" dirty="0" err="1">
+                          <a:effectLst/>
+                          <a:latin typeface="Calibri" panose="020F0502020204030204" pitchFamily="34" charset="0"/>
+                          <a:ea typeface="Calibri" panose="020F0502020204030204" pitchFamily="34" charset="0"/>
+                          <a:cs typeface="Arial" panose="020B0604020202020204" pitchFamily="34" charset="0"/>
+                        </a:rPr>
+                        <a:t>Random</a:t>
+                      </a:r>
+                      <a:r>
+                        <a:rPr lang="fr-FR" sz="1600" kern="0" dirty="0">
+                          <a:effectLst/>
+                          <a:latin typeface="Calibri" panose="020F0502020204030204" pitchFamily="34" charset="0"/>
+                          <a:ea typeface="Calibri" panose="020F0502020204030204" pitchFamily="34" charset="0"/>
+                          <a:cs typeface="Arial" panose="020B0604020202020204" pitchFamily="34" charset="0"/>
+                        </a:rPr>
+                        <a:t> Forest</a:t>
+                      </a:r>
+                      <a:endParaRPr lang="en-US" sz="1600" kern="100" dirty="0">
+                        <a:effectLst/>
+                        <a:latin typeface="Calibri" panose="020F0502020204030204" pitchFamily="34" charset="0"/>
                         <a:ea typeface="Calibri" panose="020F0502020204030204" pitchFamily="34" charset="0"/>
                         <a:cs typeface="Arial" panose="020B0604020202020204" pitchFamily="34" charset="0"/>
                       </a:endParaRPr>
@@ -32074,80 +32739,17 @@
                         </a:spcAft>
                       </a:pPr>
                       <a:r>
-                        <a:rPr lang="en-US" sz="1400" kern="100" dirty="0">
+                        <a:rPr lang="fr-FR" sz="1600" kern="100" dirty="0">
                           <a:effectLst/>
-                          <a:latin typeface="+mn-lt"/>
+                          <a:latin typeface="Calibri" panose="020F0502020204030204" pitchFamily="34" charset="0"/>
+                          <a:ea typeface="Calibri" panose="020F0502020204030204" pitchFamily="34" charset="0"/>
+                          <a:cs typeface="Arial" panose="020B0604020202020204" pitchFamily="34" charset="0"/>
                         </a:rPr>
-                        <a:t>'</a:t>
+                        <a:t>86.36%</a:t>
                       </a:r>
-                      <a:r>
-                        <a:rPr lang="en-US" sz="1400" kern="100" dirty="0" err="1">
-                          <a:effectLst/>
-                          <a:latin typeface="+mn-lt"/>
-                        </a:rPr>
-                        <a:t>max_depth</a:t>
-                      </a:r>
-                      <a:r>
-                        <a:rPr lang="en-US" sz="1400" kern="100" dirty="0">
-                          <a:effectLst/>
-                          <a:latin typeface="+mn-lt"/>
-                        </a:rPr>
-                        <a:t>': 10, '</a:t>
-                      </a:r>
-                      <a:r>
-                        <a:rPr lang="en-US" sz="1400" kern="100" dirty="0" err="1">
-                          <a:effectLst/>
-                          <a:latin typeface="+mn-lt"/>
-                        </a:rPr>
-                        <a:t>n_estimators</a:t>
-                      </a:r>
-                      <a:r>
-                        <a:rPr lang="en-US" sz="1400" kern="100" dirty="0">
-                          <a:effectLst/>
-                          <a:latin typeface="+mn-lt"/>
-                        </a:rPr>
-                        <a:t>’=15</a:t>
-                      </a:r>
-                      <a:endParaRPr lang="en-US" sz="1400" kern="100" dirty="0">
+                      <a:endParaRPr lang="en-US" sz="1600" kern="100" dirty="0">
                         <a:effectLst/>
-                        <a:latin typeface="+mn-lt"/>
-                        <a:ea typeface="Calibri" panose="020F0502020204030204" pitchFamily="34" charset="0"/>
-                        <a:cs typeface="Arial" panose="020B0604020202020204" pitchFamily="34" charset="0"/>
-                      </a:endParaRPr>
-                    </a:p>
-                  </a:txBody>
-                  <a:tcPr marL="68580" marR="68580" marT="0" marB="0"/>
-                </a:tc>
-                <a:extLst>
-                  <a:ext uri="{0D108BD9-81ED-4DB2-BD59-A6C34878D82A}">
-                    <a16:rowId xmlns:a16="http://schemas.microsoft.com/office/drawing/2014/main" val="1768777878"/>
-                  </a:ext>
-                </a:extLst>
-              </a:tr>
-              <a:tr h="532736">
-                <a:tc>
-                  <a:txBody>
-                    <a:bodyPr/>
-                    <a:lstStyle/>
-                    <a:p>
-                      <a:pPr algn="ctr">
-                        <a:lnSpc>
-                          <a:spcPct val="107000"/>
-                        </a:lnSpc>
-                        <a:spcAft>
-                          <a:spcPts val="800"/>
-                        </a:spcAft>
-                      </a:pPr>
-                      <a:r>
-                        <a:rPr lang="en-US" sz="1400" kern="100">
-                          <a:effectLst/>
-                          <a:latin typeface="+mn-lt"/>
-                        </a:rPr>
-                        <a:t>4</a:t>
-                      </a:r>
-                      <a:endParaRPr lang="en-US" sz="1400" kern="100">
-                        <a:effectLst/>
-                        <a:latin typeface="+mn-lt"/>
+                        <a:latin typeface="Calibri" panose="020F0502020204030204" pitchFamily="34" charset="0"/>
                         <a:ea typeface="Calibri" panose="020F0502020204030204" pitchFamily="34" charset="0"/>
                         <a:cs typeface="Arial" panose="020B0604020202020204" pitchFamily="34" charset="0"/>
                       </a:endParaRPr>
@@ -32169,15 +32771,14 @@
                         </a:spcAft>
                       </a:pPr>
                       <a:r>
-                        <a:rPr lang="en-US" sz="1400" kern="100">
+                        <a:rPr lang="en-US" sz="1600" kern="0" dirty="0">
                           <a:effectLst/>
-                          <a:latin typeface="+mn-lt"/>
                         </a:rPr>
-                        <a:t>logistic_regression</a:t>
+                        <a:t>  88.5%</a:t>
                       </a:r>
-                      <a:endParaRPr lang="en-US" sz="1400" kern="100">
+                      <a:endParaRPr lang="en-US" sz="1600" kern="100" dirty="0">
                         <a:effectLst/>
-                        <a:latin typeface="+mn-lt"/>
+                        <a:latin typeface="Calibri" panose="020F0502020204030204" pitchFamily="34" charset="0"/>
                         <a:ea typeface="Calibri" panose="020F0502020204030204" pitchFamily="34" charset="0"/>
                         <a:cs typeface="Arial" panose="020B0604020202020204" pitchFamily="34" charset="0"/>
                       </a:endParaRPr>
@@ -32199,15 +32800,103 @@
                         </a:spcAft>
                       </a:pPr>
                       <a:r>
-                        <a:rPr lang="en-US" sz="1400" kern="100">
+                        <a:rPr lang="en-US" sz="1600" kern="0" dirty="0" err="1">
                           <a:effectLst/>
-                          <a:latin typeface="+mn-lt"/>
                         </a:rPr>
-                        <a:t>0.781781</a:t>
+                        <a:t>max_depth</a:t>
                       </a:r>
-                      <a:endParaRPr lang="en-US" sz="1400" kern="100">
+                      <a:r>
+                        <a:rPr lang="en-US" sz="1600" kern="0" dirty="0">
+                          <a:effectLst/>
+                        </a:rPr>
+                        <a:t>=10, </a:t>
+                      </a:r>
+                      <a:r>
+                        <a:rPr lang="en-US" sz="1600" kern="0" dirty="0" err="1">
+                          <a:effectLst/>
+                        </a:rPr>
+                        <a:t>n_estimators</a:t>
+                      </a:r>
+                      <a:r>
+                        <a:rPr lang="en-US" sz="1600" kern="0" dirty="0">
+                          <a:effectLst/>
+                        </a:rPr>
+                        <a:t>=10</a:t>
+                      </a:r>
+                      <a:endParaRPr lang="en-US" sz="1600" kern="100" dirty="0">
                         <a:effectLst/>
-                        <a:latin typeface="+mn-lt"/>
+                        <a:latin typeface="Calibri" panose="020F0502020204030204" pitchFamily="34" charset="0"/>
+                        <a:ea typeface="Calibri" panose="020F0502020204030204" pitchFamily="34" charset="0"/>
+                        <a:cs typeface="Arial" panose="020B0604020202020204" pitchFamily="34" charset="0"/>
+                      </a:endParaRPr>
+                    </a:p>
+                  </a:txBody>
+                  <a:tcPr marL="68580" marR="68580" marT="0" marB="0"/>
+                </a:tc>
+                <a:extLst>
+                  <a:ext uri="{0D108BD9-81ED-4DB2-BD59-A6C34878D82A}">
+                    <a16:rowId xmlns:a16="http://schemas.microsoft.com/office/drawing/2014/main" val="2115956281"/>
+                  </a:ext>
+                </a:extLst>
+              </a:tr>
+              <a:tr h="491290">
+                <a:tc>
+                  <a:txBody>
+                    <a:bodyPr/>
+                    <a:lstStyle/>
+                    <a:p>
+                      <a:pPr algn="ctr">
+                        <a:lnSpc>
+                          <a:spcPct val="107000"/>
+                        </a:lnSpc>
+                        <a:spcAft>
+                          <a:spcPts val="800"/>
+                        </a:spcAft>
+                      </a:pPr>
+                      <a:r>
+                        <a:rPr lang="fr-FR" sz="1600" kern="100" dirty="0">
+                          <a:effectLst/>
+                          <a:latin typeface="Calibri" panose="020F0502020204030204" pitchFamily="34" charset="0"/>
+                          <a:ea typeface="Calibri" panose="020F0502020204030204" pitchFamily="34" charset="0"/>
+                          <a:cs typeface="Arial" panose="020B0604020202020204" pitchFamily="34" charset="0"/>
+                        </a:rPr>
+                        <a:t>5</a:t>
+                      </a:r>
+                      <a:endParaRPr lang="en-US" sz="1600" kern="100" dirty="0">
+                        <a:effectLst/>
+                        <a:latin typeface="Calibri" panose="020F0502020204030204" pitchFamily="34" charset="0"/>
+                        <a:ea typeface="Calibri" panose="020F0502020204030204" pitchFamily="34" charset="0"/>
+                        <a:cs typeface="Arial" panose="020B0604020202020204" pitchFamily="34" charset="0"/>
+                      </a:endParaRPr>
+                    </a:p>
+                  </a:txBody>
+                  <a:tcPr marL="68580" marR="68580" marT="0" marB="0"/>
+                </a:tc>
+                <a:tc>
+                  <a:txBody>
+                    <a:bodyPr/>
+                    <a:lstStyle/>
+                    <a:p>
+                      <a:pPr algn="l">
+                        <a:lnSpc>
+                          <a:spcPct val="107000"/>
+                        </a:lnSpc>
+                        <a:spcAft>
+                          <a:spcPts val="800"/>
+                        </a:spcAft>
+                      </a:pPr>
+                      <a:r>
+                        <a:rPr lang="fr-FR" sz="1600" kern="100" dirty="0" err="1">
+                          <a:effectLst/>
+                          <a:latin typeface="Calibri" panose="020F0502020204030204" pitchFamily="34" charset="0"/>
+                          <a:ea typeface="Calibri" panose="020F0502020204030204" pitchFamily="34" charset="0"/>
+                          <a:cs typeface="Arial" panose="020B0604020202020204" pitchFamily="34" charset="0"/>
+                        </a:rPr>
+                        <a:t>XG_Boost</a:t>
+                      </a:r>
+                      <a:endParaRPr lang="en-US" sz="1600" kern="100" dirty="0">
+                        <a:effectLst/>
+                        <a:latin typeface="Calibri" panose="020F0502020204030204" pitchFamily="34" charset="0"/>
                         <a:ea typeface="Calibri" panose="020F0502020204030204" pitchFamily="34" charset="0"/>
                         <a:cs typeface="Arial" panose="020B0604020202020204" pitchFamily="34" charset="0"/>
                       </a:endParaRPr>
@@ -32229,29 +32918,121 @@
                         </a:spcAft>
                       </a:pPr>
                       <a:r>
-                        <a:rPr lang="en-US" sz="1400" kern="100" dirty="0">
+                        <a:rPr lang="fr-FR" sz="1600" kern="100" dirty="0">
                           <a:effectLst/>
-                          <a:latin typeface="+mn-lt"/>
+                          <a:latin typeface="Calibri" panose="020F0502020204030204" pitchFamily="34" charset="0"/>
+                          <a:ea typeface="Calibri" panose="020F0502020204030204" pitchFamily="34" charset="0"/>
+                          <a:cs typeface="Arial" panose="020B0604020202020204" pitchFamily="34" charset="0"/>
                         </a:rPr>
-                        <a:t>'C': 5, '</a:t>
+                        <a:t>86.36%</a:t>
+                      </a:r>
+                      <a:endParaRPr lang="en-US" sz="1600" kern="100" dirty="0">
+                        <a:effectLst/>
+                        <a:latin typeface="Calibri" panose="020F0502020204030204" pitchFamily="34" charset="0"/>
+                        <a:ea typeface="Calibri" panose="020F0502020204030204" pitchFamily="34" charset="0"/>
+                        <a:cs typeface="Arial" panose="020B0604020202020204" pitchFamily="34" charset="0"/>
+                      </a:endParaRPr>
+                    </a:p>
+                  </a:txBody>
+                  <a:tcPr marL="68580" marR="68580" marT="0" marB="0"/>
+                </a:tc>
+                <a:tc>
+                  <a:txBody>
+                    <a:bodyPr/>
+                    <a:lstStyle/>
+                    <a:p>
+                      <a:pPr algn="ctr">
+                        <a:lnSpc>
+                          <a:spcPct val="107000"/>
+                        </a:lnSpc>
+                        <a:spcAft>
+                          <a:spcPts val="800"/>
+                        </a:spcAft>
+                      </a:pPr>
+                      <a:r>
+                        <a:rPr lang="fr-FR" sz="1600" kern="100" dirty="0">
+                          <a:effectLst/>
+                          <a:latin typeface="Calibri" panose="020F0502020204030204" pitchFamily="34" charset="0"/>
+                          <a:ea typeface="Calibri" panose="020F0502020204030204" pitchFamily="34" charset="0"/>
+                          <a:cs typeface="Arial" panose="020B0604020202020204" pitchFamily="34" charset="0"/>
+                        </a:rPr>
+                        <a:t>89%</a:t>
+                      </a:r>
+                      <a:endParaRPr lang="en-US" sz="1600" kern="100" dirty="0">
+                        <a:effectLst/>
+                        <a:latin typeface="Calibri" panose="020F0502020204030204" pitchFamily="34" charset="0"/>
+                        <a:ea typeface="Calibri" panose="020F0502020204030204" pitchFamily="34" charset="0"/>
+                        <a:cs typeface="Arial" panose="020B0604020202020204" pitchFamily="34" charset="0"/>
+                      </a:endParaRPr>
+                    </a:p>
+                  </a:txBody>
+                  <a:tcPr marL="68580" marR="68580" marT="0" marB="0"/>
+                </a:tc>
+                <a:tc>
+                  <a:txBody>
+                    <a:bodyPr/>
+                    <a:lstStyle/>
+                    <a:p>
+                      <a:pPr marL="0" marR="0" lvl="0" indent="0" algn="ctr" defTabSz="914400" rtl="0" eaLnBrk="1" fontAlgn="auto" latinLnBrk="0" hangingPunct="1">
+                        <a:lnSpc>
+                          <a:spcPct val="107000"/>
+                        </a:lnSpc>
+                        <a:spcBef>
+                          <a:spcPts val="0"/>
+                        </a:spcBef>
+                        <a:spcAft>
+                          <a:spcPts val="800"/>
+                        </a:spcAft>
+                        <a:buClrTx/>
+                        <a:buSzTx/>
+                        <a:buFontTx/>
+                        <a:buNone/>
+                        <a:tabLst/>
+                        <a:defRPr/>
+                      </a:pPr>
+                      <a:r>
+                        <a:rPr lang="en-US" sz="1600" kern="0" dirty="0" err="1">
+                          <a:effectLst/>
+                        </a:rPr>
+                        <a:t>max_depth</a:t>
                       </a:r>
                       <a:r>
-                        <a:rPr lang="en-US" sz="1400" kern="100" dirty="0" err="1">
+                        <a:rPr lang="en-US" sz="1600" kern="0" dirty="0">
                           <a:effectLst/>
-                          <a:latin typeface="+mn-lt"/>
                         </a:rPr>
-                        <a:t>n_jobs</a:t>
+                        <a:t>=6, </a:t>
                       </a:r>
                       <a:r>
-                        <a:rPr lang="en-US" sz="1400" kern="100" dirty="0">
+                        <a:rPr lang="en-US" sz="1600" kern="0" dirty="0" err="1">
                           <a:effectLst/>
-                          <a:latin typeface="+mn-lt"/>
                         </a:rPr>
-                        <a:t>': -1</a:t>
+                        <a:t>max_leaf_nodes</a:t>
                       </a:r>
-                      <a:endParaRPr lang="en-US" sz="1400" kern="100" dirty="0">
+                      <a:r>
+                        <a:rPr lang="en-US" sz="1600" kern="0" dirty="0">
+                          <a:effectLst/>
+                        </a:rPr>
+                        <a:t>=3</a:t>
+                      </a:r>
+                      <a:endParaRPr lang="en-US" sz="1600" kern="100" dirty="0">
                         <a:effectLst/>
-                        <a:latin typeface="+mn-lt"/>
+                        <a:latin typeface="Calibri" panose="020F0502020204030204" pitchFamily="34" charset="0"/>
+                        <a:ea typeface="Calibri" panose="020F0502020204030204" pitchFamily="34" charset="0"/>
+                        <a:cs typeface="Arial" panose="020B0604020202020204" pitchFamily="34" charset="0"/>
+                      </a:endParaRPr>
+                    </a:p>
+                    <a:p>
+                      <a:pPr algn="ctr">
+                        <a:lnSpc>
+                          <a:spcPct val="107000"/>
+                        </a:lnSpc>
+                        <a:spcAft>
+                          <a:spcPts val="800"/>
+                        </a:spcAft>
+                      </a:pPr>
+                      <a:endParaRPr lang="en-US" sz="1600" kern="100" dirty="0">
+                        <a:effectLst/>
+                        <a:latin typeface="Calibri" panose="020F0502020204030204" pitchFamily="34" charset="0"/>
                         <a:ea typeface="Calibri" panose="020F0502020204030204" pitchFamily="34" charset="0"/>
                         <a:cs typeface="Arial" panose="020B0604020202020204" pitchFamily="34" charset="0"/>
                       </a:endParaRPr>
@@ -32261,7 +33042,198 @@
                 </a:tc>
                 <a:extLst>
                   <a:ext uri="{0D108BD9-81ED-4DB2-BD59-A6C34878D82A}">
-                    <a16:rowId xmlns:a16="http://schemas.microsoft.com/office/drawing/2014/main" val="3955807762"/>
+                    <a16:rowId xmlns:a16="http://schemas.microsoft.com/office/drawing/2014/main" val="2827819699"/>
+                  </a:ext>
+                </a:extLst>
+              </a:tr>
+              <a:tr h="630633">
+                <a:tc>
+                  <a:txBody>
+                    <a:bodyPr/>
+                    <a:lstStyle/>
+                    <a:p>
+                      <a:pPr algn="ctr">
+                        <a:lnSpc>
+                          <a:spcPct val="107000"/>
+                        </a:lnSpc>
+                        <a:spcAft>
+                          <a:spcPts val="800"/>
+                        </a:spcAft>
+                      </a:pPr>
+                      <a:r>
+                        <a:rPr lang="fr-FR" sz="1600" kern="0" dirty="0">
+                          <a:effectLst/>
+                          <a:latin typeface="Calibri" panose="020F0502020204030204" pitchFamily="34" charset="0"/>
+                          <a:ea typeface="Calibri" panose="020F0502020204030204" pitchFamily="34" charset="0"/>
+                          <a:cs typeface="Arial" panose="020B0604020202020204" pitchFamily="34" charset="0"/>
+                        </a:rPr>
+                        <a:t>6</a:t>
+                      </a:r>
+                      <a:endParaRPr lang="en-US" sz="1600" kern="100" dirty="0">
+                        <a:effectLst/>
+                        <a:latin typeface="Calibri" panose="020F0502020204030204" pitchFamily="34" charset="0"/>
+                        <a:ea typeface="Calibri" panose="020F0502020204030204" pitchFamily="34" charset="0"/>
+                        <a:cs typeface="Arial" panose="020B0604020202020204" pitchFamily="34" charset="0"/>
+                      </a:endParaRPr>
+                    </a:p>
+                  </a:txBody>
+                  <a:tcPr marL="68580" marR="68580" marT="0" marB="0"/>
+                </a:tc>
+                <a:tc>
+                  <a:txBody>
+                    <a:bodyPr/>
+                    <a:lstStyle/>
+                    <a:p>
+                      <a:pPr algn="l">
+                        <a:lnSpc>
+                          <a:spcPct val="107000"/>
+                        </a:lnSpc>
+                        <a:spcAft>
+                          <a:spcPts val="800"/>
+                        </a:spcAft>
+                      </a:pPr>
+                      <a:r>
+                        <a:rPr lang="en-US" sz="1600" kern="0" dirty="0" err="1">
+                          <a:effectLst/>
+                          <a:latin typeface="Calibri" panose="020F0502020204030204" pitchFamily="34" charset="0"/>
+                          <a:ea typeface="Calibri" panose="020F0502020204030204" pitchFamily="34" charset="0"/>
+                          <a:cs typeface="Arial" panose="020B0604020202020204" pitchFamily="34" charset="0"/>
+                        </a:rPr>
+                        <a:t>GrandientBoosting</a:t>
+                      </a:r>
+                      <a:endParaRPr lang="en-US" sz="1600" kern="100" dirty="0">
+                        <a:effectLst/>
+                        <a:latin typeface="Calibri" panose="020F0502020204030204" pitchFamily="34" charset="0"/>
+                        <a:ea typeface="Calibri" panose="020F0502020204030204" pitchFamily="34" charset="0"/>
+                        <a:cs typeface="Arial" panose="020B0604020202020204" pitchFamily="34" charset="0"/>
+                      </a:endParaRPr>
+                    </a:p>
+                  </a:txBody>
+                  <a:tcPr marL="68580" marR="68580" marT="0" marB="0"/>
+                </a:tc>
+                <a:tc>
+                  <a:txBody>
+                    <a:bodyPr/>
+                    <a:lstStyle/>
+                    <a:p>
+                      <a:pPr algn="ctr">
+                        <a:lnSpc>
+                          <a:spcPct val="107000"/>
+                        </a:lnSpc>
+                        <a:spcAft>
+                          <a:spcPts val="800"/>
+                        </a:spcAft>
+                      </a:pPr>
+                      <a:r>
+                        <a:rPr lang="fr-FR" sz="1600" kern="100" dirty="0">
+                          <a:effectLst/>
+                          <a:latin typeface="Calibri" panose="020F0502020204030204" pitchFamily="34" charset="0"/>
+                          <a:ea typeface="Calibri" panose="020F0502020204030204" pitchFamily="34" charset="0"/>
+                          <a:cs typeface="Arial" panose="020B0604020202020204" pitchFamily="34" charset="0"/>
+                        </a:rPr>
+                        <a:t>89.61%</a:t>
+                      </a:r>
+                      <a:endParaRPr lang="en-US" sz="1600" kern="100" dirty="0">
+                        <a:effectLst/>
+                        <a:latin typeface="Calibri" panose="020F0502020204030204" pitchFamily="34" charset="0"/>
+                        <a:ea typeface="Calibri" panose="020F0502020204030204" pitchFamily="34" charset="0"/>
+                        <a:cs typeface="Arial" panose="020B0604020202020204" pitchFamily="34" charset="0"/>
+                      </a:endParaRPr>
+                    </a:p>
+                  </a:txBody>
+                  <a:tcPr marL="68580" marR="68580" marT="0" marB="0"/>
+                </a:tc>
+                <a:tc>
+                  <a:txBody>
+                    <a:bodyPr/>
+                    <a:lstStyle/>
+                    <a:p>
+                      <a:pPr algn="l">
+                        <a:lnSpc>
+                          <a:spcPct val="107000"/>
+                        </a:lnSpc>
+                        <a:spcAft>
+                          <a:spcPts val="800"/>
+                        </a:spcAft>
+                      </a:pPr>
+                      <a:r>
+                        <a:rPr lang="en-US" sz="1600" kern="0" dirty="0">
+                          <a:effectLst/>
+                        </a:rPr>
+                        <a:t>                      88%</a:t>
+                      </a:r>
+                      <a:endParaRPr lang="en-US" sz="1600" kern="100" dirty="0">
+                        <a:effectLst/>
+                        <a:latin typeface="Calibri" panose="020F0502020204030204" pitchFamily="34" charset="0"/>
+                        <a:ea typeface="Calibri" panose="020F0502020204030204" pitchFamily="34" charset="0"/>
+                        <a:cs typeface="Arial" panose="020B0604020202020204" pitchFamily="34" charset="0"/>
+                      </a:endParaRPr>
+                    </a:p>
+                  </a:txBody>
+                  <a:tcPr marL="68580" marR="68580" marT="0" marB="0"/>
+                </a:tc>
+                <a:tc>
+                  <a:txBody>
+                    <a:bodyPr/>
+                    <a:lstStyle/>
+                    <a:p>
+                      <a:pPr algn="ctr">
+                        <a:lnSpc>
+                          <a:spcPct val="107000"/>
+                        </a:lnSpc>
+                        <a:spcAft>
+                          <a:spcPts val="800"/>
+                        </a:spcAft>
+                      </a:pPr>
+                      <a:r>
+                        <a:rPr lang="fr-FR" sz="1600" kern="100" dirty="0" err="1">
+                          <a:effectLst/>
+                          <a:latin typeface="Calibri" panose="020F0502020204030204" pitchFamily="34" charset="0"/>
+                          <a:ea typeface="Calibri" panose="020F0502020204030204" pitchFamily="34" charset="0"/>
+                          <a:cs typeface="Arial" panose="020B0604020202020204" pitchFamily="34" charset="0"/>
+                        </a:rPr>
+                        <a:t>Learning_rate</a:t>
+                      </a:r>
+                      <a:r>
+                        <a:rPr lang="fr-FR" sz="1600" kern="100" dirty="0">
+                          <a:effectLst/>
+                          <a:latin typeface="Calibri" panose="020F0502020204030204" pitchFamily="34" charset="0"/>
+                          <a:ea typeface="Calibri" panose="020F0502020204030204" pitchFamily="34" charset="0"/>
+                          <a:cs typeface="Arial" panose="020B0604020202020204" pitchFamily="34" charset="0"/>
+                        </a:rPr>
+                        <a:t>=0.2, </a:t>
+                      </a:r>
+                      <a:r>
+                        <a:rPr lang="fr-FR" sz="1600" kern="100" dirty="0" err="1">
+                          <a:effectLst/>
+                          <a:latin typeface="Calibri" panose="020F0502020204030204" pitchFamily="34" charset="0"/>
+                          <a:ea typeface="Calibri" panose="020F0502020204030204" pitchFamily="34" charset="0"/>
+                          <a:cs typeface="Arial" panose="020B0604020202020204" pitchFamily="34" charset="0"/>
+                        </a:rPr>
+                        <a:t>max_depth</a:t>
+                      </a:r>
+                      <a:r>
+                        <a:rPr lang="fr-FR" sz="1600" kern="100" dirty="0">
+                          <a:effectLst/>
+                          <a:latin typeface="Calibri" panose="020F0502020204030204" pitchFamily="34" charset="0"/>
+                          <a:ea typeface="Calibri" panose="020F0502020204030204" pitchFamily="34" charset="0"/>
+                          <a:cs typeface="Arial" panose="020B0604020202020204" pitchFamily="34" charset="0"/>
+                        </a:rPr>
+                        <a:t>=3</a:t>
+                      </a:r>
+                      <a:endParaRPr lang="en-US" sz="1600" kern="100" dirty="0">
+                        <a:effectLst/>
+                        <a:latin typeface="Calibri" panose="020F0502020204030204" pitchFamily="34" charset="0"/>
+                        <a:ea typeface="Calibri" panose="020F0502020204030204" pitchFamily="34" charset="0"/>
+                        <a:cs typeface="Arial" panose="020B0604020202020204" pitchFamily="34" charset="0"/>
+                      </a:endParaRPr>
+                    </a:p>
+                  </a:txBody>
+                  <a:tcPr marL="68580" marR="68580" marT="0" marB="0"/>
+                </a:tc>
+                <a:extLst>
+                  <a:ext uri="{0D108BD9-81ED-4DB2-BD59-A6C34878D82A}">
+                    <a16:rowId xmlns:a16="http://schemas.microsoft.com/office/drawing/2014/main" val="387506641"/>
                   </a:ext>
                 </a:extLst>
               </a:tr>
@@ -32493,10 +33465,10 @@
       </p:sp>
       <p:graphicFrame>
         <p:nvGraphicFramePr>
-          <p:cNvPr id="4" name="Table 3">
+          <p:cNvPr id="6" name="Table 5">
             <a:extLst>
               <a:ext uri="{FF2B5EF4-FFF2-40B4-BE49-F238E27FC236}">
-                <a16:creationId xmlns:a16="http://schemas.microsoft.com/office/drawing/2014/main" id="{837382A9-147B-26AD-9D16-2D838E2A29DD}"/>
+                <a16:creationId xmlns:a16="http://schemas.microsoft.com/office/drawing/2014/main" id="{A5E35FE1-F8AC-2BD8-E54A-4B1D3931CBDB}"/>
               </a:ext>
             </a:extLst>
           </p:cNvPr>
@@ -32506,14 +33478,14 @@
           <p:nvPr>
             <p:extLst>
               <p:ext uri="{D42A27DB-BD31-4B8C-83A1-F6EECF244321}">
-                <p14:modId xmlns:p14="http://schemas.microsoft.com/office/powerpoint/2010/main" val="3563796652"/>
+                <p14:modId xmlns:p14="http://schemas.microsoft.com/office/powerpoint/2010/main" val="3333193350"/>
               </p:ext>
             </p:extLst>
           </p:nvPr>
         </p:nvGraphicFramePr>
         <p:xfrm>
-          <a:off x="787790" y="3096402"/>
-          <a:ext cx="10163347" cy="3217820"/>
+          <a:off x="519261" y="3038622"/>
+          <a:ext cx="11241329" cy="3641825"/>
         </p:xfrm>
         <a:graphic>
           <a:graphicData uri="http://schemas.openxmlformats.org/drawingml/2006/table">
@@ -32522,51 +33494,43 @@
                 <a:tableStyleId>{17292A2E-F333-43FB-9621-5CBBE7FDCDCB}</a:tableStyleId>
               </a:tblPr>
               <a:tblGrid>
-                <a:gridCol w="1304309">
+                <a:gridCol w="504200">
                   <a:extLst>
                     <a:ext uri="{9D8B030D-6E8A-4147-A177-3AD203B41FA5}">
-                      <a16:colId xmlns:a16="http://schemas.microsoft.com/office/drawing/2014/main" val="4247873579"/>
+                      <a16:colId xmlns:a16="http://schemas.microsoft.com/office/drawing/2014/main" val="1041236934"/>
                     </a:ext>
                   </a:extLst>
                 </a:gridCol>
-                <a:gridCol w="3011012">
+                <a:gridCol w="2141770">
                   <a:extLst>
                     <a:ext uri="{9D8B030D-6E8A-4147-A177-3AD203B41FA5}">
-                      <a16:colId xmlns:a16="http://schemas.microsoft.com/office/drawing/2014/main" val="2492506304"/>
+                      <a16:colId xmlns:a16="http://schemas.microsoft.com/office/drawing/2014/main" val="3712412373"/>
                     </a:ext>
                   </a:extLst>
                 </a:gridCol>
-                <a:gridCol w="2053594">
+                <a:gridCol w="2630658">
                   <a:extLst>
                     <a:ext uri="{9D8B030D-6E8A-4147-A177-3AD203B41FA5}">
-                      <a16:colId xmlns:a16="http://schemas.microsoft.com/office/drawing/2014/main" val="3985755671"/>
+                      <a16:colId xmlns:a16="http://schemas.microsoft.com/office/drawing/2014/main" val="909771426"/>
                     </a:ext>
                   </a:extLst>
                 </a:gridCol>
-                <a:gridCol w="3794432">
+                <a:gridCol w="2377440">
                   <a:extLst>
                     <a:ext uri="{9D8B030D-6E8A-4147-A177-3AD203B41FA5}">
-                      <a16:colId xmlns:a16="http://schemas.microsoft.com/office/drawing/2014/main" val="2807999706"/>
+                      <a16:colId xmlns:a16="http://schemas.microsoft.com/office/drawing/2014/main" val="3759634098"/>
+                    </a:ext>
+                  </a:extLst>
+                </a:gridCol>
+                <a:gridCol w="3587261">
+                  <a:extLst>
+                    <a:ext uri="{9D8B030D-6E8A-4147-A177-3AD203B41FA5}">
+                      <a16:colId xmlns:a16="http://schemas.microsoft.com/office/drawing/2014/main" val="689841091"/>
                     </a:ext>
                   </a:extLst>
                 </a:gridCol>
               </a:tblGrid>
-              <a:tr h="561198">
-                <a:tc>
-                  <a:txBody>
-                    <a:bodyPr/>
-                    <a:lstStyle/>
-                    <a:p>
-                      <a:pPr algn="ctr"/>
-                      <a:endParaRPr lang="en-US" sz="1400" kern="100" dirty="0">
-                        <a:effectLst/>
-                        <a:latin typeface="+mn-lt"/>
-                        <a:cs typeface="Arial" panose="020B0604020202020204" pitchFamily="34" charset="0"/>
-                      </a:endParaRPr>
-                    </a:p>
-                  </a:txBody>
-                  <a:tcPr marL="68580" marR="68580" marT="0" marB="0"/>
-                </a:tc>
+              <a:tr h="522613">
                 <a:tc>
                   <a:txBody>
                     <a:bodyPr/>
@@ -32581,15 +33545,14 @@
                         </a:spcAft>
                       </a:pPr>
                       <a:r>
-                        <a:rPr lang="en-US" sz="1400" kern="100" dirty="0">
+                        <a:rPr lang="en-US" sz="1400" kern="0" dirty="0">
                           <a:effectLst/>
-                          <a:latin typeface="+mn-lt"/>
                         </a:rPr>
-                        <a:t>model</a:t>
+                        <a:t> </a:t>
                       </a:r>
                       <a:endParaRPr lang="en-US" sz="1400" kern="100" dirty="0">
                         <a:effectLst/>
-                        <a:latin typeface="+mn-lt"/>
+                        <a:latin typeface="Calibri" panose="020F0502020204030204" pitchFamily="34" charset="0"/>
                         <a:ea typeface="Calibri" panose="020F0502020204030204" pitchFamily="34" charset="0"/>
                         <a:cs typeface="Arial" panose="020B0604020202020204" pitchFamily="34" charset="0"/>
                       </a:endParaRPr>
@@ -32611,15 +33574,14 @@
                         </a:spcAft>
                       </a:pPr>
                       <a:r>
-                        <a:rPr lang="en-US" sz="1400" kern="100" dirty="0" err="1">
+                        <a:rPr lang="en-US" sz="1800" kern="0" dirty="0">
                           <a:effectLst/>
-                          <a:latin typeface="+mn-lt"/>
                         </a:rPr>
-                        <a:t>best_score</a:t>
+                        <a:t>model </a:t>
                       </a:r>
-                      <a:endParaRPr lang="en-US" sz="1400" kern="100" dirty="0">
+                      <a:endParaRPr lang="en-US" sz="1800" kern="100" dirty="0">
                         <a:effectLst/>
-                        <a:latin typeface="+mn-lt"/>
+                        <a:latin typeface="Calibri" panose="020F0502020204030204" pitchFamily="34" charset="0"/>
                         <a:ea typeface="Calibri" panose="020F0502020204030204" pitchFamily="34" charset="0"/>
                         <a:cs typeface="Arial" panose="020B0604020202020204" pitchFamily="34" charset="0"/>
                       </a:endParaRPr>
@@ -32641,52 +33603,44 @@
                         </a:spcAft>
                       </a:pPr>
                       <a:r>
-                        <a:rPr lang="en-US" sz="1400" kern="100" dirty="0" err="1">
+                        <a:rPr lang="fr-FR" sz="1800" kern="100" dirty="0">
                           <a:effectLst/>
-                          <a:latin typeface="+mn-lt"/>
+                          <a:latin typeface="Calibri" panose="020F0502020204030204" pitchFamily="34" charset="0"/>
+                          <a:ea typeface="Calibri" panose="020F0502020204030204" pitchFamily="34" charset="0"/>
+                          <a:cs typeface="Arial" panose="020B0604020202020204" pitchFamily="34" charset="0"/>
                         </a:rPr>
-                        <a:t>best_params</a:t>
+                        <a:t> </a:t>
                       </a:r>
-                      <a:endParaRPr lang="en-US" sz="1400" kern="100" dirty="0">
+                      <a:r>
+                        <a:rPr lang="fr-FR" sz="1800" kern="100" dirty="0" err="1">
+                          <a:effectLst/>
+                          <a:latin typeface="Calibri" panose="020F0502020204030204" pitchFamily="34" charset="0"/>
+                          <a:ea typeface="Calibri" panose="020F0502020204030204" pitchFamily="34" charset="0"/>
+                          <a:cs typeface="Arial" panose="020B0604020202020204" pitchFamily="34" charset="0"/>
+                        </a:rPr>
+                        <a:t>Before</a:t>
+                      </a:r>
+                      <a:r>
+                        <a:rPr lang="fr-FR" sz="1800" kern="100" dirty="0">
+                          <a:effectLst/>
+                          <a:latin typeface="Calibri" panose="020F0502020204030204" pitchFamily="34" charset="0"/>
+                          <a:ea typeface="Calibri" panose="020F0502020204030204" pitchFamily="34" charset="0"/>
+                          <a:cs typeface="Arial" panose="020B0604020202020204" pitchFamily="34" charset="0"/>
+                        </a:rPr>
+                        <a:t> </a:t>
+                      </a:r>
+                      <a:r>
+                        <a:rPr lang="fr-FR" sz="1800" kern="100" dirty="0" err="1">
+                          <a:effectLst/>
+                          <a:latin typeface="Calibri" panose="020F0502020204030204" pitchFamily="34" charset="0"/>
+                          <a:ea typeface="Calibri" panose="020F0502020204030204" pitchFamily="34" charset="0"/>
+                          <a:cs typeface="Arial" panose="020B0604020202020204" pitchFamily="34" charset="0"/>
+                        </a:rPr>
+                        <a:t>HyperParameter</a:t>
+                      </a:r>
+                      <a:endParaRPr lang="en-US" sz="1800" kern="100" dirty="0">
                         <a:effectLst/>
-                        <a:latin typeface="+mn-lt"/>
-                        <a:ea typeface="Calibri" panose="020F0502020204030204" pitchFamily="34" charset="0"/>
-                        <a:cs typeface="Arial" panose="020B0604020202020204" pitchFamily="34" charset="0"/>
-                      </a:endParaRPr>
-                    </a:p>
-                  </a:txBody>
-                  <a:tcPr marL="68580" marR="68580" marT="0" marB="0"/>
-                </a:tc>
-                <a:extLst>
-                  <a:ext uri="{0D108BD9-81ED-4DB2-BD59-A6C34878D82A}">
-                    <a16:rowId xmlns:a16="http://schemas.microsoft.com/office/drawing/2014/main" val="3589716080"/>
-                  </a:ext>
-                </a:extLst>
-              </a:tr>
-              <a:tr h="439377">
-                <a:tc>
-                  <a:txBody>
-                    <a:bodyPr/>
-                    <a:lstStyle/>
-                    <a:p>
-                      <a:pPr algn="ctr">
-                        <a:lnSpc>
-                          <a:spcPct val="107000"/>
-                        </a:lnSpc>
-                        <a:spcAft>
-                          <a:spcPts val="800"/>
-                        </a:spcAft>
-                      </a:pPr>
-                      <a:r>
-                        <a:rPr lang="en-US" sz="1400" kern="100" dirty="0">
-                          <a:effectLst/>
-                          <a:latin typeface="+mn-lt"/>
-                        </a:rPr>
-                        <a:t>0</a:t>
-                      </a:r>
-                      <a:endParaRPr lang="en-US" sz="1400" kern="100" dirty="0">
-                        <a:effectLst/>
-                        <a:latin typeface="+mn-lt"/>
+                        <a:latin typeface="Calibri" panose="020F0502020204030204" pitchFamily="34" charset="0"/>
                         <a:ea typeface="Calibri" panose="020F0502020204030204" pitchFamily="34" charset="0"/>
                         <a:cs typeface="Arial" panose="020B0604020202020204" pitchFamily="34" charset="0"/>
                       </a:endParaRPr>
@@ -32708,15 +33662,44 @@
                         </a:spcAft>
                       </a:pPr>
                       <a:r>
-                        <a:rPr lang="en-US" sz="1400" kern="100" dirty="0" err="1">
+                        <a:rPr lang="fr-FR" sz="1800" kern="0" dirty="0">
                           <a:effectLst/>
-                          <a:latin typeface="+mn-lt"/>
+                          <a:latin typeface="Calibri" panose="020F0502020204030204" pitchFamily="34" charset="0"/>
+                          <a:ea typeface="Calibri" panose="020F0502020204030204" pitchFamily="34" charset="0"/>
+                          <a:cs typeface="Arial" panose="020B0604020202020204" pitchFamily="34" charset="0"/>
                         </a:rPr>
-                        <a:t>svm</a:t>
+                        <a:t>A</a:t>
                       </a:r>
-                      <a:endParaRPr lang="en-US" sz="1400" kern="100" dirty="0">
+                      <a:r>
+                        <a:rPr lang="en-US" sz="1800" kern="0" dirty="0" err="1">
+                          <a:effectLst/>
+                          <a:latin typeface="Calibri" panose="020F0502020204030204" pitchFamily="34" charset="0"/>
+                          <a:ea typeface="Calibri" panose="020F0502020204030204" pitchFamily="34" charset="0"/>
+                          <a:cs typeface="Arial" panose="020B0604020202020204" pitchFamily="34" charset="0"/>
+                        </a:rPr>
+                        <a:t>fter</a:t>
+                      </a:r>
+                      <a:r>
+                        <a:rPr lang="en-US" sz="1800" kern="0" dirty="0">
+                          <a:effectLst/>
+                          <a:latin typeface="Calibri" panose="020F0502020204030204" pitchFamily="34" charset="0"/>
+                          <a:ea typeface="Calibri" panose="020F0502020204030204" pitchFamily="34" charset="0"/>
+                          <a:cs typeface="Arial" panose="020B0604020202020204" pitchFamily="34" charset="0"/>
+                        </a:rPr>
+                        <a:t> </a:t>
+                      </a:r>
+                      <a:r>
+                        <a:rPr lang="en-US" sz="1800" kern="0" dirty="0" err="1">
+                          <a:effectLst/>
+                          <a:latin typeface="Calibri" panose="020F0502020204030204" pitchFamily="34" charset="0"/>
+                          <a:ea typeface="Calibri" panose="020F0502020204030204" pitchFamily="34" charset="0"/>
+                          <a:cs typeface="Arial" panose="020B0604020202020204" pitchFamily="34" charset="0"/>
+                        </a:rPr>
+                        <a:t>Hyperparamter</a:t>
+                      </a:r>
+                      <a:endParaRPr lang="en-US" sz="1800" kern="100" dirty="0">
                         <a:effectLst/>
-                        <a:latin typeface="+mn-lt"/>
+                        <a:latin typeface="Calibri" panose="020F0502020204030204" pitchFamily="34" charset="0"/>
                         <a:ea typeface="Calibri" panose="020F0502020204030204" pitchFamily="34" charset="0"/>
                         <a:cs typeface="Arial" panose="020B0604020202020204" pitchFamily="34" charset="0"/>
                       </a:endParaRPr>
@@ -32738,15 +33721,85 @@
                         </a:spcAft>
                       </a:pPr>
                       <a:r>
-                        <a:rPr lang="en-US" sz="1400" kern="100">
+                        <a:rPr lang="en-US" sz="1800" kern="0" dirty="0">
                           <a:effectLst/>
-                          <a:latin typeface="+mn-lt"/>
                         </a:rPr>
-                        <a:t>0.910081</a:t>
+                        <a:t> </a:t>
                       </a:r>
-                      <a:endParaRPr lang="en-US" sz="1400" kern="100">
+                      <a:r>
+                        <a:rPr lang="en-US" sz="1800" kern="0" dirty="0" err="1">
+                          <a:effectLst/>
+                        </a:rPr>
+                        <a:t>best_parameters</a:t>
+                      </a:r>
+                      <a:endParaRPr lang="en-US" sz="1800" kern="100" dirty="0">
                         <a:effectLst/>
-                        <a:latin typeface="+mn-lt"/>
+                        <a:latin typeface="Calibri" panose="020F0502020204030204" pitchFamily="34" charset="0"/>
+                        <a:ea typeface="Calibri" panose="020F0502020204030204" pitchFamily="34" charset="0"/>
+                        <a:cs typeface="Arial" panose="020B0604020202020204" pitchFamily="34" charset="0"/>
+                      </a:endParaRPr>
+                    </a:p>
+                  </a:txBody>
+                  <a:tcPr marL="68580" marR="68580" marT="0" marB="0"/>
+                </a:tc>
+                <a:extLst>
+                  <a:ext uri="{0D108BD9-81ED-4DB2-BD59-A6C34878D82A}">
+                    <a16:rowId xmlns:a16="http://schemas.microsoft.com/office/drawing/2014/main" val="3344103732"/>
+                  </a:ext>
+                </a:extLst>
+              </a:tr>
+              <a:tr h="502313">
+                <a:tc>
+                  <a:txBody>
+                    <a:bodyPr/>
+                    <a:lstStyle/>
+                    <a:p>
+                      <a:pPr algn="ctr">
+                        <a:lnSpc>
+                          <a:spcPct val="107000"/>
+                        </a:lnSpc>
+                        <a:spcAft>
+                          <a:spcPts val="800"/>
+                        </a:spcAft>
+                      </a:pPr>
+                      <a:r>
+                        <a:rPr lang="en-US" sz="1600" kern="0" dirty="0">
+                          <a:effectLst/>
+                        </a:rPr>
+                        <a:t>0</a:t>
+                      </a:r>
+                      <a:endParaRPr lang="en-US" sz="1600" kern="100" dirty="0">
+                        <a:effectLst/>
+                        <a:latin typeface="Calibri" panose="020F0502020204030204" pitchFamily="34" charset="0"/>
+                        <a:ea typeface="Calibri" panose="020F0502020204030204" pitchFamily="34" charset="0"/>
+                        <a:cs typeface="Arial" panose="020B0604020202020204" pitchFamily="34" charset="0"/>
+                      </a:endParaRPr>
+                    </a:p>
+                  </a:txBody>
+                  <a:tcPr marL="68580" marR="68580" marT="0" marB="0"/>
+                </a:tc>
+                <a:tc>
+                  <a:txBody>
+                    <a:bodyPr/>
+                    <a:lstStyle/>
+                    <a:p>
+                      <a:pPr algn="l">
+                        <a:lnSpc>
+                          <a:spcPct val="107000"/>
+                        </a:lnSpc>
+                        <a:spcAft>
+                          <a:spcPts val="800"/>
+                        </a:spcAft>
+                      </a:pPr>
+                      <a:r>
+                        <a:rPr lang="en-US" sz="1600" kern="0" dirty="0" err="1">
+                          <a:effectLst/>
+                        </a:rPr>
+                        <a:t>Logistic_regression</a:t>
+                      </a:r>
+                      <a:endParaRPr lang="en-US" sz="1600" kern="100" dirty="0">
+                        <a:effectLst/>
+                        <a:latin typeface="Calibri" panose="020F0502020204030204" pitchFamily="34" charset="0"/>
                         <a:ea typeface="Calibri" panose="020F0502020204030204" pitchFamily="34" charset="0"/>
                         <a:cs typeface="Arial" panose="020B0604020202020204" pitchFamily="34" charset="0"/>
                       </a:endParaRPr>
@@ -32768,66 +33821,17 @@
                         </a:spcAft>
                       </a:pPr>
                       <a:r>
-                        <a:rPr lang="en-US" sz="1400" kern="100" dirty="0">
+                        <a:rPr lang="fr-FR" sz="1600" kern="100" dirty="0">
                           <a:effectLst/>
-                          <a:latin typeface="+mn-lt"/>
+                          <a:latin typeface="Calibri" panose="020F0502020204030204" pitchFamily="34" charset="0"/>
+                          <a:ea typeface="Calibri" panose="020F0502020204030204" pitchFamily="34" charset="0"/>
+                          <a:cs typeface="Arial" panose="020B0604020202020204" pitchFamily="34" charset="0"/>
                         </a:rPr>
-                        <a:t>'C': 1, 'gamma': 1, 'kernel': '</a:t>
+                        <a:t>84.74%</a:t>
                       </a:r>
-                      <a:r>
-                        <a:rPr lang="en-US" sz="1400" kern="100" dirty="0" err="1">
-                          <a:effectLst/>
-                          <a:latin typeface="+mn-lt"/>
-                        </a:rPr>
-                        <a:t>rbf</a:t>
-                      </a:r>
-                      <a:r>
-                        <a:rPr lang="en-US" sz="1400" kern="100" dirty="0">
-                          <a:effectLst/>
-                          <a:latin typeface="+mn-lt"/>
-                        </a:rPr>
-                        <a:t>'</a:t>
-                      </a:r>
-                      <a:endParaRPr lang="en-US" sz="1400" kern="100" dirty="0">
+                      <a:endParaRPr lang="en-US" sz="1600" kern="100" dirty="0">
                         <a:effectLst/>
-                        <a:latin typeface="+mn-lt"/>
-                        <a:ea typeface="Calibri" panose="020F0502020204030204" pitchFamily="34" charset="0"/>
-                        <a:cs typeface="Arial" panose="020B0604020202020204" pitchFamily="34" charset="0"/>
-                      </a:endParaRPr>
-                    </a:p>
-                  </a:txBody>
-                  <a:tcPr marL="68580" marR="68580" marT="0" marB="0"/>
-                </a:tc>
-                <a:extLst>
-                  <a:ext uri="{0D108BD9-81ED-4DB2-BD59-A6C34878D82A}">
-                    <a16:rowId xmlns:a16="http://schemas.microsoft.com/office/drawing/2014/main" val="4276190775"/>
-                  </a:ext>
-                </a:extLst>
-              </a:tr>
-              <a:tr h="439377">
-                <a:tc>
-                  <a:txBody>
-                    <a:bodyPr/>
-                    <a:lstStyle/>
-                    <a:p>
-                      <a:pPr algn="ctr">
-                        <a:lnSpc>
-                          <a:spcPct val="107000"/>
-                        </a:lnSpc>
-                        <a:spcAft>
-                          <a:spcPts val="800"/>
-                        </a:spcAft>
-                      </a:pPr>
-                      <a:r>
-                        <a:rPr lang="en-US" sz="1400" kern="100" dirty="0">
-                          <a:effectLst/>
-                          <a:latin typeface="+mn-lt"/>
-                        </a:rPr>
-                        <a:t>1</a:t>
-                      </a:r>
-                      <a:endParaRPr lang="en-US" sz="1400" kern="100" dirty="0">
-                        <a:effectLst/>
-                        <a:latin typeface="+mn-lt"/>
+                        <a:latin typeface="Calibri" panose="020F0502020204030204" pitchFamily="34" charset="0"/>
                         <a:ea typeface="Calibri" panose="020F0502020204030204" pitchFamily="34" charset="0"/>
                         <a:cs typeface="Arial" panose="020B0604020202020204" pitchFamily="34" charset="0"/>
                       </a:endParaRPr>
@@ -32849,15 +33853,14 @@
                         </a:spcAft>
                       </a:pPr>
                       <a:r>
-                        <a:rPr lang="en-US" sz="1400" kern="100">
+                        <a:rPr lang="en-US" sz="1600" kern="0" dirty="0">
                           <a:effectLst/>
-                          <a:latin typeface="+mn-lt"/>
                         </a:rPr>
-                        <a:t>knn</a:t>
+                        <a:t> 82.55%</a:t>
                       </a:r>
-                      <a:endParaRPr lang="en-US" sz="1400" kern="100">
+                      <a:endParaRPr lang="en-US" sz="1600" kern="100" dirty="0">
                         <a:effectLst/>
-                        <a:latin typeface="+mn-lt"/>
+                        <a:latin typeface="Calibri" panose="020F0502020204030204" pitchFamily="34" charset="0"/>
                         <a:ea typeface="Calibri" panose="020F0502020204030204" pitchFamily="34" charset="0"/>
                         <a:cs typeface="Arial" panose="020B0604020202020204" pitchFamily="34" charset="0"/>
                       </a:endParaRPr>
@@ -32879,15 +33882,97 @@
                         </a:spcAft>
                       </a:pPr>
                       <a:r>
-                        <a:rPr lang="en-US" sz="1400" kern="100" dirty="0">
+                        <a:rPr lang="en-US" sz="1600" kern="0" dirty="0">
                           <a:effectLst/>
-                          <a:latin typeface="+mn-lt"/>
                         </a:rPr>
-                        <a:t>0.897581</a:t>
+                        <a:t>C= 545.55, </a:t>
                       </a:r>
-                      <a:endParaRPr lang="en-US" sz="1400" kern="100" dirty="0">
+                      <a:r>
+                        <a:rPr lang="en-US" sz="1600" kern="0" dirty="0" err="1">
+                          <a:effectLst/>
+                        </a:rPr>
+                        <a:t>max_iter</a:t>
+                      </a:r>
+                      <a:r>
+                        <a:rPr lang="en-US" sz="1600" kern="0" dirty="0">
+                          <a:effectLst/>
+                        </a:rPr>
+                        <a:t>= 300</a:t>
+                      </a:r>
+                      <a:endParaRPr lang="en-US" sz="1600" kern="100" dirty="0">
                         <a:effectLst/>
-                        <a:latin typeface="+mn-lt"/>
+                        <a:latin typeface="Calibri" panose="020F0502020204030204" pitchFamily="34" charset="0"/>
+                        <a:ea typeface="Calibri" panose="020F0502020204030204" pitchFamily="34" charset="0"/>
+                        <a:cs typeface="Arial" panose="020B0604020202020204" pitchFamily="34" charset="0"/>
+                      </a:endParaRPr>
+                    </a:p>
+                  </a:txBody>
+                  <a:tcPr marL="68580" marR="68580" marT="0" marB="0"/>
+                </a:tc>
+                <a:extLst>
+                  <a:ext uri="{0D108BD9-81ED-4DB2-BD59-A6C34878D82A}">
+                    <a16:rowId xmlns:a16="http://schemas.microsoft.com/office/drawing/2014/main" val="1573146284"/>
+                  </a:ext>
+                </a:extLst>
+              </a:tr>
+              <a:tr h="502313">
+                <a:tc>
+                  <a:txBody>
+                    <a:bodyPr/>
+                    <a:lstStyle/>
+                    <a:p>
+                      <a:pPr algn="ctr">
+                        <a:lnSpc>
+                          <a:spcPct val="107000"/>
+                        </a:lnSpc>
+                        <a:spcAft>
+                          <a:spcPts val="800"/>
+                        </a:spcAft>
+                      </a:pPr>
+                      <a:r>
+                        <a:rPr lang="en-US" sz="1600" kern="0">
+                          <a:effectLst/>
+                        </a:rPr>
+                        <a:t>1</a:t>
+                      </a:r>
+                      <a:endParaRPr lang="en-US" sz="1600" kern="100">
+                        <a:effectLst/>
+                        <a:latin typeface="Calibri" panose="020F0502020204030204" pitchFamily="34" charset="0"/>
+                        <a:ea typeface="Calibri" panose="020F0502020204030204" pitchFamily="34" charset="0"/>
+                        <a:cs typeface="Arial" panose="020B0604020202020204" pitchFamily="34" charset="0"/>
+                      </a:endParaRPr>
+                    </a:p>
+                  </a:txBody>
+                  <a:tcPr marL="68580" marR="68580" marT="0" marB="0"/>
+                </a:tc>
+                <a:tc>
+                  <a:txBody>
+                    <a:bodyPr/>
+                    <a:lstStyle/>
+                    <a:p>
+                      <a:pPr algn="l">
+                        <a:lnSpc>
+                          <a:spcPct val="107000"/>
+                        </a:lnSpc>
+                        <a:spcAft>
+                          <a:spcPts val="800"/>
+                        </a:spcAft>
+                      </a:pPr>
+                      <a:r>
+                        <a:rPr lang="en-US" sz="1600" kern="0" dirty="0" err="1">
+                          <a:effectLst/>
+                        </a:rPr>
+                        <a:t>Random_forest</a:t>
+                      </a:r>
+                      <a:r>
+                        <a:rPr lang="en-US" sz="1600" kern="0" dirty="0">
+                          <a:effectLst/>
+                        </a:rPr>
+                        <a:t> </a:t>
+                      </a:r>
+                      <a:endParaRPr lang="en-US" sz="1600" kern="100" dirty="0">
+                        <a:effectLst/>
+                        <a:latin typeface="Calibri" panose="020F0502020204030204" pitchFamily="34" charset="0"/>
                         <a:ea typeface="Calibri" panose="020F0502020204030204" pitchFamily="34" charset="0"/>
                         <a:cs typeface="Arial" panose="020B0604020202020204" pitchFamily="34" charset="0"/>
                       </a:endParaRPr>
@@ -32909,80 +33994,17 @@
                         </a:spcAft>
                       </a:pPr>
                       <a:r>
-                        <a:rPr lang="en-US" sz="1400" kern="100" dirty="0">
+                        <a:rPr lang="fr-FR" sz="1600" kern="100" dirty="0">
                           <a:effectLst/>
-                          <a:latin typeface="+mn-lt"/>
+                          <a:latin typeface="Calibri" panose="020F0502020204030204" pitchFamily="34" charset="0"/>
+                          <a:ea typeface="Calibri" panose="020F0502020204030204" pitchFamily="34" charset="0"/>
+                          <a:cs typeface="Arial" panose="020B0604020202020204" pitchFamily="34" charset="0"/>
                         </a:rPr>
-                        <a:t>'metric': '</a:t>
+                        <a:t>100%</a:t>
                       </a:r>
-                      <a:r>
-                        <a:rPr lang="en-US" sz="1400" kern="100" dirty="0" err="1">
-                          <a:effectLst/>
-                          <a:latin typeface="+mn-lt"/>
-                        </a:rPr>
-                        <a:t>manhattan</a:t>
-                      </a:r>
-                      <a:r>
-                        <a:rPr lang="en-US" sz="1400" kern="100" dirty="0">
-                          <a:effectLst/>
-                          <a:latin typeface="+mn-lt"/>
-                        </a:rPr>
-                        <a:t>', '</a:t>
-                      </a:r>
-                      <a:r>
-                        <a:rPr lang="en-US" sz="1400" kern="100" dirty="0" err="1">
-                          <a:effectLst/>
-                          <a:latin typeface="+mn-lt"/>
-                        </a:rPr>
-                        <a:t>n_neighbors</a:t>
-                      </a:r>
-                      <a:r>
-                        <a:rPr lang="en-US" sz="1400" kern="100" dirty="0">
-                          <a:effectLst/>
-                          <a:latin typeface="+mn-lt"/>
-                        </a:rPr>
-                        <a:t>': 11</a:t>
-                      </a:r>
-                      <a:endParaRPr lang="en-US" sz="1400" kern="100" dirty="0">
+                      <a:endParaRPr lang="en-US" sz="1600" kern="100" dirty="0">
                         <a:effectLst/>
-                        <a:latin typeface="+mn-lt"/>
-                        <a:ea typeface="Calibri" panose="020F0502020204030204" pitchFamily="34" charset="0"/>
-                        <a:cs typeface="Arial" panose="020B0604020202020204" pitchFamily="34" charset="0"/>
-                      </a:endParaRPr>
-                    </a:p>
-                  </a:txBody>
-                  <a:tcPr marL="68580" marR="68580" marT="0" marB="0"/>
-                </a:tc>
-                <a:extLst>
-                  <a:ext uri="{0D108BD9-81ED-4DB2-BD59-A6C34878D82A}">
-                    <a16:rowId xmlns:a16="http://schemas.microsoft.com/office/drawing/2014/main" val="998183865"/>
-                  </a:ext>
-                </a:extLst>
-              </a:tr>
-              <a:tr h="439377">
-                <a:tc>
-                  <a:txBody>
-                    <a:bodyPr/>
-                    <a:lstStyle/>
-                    <a:p>
-                      <a:pPr algn="ctr">
-                        <a:lnSpc>
-                          <a:spcPct val="107000"/>
-                        </a:lnSpc>
-                        <a:spcAft>
-                          <a:spcPts val="800"/>
-                        </a:spcAft>
-                      </a:pPr>
-                      <a:r>
-                        <a:rPr lang="en-US" sz="1400" kern="100" dirty="0">
-                          <a:effectLst/>
-                          <a:latin typeface="+mn-lt"/>
-                        </a:rPr>
-                        <a:t>2</a:t>
-                      </a:r>
-                      <a:endParaRPr lang="en-US" sz="1400" kern="100" dirty="0">
-                        <a:effectLst/>
-                        <a:latin typeface="+mn-lt"/>
+                        <a:latin typeface="Calibri" panose="020F0502020204030204" pitchFamily="34" charset="0"/>
                         <a:ea typeface="Calibri" panose="020F0502020204030204" pitchFamily="34" charset="0"/>
                         <a:cs typeface="Arial" panose="020B0604020202020204" pitchFamily="34" charset="0"/>
                       </a:endParaRPr>
@@ -33004,15 +34026,14 @@
                         </a:spcAft>
                       </a:pPr>
                       <a:r>
-                        <a:rPr lang="en-US" sz="1400" kern="100">
+                        <a:rPr lang="en-US" sz="1600" kern="0" dirty="0">
                           <a:effectLst/>
-                          <a:latin typeface="+mn-lt"/>
                         </a:rPr>
-                        <a:t>random_forest</a:t>
+                        <a:t> 90.22%</a:t>
                       </a:r>
-                      <a:endParaRPr lang="en-US" sz="1400" kern="100">
+                      <a:endParaRPr lang="en-US" sz="1600" kern="100" dirty="0">
                         <a:effectLst/>
-                        <a:latin typeface="+mn-lt"/>
+                        <a:latin typeface="Calibri" panose="020F0502020204030204" pitchFamily="34" charset="0"/>
                         <a:ea typeface="Calibri" panose="020F0502020204030204" pitchFamily="34" charset="0"/>
                         <a:cs typeface="Arial" panose="020B0604020202020204" pitchFamily="34" charset="0"/>
                       </a:endParaRPr>
@@ -33034,15 +34055,97 @@
                         </a:spcAft>
                       </a:pPr>
                       <a:r>
-                        <a:rPr lang="en-US" sz="1400" kern="100">
+                        <a:rPr lang="en-US" sz="1600" kern="0" dirty="0" err="1">
                           <a:effectLst/>
-                          <a:latin typeface="+mn-lt"/>
                         </a:rPr>
-                        <a:t>0.878024</a:t>
+                        <a:t>max_depth</a:t>
                       </a:r>
-                      <a:endParaRPr lang="en-US" sz="1400" kern="100">
+                      <a:r>
+                        <a:rPr lang="en-US" sz="1600" kern="0" dirty="0">
+                          <a:effectLst/>
+                        </a:rPr>
+                        <a:t>=10, </a:t>
+                      </a:r>
+                      <a:r>
+                        <a:rPr lang="en-US" sz="1600" kern="0" dirty="0" err="1">
+                          <a:effectLst/>
+                        </a:rPr>
+                        <a:t>n_estimators</a:t>
+                      </a:r>
+                      <a:r>
+                        <a:rPr lang="en-US" sz="1600" kern="0" dirty="0">
+                          <a:effectLst/>
+                        </a:rPr>
+                        <a:t>= 10</a:t>
+                      </a:r>
+                      <a:endParaRPr lang="en-US" sz="1600" kern="100" dirty="0">
                         <a:effectLst/>
-                        <a:latin typeface="+mn-lt"/>
+                        <a:latin typeface="Calibri" panose="020F0502020204030204" pitchFamily="34" charset="0"/>
+                        <a:ea typeface="Calibri" panose="020F0502020204030204" pitchFamily="34" charset="0"/>
+                        <a:cs typeface="Arial" panose="020B0604020202020204" pitchFamily="34" charset="0"/>
+                      </a:endParaRPr>
+                    </a:p>
+                  </a:txBody>
+                  <a:tcPr marL="68580" marR="68580" marT="0" marB="0"/>
+                </a:tc>
+                <a:extLst>
+                  <a:ext uri="{0D108BD9-81ED-4DB2-BD59-A6C34878D82A}">
+                    <a16:rowId xmlns:a16="http://schemas.microsoft.com/office/drawing/2014/main" val="929634171"/>
+                  </a:ext>
+                </a:extLst>
+              </a:tr>
+              <a:tr h="711544">
+                <a:tc>
+                  <a:txBody>
+                    <a:bodyPr/>
+                    <a:lstStyle/>
+                    <a:p>
+                      <a:pPr algn="ctr">
+                        <a:lnSpc>
+                          <a:spcPct val="107000"/>
+                        </a:lnSpc>
+                        <a:spcAft>
+                          <a:spcPts val="800"/>
+                        </a:spcAft>
+                      </a:pPr>
+                      <a:r>
+                        <a:rPr lang="en-US" sz="1600" kern="0">
+                          <a:effectLst/>
+                        </a:rPr>
+                        <a:t>3</a:t>
+                      </a:r>
+                      <a:endParaRPr lang="en-US" sz="1600" kern="100">
+                        <a:effectLst/>
+                        <a:latin typeface="Calibri" panose="020F0502020204030204" pitchFamily="34" charset="0"/>
+                        <a:ea typeface="Calibri" panose="020F0502020204030204" pitchFamily="34" charset="0"/>
+                        <a:cs typeface="Arial" panose="020B0604020202020204" pitchFamily="34" charset="0"/>
+                      </a:endParaRPr>
+                    </a:p>
+                  </a:txBody>
+                  <a:tcPr marL="68580" marR="68580" marT="0" marB="0"/>
+                </a:tc>
+                <a:tc>
+                  <a:txBody>
+                    <a:bodyPr/>
+                    <a:lstStyle/>
+                    <a:p>
+                      <a:pPr algn="l">
+                        <a:lnSpc>
+                          <a:spcPct val="107000"/>
+                        </a:lnSpc>
+                        <a:spcAft>
+                          <a:spcPts val="800"/>
+                        </a:spcAft>
+                      </a:pPr>
+                      <a:r>
+                        <a:rPr lang="en-US" sz="1600" kern="0" dirty="0">
+                          <a:effectLst/>
+                        </a:rPr>
+                        <a:t>SVM</a:t>
+                      </a:r>
+                      <a:endParaRPr lang="en-US" sz="1600" kern="100" dirty="0">
+                        <a:effectLst/>
+                        <a:latin typeface="Calibri" panose="020F0502020204030204" pitchFamily="34" charset="0"/>
                         <a:ea typeface="Calibri" panose="020F0502020204030204" pitchFamily="34" charset="0"/>
                         <a:cs typeface="Arial" panose="020B0604020202020204" pitchFamily="34" charset="0"/>
                       </a:endParaRPr>
@@ -33064,80 +34167,17 @@
                         </a:spcAft>
                       </a:pPr>
                       <a:r>
-                        <a:rPr lang="en-US" sz="1400" kern="100" dirty="0">
+                        <a:rPr lang="fr-FR" sz="1600" kern="100" dirty="0">
                           <a:effectLst/>
-                          <a:latin typeface="+mn-lt"/>
+                          <a:latin typeface="Calibri" panose="020F0502020204030204" pitchFamily="34" charset="0"/>
+                          <a:ea typeface="Calibri" panose="020F0502020204030204" pitchFamily="34" charset="0"/>
+                          <a:cs typeface="Arial" panose="020B0604020202020204" pitchFamily="34" charset="0"/>
                         </a:rPr>
-                        <a:t>'</a:t>
+                        <a:t>91.48%</a:t>
                       </a:r>
-                      <a:r>
-                        <a:rPr lang="en-US" sz="1400" kern="100" dirty="0" err="1">
-                          <a:effectLst/>
-                          <a:latin typeface="+mn-lt"/>
-                        </a:rPr>
-                        <a:t>max_depth</a:t>
-                      </a:r>
-                      <a:r>
-                        <a:rPr lang="en-US" sz="1400" kern="100" dirty="0">
-                          <a:effectLst/>
-                          <a:latin typeface="+mn-lt"/>
-                        </a:rPr>
-                        <a:t>': 10, '</a:t>
-                      </a:r>
-                      <a:r>
-                        <a:rPr lang="en-US" sz="1400" kern="100" dirty="0" err="1">
-                          <a:effectLst/>
-                          <a:latin typeface="+mn-lt"/>
-                        </a:rPr>
-                        <a:t>max_leaf_nodes</a:t>
-                      </a:r>
-                      <a:r>
-                        <a:rPr lang="en-US" sz="1400" kern="100" dirty="0">
-                          <a:effectLst/>
-                          <a:latin typeface="+mn-lt"/>
-                        </a:rPr>
-                        <a:t>': 9</a:t>
-                      </a:r>
-                      <a:endParaRPr lang="en-US" sz="1400" kern="100" dirty="0">
+                      <a:endParaRPr lang="en-US" sz="1600" kern="100" dirty="0">
                         <a:effectLst/>
-                        <a:latin typeface="+mn-lt"/>
-                        <a:ea typeface="Calibri" panose="020F0502020204030204" pitchFamily="34" charset="0"/>
-                        <a:cs typeface="Arial" panose="020B0604020202020204" pitchFamily="34" charset="0"/>
-                      </a:endParaRPr>
-                    </a:p>
-                  </a:txBody>
-                  <a:tcPr marL="68580" marR="68580" marT="0" marB="0"/>
-                </a:tc>
-                <a:extLst>
-                  <a:ext uri="{0D108BD9-81ED-4DB2-BD59-A6C34878D82A}">
-                    <a16:rowId xmlns:a16="http://schemas.microsoft.com/office/drawing/2014/main" val="799335105"/>
-                  </a:ext>
-                </a:extLst>
-              </a:tr>
-              <a:tr h="439377">
-                <a:tc>
-                  <a:txBody>
-                    <a:bodyPr/>
-                    <a:lstStyle/>
-                    <a:p>
-                      <a:pPr algn="ctr">
-                        <a:lnSpc>
-                          <a:spcPct val="107000"/>
-                        </a:lnSpc>
-                        <a:spcAft>
-                          <a:spcPts val="800"/>
-                        </a:spcAft>
-                      </a:pPr>
-                      <a:r>
-                        <a:rPr lang="en-US" sz="1400" kern="100" dirty="0">
-                          <a:effectLst/>
-                          <a:latin typeface="+mn-lt"/>
-                        </a:rPr>
-                        <a:t>3</a:t>
-                      </a:r>
-                      <a:endParaRPr lang="en-US" sz="1400" kern="100" dirty="0">
-                        <a:effectLst/>
-                        <a:latin typeface="+mn-lt"/>
+                        <a:latin typeface="Calibri" panose="020F0502020204030204" pitchFamily="34" charset="0"/>
                         <a:ea typeface="Calibri" panose="020F0502020204030204" pitchFamily="34" charset="0"/>
                         <a:cs typeface="Arial" panose="020B0604020202020204" pitchFamily="34" charset="0"/>
                       </a:endParaRPr>
@@ -33159,15 +34199,14 @@
                         </a:spcAft>
                       </a:pPr>
                       <a:r>
-                        <a:rPr lang="en-US" sz="1400" kern="100">
+                        <a:rPr lang="en-US" sz="1600" kern="0" dirty="0">
                           <a:effectLst/>
-                          <a:latin typeface="+mn-lt"/>
                         </a:rPr>
-                        <a:t>xg_boost</a:t>
+                        <a:t>95%</a:t>
                       </a:r>
-                      <a:endParaRPr lang="en-US" sz="1400" kern="100">
+                      <a:endParaRPr lang="en-US" sz="1600" kern="100" dirty="0">
                         <a:effectLst/>
-                        <a:latin typeface="+mn-lt"/>
+                        <a:latin typeface="Calibri" panose="020F0502020204030204" pitchFamily="34" charset="0"/>
                         <a:ea typeface="Calibri" panose="020F0502020204030204" pitchFamily="34" charset="0"/>
                         <a:cs typeface="Arial" panose="020B0604020202020204" pitchFamily="34" charset="0"/>
                       </a:endParaRPr>
@@ -33189,15 +34228,91 @@
                         </a:spcAft>
                       </a:pPr>
                       <a:r>
-                        <a:rPr lang="en-US" sz="1400" kern="100">
+                        <a:rPr lang="en-US" sz="1600" kern="0" dirty="0">
                           <a:effectLst/>
-                          <a:latin typeface="+mn-lt"/>
                         </a:rPr>
-                        <a:t>0.884476</a:t>
+                        <a:t>C= 100, gamma= 1, kernel= ‘</a:t>
                       </a:r>
-                      <a:endParaRPr lang="en-US" sz="1400" kern="100">
+                      <a:r>
+                        <a:rPr lang="en-US" sz="1600" kern="0" dirty="0" err="1">
+                          <a:effectLst/>
+                        </a:rPr>
+                        <a:t>rbf</a:t>
+                      </a:r>
+                      <a:r>
+                        <a:rPr lang="en-US" sz="1600" kern="0" dirty="0">
+                          <a:effectLst/>
+                        </a:rPr>
+                        <a:t>'</a:t>
+                      </a:r>
+                      <a:endParaRPr lang="en-US" sz="1600" kern="100" dirty="0">
                         <a:effectLst/>
-                        <a:latin typeface="+mn-lt"/>
+                        <a:latin typeface="Calibri" panose="020F0502020204030204" pitchFamily="34" charset="0"/>
+                        <a:ea typeface="Calibri" panose="020F0502020204030204" pitchFamily="34" charset="0"/>
+                        <a:cs typeface="Arial" panose="020B0604020202020204" pitchFamily="34" charset="0"/>
+                      </a:endParaRPr>
+                    </a:p>
+                  </a:txBody>
+                  <a:tcPr marL="68580" marR="68580" marT="0" marB="0"/>
+                </a:tc>
+                <a:extLst>
+                  <a:ext uri="{0D108BD9-81ED-4DB2-BD59-A6C34878D82A}">
+                    <a16:rowId xmlns:a16="http://schemas.microsoft.com/office/drawing/2014/main" val="1566493222"/>
+                  </a:ext>
+                </a:extLst>
+              </a:tr>
+              <a:tr h="640336">
+                <a:tc>
+                  <a:txBody>
+                    <a:bodyPr/>
+                    <a:lstStyle/>
+                    <a:p>
+                      <a:pPr algn="ctr">
+                        <a:lnSpc>
+                          <a:spcPct val="107000"/>
+                        </a:lnSpc>
+                        <a:spcAft>
+                          <a:spcPts val="800"/>
+                        </a:spcAft>
+                      </a:pPr>
+                      <a:r>
+                        <a:rPr lang="en-US" sz="1600" kern="0">
+                          <a:effectLst/>
+                        </a:rPr>
+                        <a:t>4</a:t>
+                      </a:r>
+                      <a:endParaRPr lang="en-US" sz="1600" kern="100">
+                        <a:effectLst/>
+                        <a:latin typeface="Calibri" panose="020F0502020204030204" pitchFamily="34" charset="0"/>
+                        <a:ea typeface="Calibri" panose="020F0502020204030204" pitchFamily="34" charset="0"/>
+                        <a:cs typeface="Arial" panose="020B0604020202020204" pitchFamily="34" charset="0"/>
+                      </a:endParaRPr>
+                    </a:p>
+                  </a:txBody>
+                  <a:tcPr marL="68580" marR="68580" marT="0" marB="0"/>
+                </a:tc>
+                <a:tc>
+                  <a:txBody>
+                    <a:bodyPr/>
+                    <a:lstStyle/>
+                    <a:p>
+                      <a:pPr algn="l">
+                        <a:lnSpc>
+                          <a:spcPct val="107000"/>
+                        </a:lnSpc>
+                        <a:spcAft>
+                          <a:spcPts val="800"/>
+                        </a:spcAft>
+                      </a:pPr>
+                      <a:r>
+                        <a:rPr lang="en-US" sz="1600" kern="0" dirty="0" err="1">
+                          <a:effectLst/>
+                        </a:rPr>
+                        <a:t>XG_Boost</a:t>
+                      </a:r>
+                      <a:endParaRPr lang="en-US" sz="1600" kern="100" dirty="0">
+                        <a:effectLst/>
+                        <a:latin typeface="Calibri" panose="020F0502020204030204" pitchFamily="34" charset="0"/>
                         <a:ea typeface="Calibri" panose="020F0502020204030204" pitchFamily="34" charset="0"/>
                         <a:cs typeface="Arial" panose="020B0604020202020204" pitchFamily="34" charset="0"/>
                       </a:endParaRPr>
@@ -33219,80 +34334,17 @@
                         </a:spcAft>
                       </a:pPr>
                       <a:r>
-                        <a:rPr lang="en-US" sz="1400" kern="100" dirty="0">
+                        <a:rPr lang="fr-FR" sz="1600" kern="100" dirty="0">
                           <a:effectLst/>
-                          <a:latin typeface="+mn-lt"/>
+                          <a:latin typeface="Calibri" panose="020F0502020204030204" pitchFamily="34" charset="0"/>
+                          <a:ea typeface="Calibri" panose="020F0502020204030204" pitchFamily="34" charset="0"/>
+                          <a:cs typeface="Arial" panose="020B0604020202020204" pitchFamily="34" charset="0"/>
                         </a:rPr>
-                        <a:t>'</a:t>
+                        <a:t>98.3%</a:t>
                       </a:r>
-                      <a:r>
-                        <a:rPr lang="en-US" sz="1400" kern="100" dirty="0" err="1">
-                          <a:effectLst/>
-                          <a:latin typeface="+mn-lt"/>
-                        </a:rPr>
-                        <a:t>max_depth</a:t>
-                      </a:r>
-                      <a:r>
-                        <a:rPr lang="en-US" sz="1400" kern="100" dirty="0">
-                          <a:effectLst/>
-                          <a:latin typeface="+mn-lt"/>
-                        </a:rPr>
-                        <a:t>': 6, '</a:t>
-                      </a:r>
-                      <a:r>
-                        <a:rPr lang="en-US" sz="1400" kern="100" dirty="0" err="1">
-                          <a:effectLst/>
-                          <a:latin typeface="+mn-lt"/>
-                        </a:rPr>
-                        <a:t>max_leaf_nodes</a:t>
-                      </a:r>
-                      <a:r>
-                        <a:rPr lang="en-US" sz="1400" kern="100" dirty="0">
-                          <a:effectLst/>
-                          <a:latin typeface="+mn-lt"/>
-                        </a:rPr>
-                        <a:t>': 3</a:t>
-                      </a:r>
-                      <a:endParaRPr lang="en-US" sz="1400" kern="100" dirty="0">
+                      <a:endParaRPr lang="en-US" sz="1600" kern="100" dirty="0">
                         <a:effectLst/>
-                        <a:latin typeface="+mn-lt"/>
-                        <a:ea typeface="Calibri" panose="020F0502020204030204" pitchFamily="34" charset="0"/>
-                        <a:cs typeface="Arial" panose="020B0604020202020204" pitchFamily="34" charset="0"/>
-                      </a:endParaRPr>
-                    </a:p>
-                  </a:txBody>
-                  <a:tcPr marL="68580" marR="68580" marT="0" marB="0"/>
-                </a:tc>
-                <a:extLst>
-                  <a:ext uri="{0D108BD9-81ED-4DB2-BD59-A6C34878D82A}">
-                    <a16:rowId xmlns:a16="http://schemas.microsoft.com/office/drawing/2014/main" val="2266383433"/>
-                  </a:ext>
-                </a:extLst>
-              </a:tr>
-              <a:tr h="899114">
-                <a:tc>
-                  <a:txBody>
-                    <a:bodyPr/>
-                    <a:lstStyle/>
-                    <a:p>
-                      <a:pPr algn="ctr">
-                        <a:lnSpc>
-                          <a:spcPct val="107000"/>
-                        </a:lnSpc>
-                        <a:spcAft>
-                          <a:spcPts val="800"/>
-                        </a:spcAft>
-                      </a:pPr>
-                      <a:r>
-                        <a:rPr lang="en-US" sz="1400" kern="100" dirty="0">
-                          <a:effectLst/>
-                          <a:latin typeface="+mn-lt"/>
-                        </a:rPr>
-                        <a:t>4</a:t>
-                      </a:r>
-                      <a:endParaRPr lang="en-US" sz="1400" kern="100" dirty="0">
-                        <a:effectLst/>
-                        <a:latin typeface="+mn-lt"/>
+                        <a:latin typeface="Calibri" panose="020F0502020204030204" pitchFamily="34" charset="0"/>
                         <a:ea typeface="Calibri" panose="020F0502020204030204" pitchFamily="34" charset="0"/>
                         <a:cs typeface="Arial" panose="020B0604020202020204" pitchFamily="34" charset="0"/>
                       </a:endParaRPr>
@@ -33314,15 +34366,14 @@
                         </a:spcAft>
                       </a:pPr>
                       <a:r>
-                        <a:rPr lang="en-US" sz="1400" kern="100" dirty="0" err="1">
+                        <a:rPr lang="en-US" sz="1600" kern="0" dirty="0">
                           <a:effectLst/>
-                          <a:latin typeface="+mn-lt"/>
                         </a:rPr>
-                        <a:t>logistic_regression</a:t>
+                        <a:t>  92.77%</a:t>
                       </a:r>
-                      <a:endParaRPr lang="en-US" sz="1400" kern="100" dirty="0">
+                      <a:endParaRPr lang="en-US" sz="1600" kern="100" dirty="0">
                         <a:effectLst/>
-                        <a:latin typeface="+mn-lt"/>
+                        <a:latin typeface="Calibri" panose="020F0502020204030204" pitchFamily="34" charset="0"/>
                         <a:ea typeface="Calibri" panose="020F0502020204030204" pitchFamily="34" charset="0"/>
                         <a:cs typeface="Arial" panose="020B0604020202020204" pitchFamily="34" charset="0"/>
                       </a:endParaRPr>
@@ -33344,15 +34395,97 @@
                         </a:spcAft>
                       </a:pPr>
                       <a:r>
-                        <a:rPr lang="en-US" sz="1400" kern="100" dirty="0">
+                        <a:rPr lang="en-US" sz="1600" kern="0" dirty="0" err="1">
                           <a:effectLst/>
-                          <a:latin typeface="+mn-lt"/>
                         </a:rPr>
-                        <a:t>0.833266</a:t>
+                        <a:t>max_depth</a:t>
                       </a:r>
-                      <a:endParaRPr lang="en-US" sz="1400" kern="100" dirty="0">
+                      <a:r>
+                        <a:rPr lang="en-US" sz="1600" kern="0" dirty="0">
+                          <a:effectLst/>
+                        </a:rPr>
+                        <a:t>=6, </a:t>
+                      </a:r>
+                      <a:r>
+                        <a:rPr lang="en-US" sz="1600" kern="0" dirty="0" err="1">
+                          <a:effectLst/>
+                        </a:rPr>
+                        <a:t>max_leaf_nodes</a:t>
+                      </a:r>
+                      <a:r>
+                        <a:rPr lang="en-US" sz="1600" kern="0" dirty="0">
+                          <a:effectLst/>
+                        </a:rPr>
+                        <a:t>=3</a:t>
+                      </a:r>
+                      <a:endParaRPr lang="en-US" sz="1600" kern="100" dirty="0">
                         <a:effectLst/>
-                        <a:latin typeface="+mn-lt"/>
+                        <a:latin typeface="Calibri" panose="020F0502020204030204" pitchFamily="34" charset="0"/>
+                        <a:ea typeface="Calibri" panose="020F0502020204030204" pitchFamily="34" charset="0"/>
+                        <a:cs typeface="Arial" panose="020B0604020202020204" pitchFamily="34" charset="0"/>
+                      </a:endParaRPr>
+                    </a:p>
+                  </a:txBody>
+                  <a:tcPr marL="68580" marR="68580" marT="0" marB="0"/>
+                </a:tc>
+                <a:extLst>
+                  <a:ext uri="{0D108BD9-81ED-4DB2-BD59-A6C34878D82A}">
+                    <a16:rowId xmlns:a16="http://schemas.microsoft.com/office/drawing/2014/main" val="2115956281"/>
+                  </a:ext>
+                </a:extLst>
+              </a:tr>
+              <a:tr h="762706">
+                <a:tc>
+                  <a:txBody>
+                    <a:bodyPr/>
+                    <a:lstStyle/>
+                    <a:p>
+                      <a:pPr algn="ctr">
+                        <a:lnSpc>
+                          <a:spcPct val="107000"/>
+                        </a:lnSpc>
+                        <a:spcAft>
+                          <a:spcPts val="800"/>
+                        </a:spcAft>
+                      </a:pPr>
+                      <a:r>
+                        <a:rPr lang="en-US" sz="1600" kern="0">
+                          <a:effectLst/>
+                        </a:rPr>
+                        <a:t>5</a:t>
+                      </a:r>
+                      <a:endParaRPr lang="en-US" sz="1600" kern="100">
+                        <a:effectLst/>
+                        <a:latin typeface="Calibri" panose="020F0502020204030204" pitchFamily="34" charset="0"/>
+                        <a:ea typeface="Calibri" panose="020F0502020204030204" pitchFamily="34" charset="0"/>
+                        <a:cs typeface="Arial" panose="020B0604020202020204" pitchFamily="34" charset="0"/>
+                      </a:endParaRPr>
+                    </a:p>
+                  </a:txBody>
+                  <a:tcPr marL="68580" marR="68580" marT="0" marB="0"/>
+                </a:tc>
+                <a:tc>
+                  <a:txBody>
+                    <a:bodyPr/>
+                    <a:lstStyle/>
+                    <a:p>
+                      <a:pPr algn="l">
+                        <a:lnSpc>
+                          <a:spcPct val="107000"/>
+                        </a:lnSpc>
+                        <a:spcAft>
+                          <a:spcPts val="800"/>
+                        </a:spcAft>
+                      </a:pPr>
+                      <a:r>
+                        <a:rPr lang="en-US" sz="1600" kern="0" dirty="0">
+                          <a:effectLst/>
+                        </a:rPr>
+                        <a:t>KNN</a:t>
+                      </a:r>
+                      <a:endParaRPr lang="en-US" sz="1600" kern="100" dirty="0">
+                        <a:effectLst/>
+                        <a:latin typeface="Calibri" panose="020F0502020204030204" pitchFamily="34" charset="0"/>
                         <a:ea typeface="Calibri" panose="020F0502020204030204" pitchFamily="34" charset="0"/>
                         <a:cs typeface="Arial" panose="020B0604020202020204" pitchFamily="34" charset="0"/>
                       </a:endParaRPr>
@@ -33374,29 +34507,99 @@
                         </a:spcAft>
                       </a:pPr>
                       <a:r>
-                        <a:rPr lang="en-US" sz="1400" kern="100" dirty="0">
+                        <a:rPr lang="fr-FR" sz="1600" kern="100" dirty="0">
                           <a:effectLst/>
-                          <a:latin typeface="+mn-lt"/>
+                          <a:latin typeface="Calibri" panose="020F0502020204030204" pitchFamily="34" charset="0"/>
+                          <a:ea typeface="Calibri" panose="020F0502020204030204" pitchFamily="34" charset="0"/>
+                          <a:cs typeface="Arial" panose="020B0604020202020204" pitchFamily="34" charset="0"/>
                         </a:rPr>
-                        <a:t>'C': 0.012742749857031334, '</a:t>
+                        <a:t>96.6%</a:t>
+                      </a:r>
+                      <a:endParaRPr lang="en-US" sz="1600" kern="100" dirty="0">
+                        <a:effectLst/>
+                        <a:latin typeface="Calibri" panose="020F0502020204030204" pitchFamily="34" charset="0"/>
+                        <a:ea typeface="Calibri" panose="020F0502020204030204" pitchFamily="34" charset="0"/>
+                        <a:cs typeface="Arial" panose="020B0604020202020204" pitchFamily="34" charset="0"/>
+                      </a:endParaRPr>
+                    </a:p>
+                  </a:txBody>
+                  <a:tcPr marL="68580" marR="68580" marT="0" marB="0"/>
+                </a:tc>
+                <a:tc>
+                  <a:txBody>
+                    <a:bodyPr/>
+                    <a:lstStyle/>
+                    <a:p>
+                      <a:pPr algn="l">
+                        <a:lnSpc>
+                          <a:spcPct val="107000"/>
+                        </a:lnSpc>
+                        <a:spcAft>
+                          <a:spcPts val="800"/>
+                        </a:spcAft>
+                      </a:pPr>
+                      <a:r>
+                        <a:rPr lang="en-US" sz="1600" kern="0" dirty="0">
+                          <a:effectLst/>
+                        </a:rPr>
+                        <a:t>                    91.48%</a:t>
+                      </a:r>
+                      <a:endParaRPr lang="en-US" sz="1600" kern="100" dirty="0">
+                        <a:effectLst/>
+                        <a:latin typeface="Calibri" panose="020F0502020204030204" pitchFamily="34" charset="0"/>
+                        <a:ea typeface="Calibri" panose="020F0502020204030204" pitchFamily="34" charset="0"/>
+                        <a:cs typeface="Arial" panose="020B0604020202020204" pitchFamily="34" charset="0"/>
+                      </a:endParaRPr>
+                    </a:p>
+                  </a:txBody>
+                  <a:tcPr marL="68580" marR="68580" marT="0" marB="0"/>
+                </a:tc>
+                <a:tc>
+                  <a:txBody>
+                    <a:bodyPr/>
+                    <a:lstStyle/>
+                    <a:p>
+                      <a:pPr algn="ctr">
+                        <a:lnSpc>
+                          <a:spcPct val="107000"/>
+                        </a:lnSpc>
+                        <a:spcAft>
+                          <a:spcPts val="800"/>
+                        </a:spcAft>
+                      </a:pPr>
+                      <a:r>
+                        <a:rPr lang="en-US" sz="1600" kern="0" dirty="0">
+                          <a:effectLst/>
+                        </a:rPr>
+                        <a:t>  metric= '</a:t>
                       </a:r>
                       <a:r>
-                        <a:rPr lang="en-US" sz="1400" kern="100" dirty="0" err="1">
+                        <a:rPr lang="en-US" sz="1600" kern="0" dirty="0" err="1">
                           <a:effectLst/>
-                          <a:latin typeface="+mn-lt"/>
                         </a:rPr>
-                        <a:t>max_iter</a:t>
+                        <a:t>manhattan</a:t>
                       </a:r>
                       <a:r>
-                        <a:rPr lang="en-US" sz="1400" kern="100" dirty="0">
+                        <a:rPr lang="en-US" sz="1600" kern="0" dirty="0">
                           <a:effectLst/>
-                          <a:latin typeface="+mn-lt"/>
                         </a:rPr>
-                        <a:t>': 100</a:t>
+                        <a:t>', '</a:t>
                       </a:r>
-                      <a:endParaRPr lang="en-US" sz="1400" kern="100" dirty="0">
+                      <a:r>
+                        <a:rPr lang="en-US" sz="1600" kern="0" dirty="0" err="1">
+                          <a:effectLst/>
+                        </a:rPr>
+                        <a:t>n_neighbors</a:t>
+                      </a:r>
+                      <a:r>
+                        <a:rPr lang="en-US" sz="1600" kern="0" dirty="0">
+                          <a:effectLst/>
+                        </a:rPr>
+                        <a:t>’=7</a:t>
+                      </a:r>
+                      <a:endParaRPr lang="en-US" sz="1600" kern="100" dirty="0">
                         <a:effectLst/>
-                        <a:latin typeface="+mn-lt"/>
+                        <a:latin typeface="Calibri" panose="020F0502020204030204" pitchFamily="34" charset="0"/>
                         <a:ea typeface="Calibri" panose="020F0502020204030204" pitchFamily="34" charset="0"/>
                         <a:cs typeface="Arial" panose="020B0604020202020204" pitchFamily="34" charset="0"/>
                       </a:endParaRPr>
@@ -33406,7 +34609,7 @@
                 </a:tc>
                 <a:extLst>
                   <a:ext uri="{0D108BD9-81ED-4DB2-BD59-A6C34878D82A}">
-                    <a16:rowId xmlns:a16="http://schemas.microsoft.com/office/drawing/2014/main" val="2559559264"/>
+                    <a16:rowId xmlns:a16="http://schemas.microsoft.com/office/drawing/2014/main" val="387506641"/>
                   </a:ext>
                 </a:extLst>
               </a:tr>
@@ -33462,37 +34665,21 @@
         </p:nvSpPr>
         <p:spPr>
           <a:xfrm>
-            <a:off x="838637" y="907864"/>
-            <a:ext cx="10112695" cy="921254"/>
+            <a:off x="527981" y="720357"/>
+            <a:ext cx="10391812" cy="732607"/>
           </a:xfrm>
         </p:spPr>
         <p:txBody>
           <a:bodyPr>
-            <a:normAutofit fontScale="90000"/>
+            <a:normAutofit/>
           </a:bodyPr>
           <a:lstStyle/>
           <a:p>
             <a:r>
-              <a:rPr lang="en-US" b="1"/>
-              <a:t>Model Evaluation</a:t>
-            </a:r>
-            <a:r>
-              <a:rPr lang="tr-TR" b="1"/>
-              <a:t> </a:t>
-            </a:r>
-            <a:r>
-              <a:rPr lang="tr-TR" b="1" err="1"/>
-              <a:t>and</a:t>
-            </a:r>
-            <a:r>
-              <a:rPr lang="tr-TR" b="1"/>
-              <a:t> </a:t>
-            </a:r>
-            <a:r>
-              <a:rPr lang="en-US" b="1"/>
-              <a:t>Hyperparameter Tuning</a:t>
-            </a:r>
-            <a:endParaRPr lang="tr-TR"/>
+              <a:rPr lang="en-US" b="1" dirty="0"/>
+              <a:t>Models comparison</a:t>
+            </a:r>
+            <a:endParaRPr lang="tr-TR" dirty="0"/>
           </a:p>
         </p:txBody>
       </p:sp>
@@ -33514,8 +34701,8 @@
         </p:nvSpPr>
         <p:spPr>
           <a:xfrm>
-            <a:off x="647114" y="2007219"/>
-            <a:ext cx="10495742" cy="4850781"/>
+            <a:off x="88776" y="841269"/>
+            <a:ext cx="12103224" cy="6016732"/>
           </a:xfrm>
         </p:spPr>
         <p:txBody>
@@ -33599,15 +34786,15 @@
       </p:sp>
       <p:pic>
         <p:nvPicPr>
-          <p:cNvPr id="6" name="Picture 5">
+          <p:cNvPr id="1026" name="Picture 2">
             <a:extLst>
               <a:ext uri="{FF2B5EF4-FFF2-40B4-BE49-F238E27FC236}">
-                <a16:creationId xmlns:a16="http://schemas.microsoft.com/office/drawing/2014/main" id="{FE7CCF98-BCE0-D93E-415C-E378F327A379}"/>
+                <a16:creationId xmlns:a16="http://schemas.microsoft.com/office/drawing/2014/main" id="{88B63A22-6B2C-0F72-EF5B-D8A285481D10}"/>
               </a:ext>
             </a:extLst>
           </p:cNvPr>
           <p:cNvPicPr>
-            <a:picLocks noChangeAspect="1"/>
+            <a:picLocks noChangeAspect="1" noChangeArrowheads="1"/>
           </p:cNvPicPr>
           <p:nvPr/>
         </p:nvPicPr>
@@ -33626,29 +34813,35 @@
         </p:blipFill>
         <p:spPr bwMode="auto">
           <a:xfrm>
-            <a:off x="559520" y="1729523"/>
-            <a:ext cx="4595445" cy="2552518"/>
+            <a:off x="3597262" y="4161183"/>
+            <a:ext cx="4698599" cy="2652052"/>
           </a:xfrm>
           <a:prstGeom prst="rect">
             <a:avLst/>
           </a:prstGeom>
           <a:noFill/>
-          <a:ln>
-            <a:noFill/>
-          </a:ln>
+          <a:extLst>
+            <a:ext uri="{909E8E84-426E-40DD-AFC4-6F175D3DCCD1}">
+              <a14:hiddenFill xmlns:a14="http://schemas.microsoft.com/office/drawing/2010/main">
+                <a:solidFill>
+                  <a:srgbClr val="FFFFFF"/>
+                </a:solidFill>
+              </a14:hiddenFill>
+            </a:ext>
+          </a:extLst>
         </p:spPr>
       </p:pic>
       <p:pic>
         <p:nvPicPr>
-          <p:cNvPr id="7" name="Picture 6">
+          <p:cNvPr id="1028" name="Picture 4">
             <a:extLst>
               <a:ext uri="{FF2B5EF4-FFF2-40B4-BE49-F238E27FC236}">
-                <a16:creationId xmlns:a16="http://schemas.microsoft.com/office/drawing/2014/main" id="{4255D4C0-546A-8754-EC79-2E5855A50AE6}"/>
+                <a16:creationId xmlns:a16="http://schemas.microsoft.com/office/drawing/2014/main" id="{6A4BC84A-D25D-CC0D-5D1A-7F4915553950}"/>
               </a:ext>
             </a:extLst>
           </p:cNvPr>
           <p:cNvPicPr>
-            <a:picLocks noChangeAspect="1"/>
+            <a:picLocks noChangeAspect="1" noChangeArrowheads="1"/>
           </p:cNvPicPr>
           <p:nvPr/>
         </p:nvPicPr>
@@ -33667,29 +34860,35 @@
         </p:blipFill>
         <p:spPr bwMode="auto">
           <a:xfrm>
-            <a:off x="6698000" y="1640471"/>
-            <a:ext cx="4755769" cy="2641570"/>
+            <a:off x="6945139" y="1332052"/>
+            <a:ext cx="4931916" cy="2756244"/>
           </a:xfrm>
           <a:prstGeom prst="rect">
             <a:avLst/>
           </a:prstGeom>
           <a:noFill/>
-          <a:ln>
-            <a:noFill/>
-          </a:ln>
+          <a:extLst>
+            <a:ext uri="{909E8E84-426E-40DD-AFC4-6F175D3DCCD1}">
+              <a14:hiddenFill xmlns:a14="http://schemas.microsoft.com/office/drawing/2010/main">
+                <a:solidFill>
+                  <a:srgbClr val="FFFFFF"/>
+                </a:solidFill>
+              </a14:hiddenFill>
+            </a:ext>
+          </a:extLst>
         </p:spPr>
       </p:pic>
       <p:pic>
         <p:nvPicPr>
-          <p:cNvPr id="8" name="Picture 7">
+          <p:cNvPr id="1030" name="Picture 6">
             <a:extLst>
               <a:ext uri="{FF2B5EF4-FFF2-40B4-BE49-F238E27FC236}">
-                <a16:creationId xmlns:a16="http://schemas.microsoft.com/office/drawing/2014/main" id="{7A999051-8951-0B5F-C7D1-12242F68A55F}"/>
+                <a16:creationId xmlns:a16="http://schemas.microsoft.com/office/drawing/2014/main" id="{342A2A03-6CE3-4BF9-B9E6-A44CB58ADE7D}"/>
               </a:ext>
             </a:extLst>
           </p:cNvPr>
           <p:cNvPicPr>
-            <a:picLocks noChangeAspect="1"/>
+            <a:picLocks noChangeAspect="1" noChangeArrowheads="1"/>
           </p:cNvPicPr>
           <p:nvPr/>
         </p:nvPicPr>
@@ -33708,16 +34907,22 @@
         </p:blipFill>
         <p:spPr bwMode="auto">
           <a:xfrm>
-            <a:off x="4179863" y="4371091"/>
-            <a:ext cx="4471767" cy="2386474"/>
+            <a:off x="527981" y="1340197"/>
+            <a:ext cx="4931916" cy="2739954"/>
           </a:xfrm>
           <a:prstGeom prst="rect">
             <a:avLst/>
           </a:prstGeom>
           <a:noFill/>
-          <a:ln>
-            <a:noFill/>
-          </a:ln>
+          <a:extLst>
+            <a:ext uri="{909E8E84-426E-40DD-AFC4-6F175D3DCCD1}">
+              <a14:hiddenFill xmlns:a14="http://schemas.microsoft.com/office/drawing/2010/main">
+                <a:solidFill>
+                  <a:srgbClr val="FFFFFF"/>
+                </a:solidFill>
+              </a14:hiddenFill>
+            </a:ext>
+          </a:extLst>
         </p:spPr>
       </p:pic>
     </p:spTree>
@@ -33766,32 +34971,37 @@
             <p:ph type="title"/>
           </p:nvPr>
         </p:nvSpPr>
-        <p:spPr/>
+        <p:spPr>
+          <a:xfrm>
+            <a:off x="594143" y="1064779"/>
+            <a:ext cx="10558206" cy="921254"/>
+          </a:xfrm>
+        </p:spPr>
         <p:txBody>
           <a:bodyPr/>
           <a:lstStyle/>
           <a:p>
             <a:r>
-              <a:rPr lang="en-US" b="1"/>
+              <a:rPr lang="en-US" b="1" dirty="0"/>
               <a:t>Model Refinement</a:t>
             </a:r>
             <a:r>
-              <a:rPr lang="tr-TR" b="1"/>
+              <a:rPr lang="tr-TR" b="1" dirty="0"/>
               <a:t> </a:t>
             </a:r>
             <a:r>
-              <a:rPr lang="tr-TR" b="1" err="1"/>
+              <a:rPr lang="tr-TR" b="1" dirty="0" err="1"/>
               <a:t>and</a:t>
             </a:r>
             <a:r>
-              <a:rPr lang="tr-TR" b="1"/>
+              <a:rPr lang="tr-TR" b="1" dirty="0"/>
               <a:t> </a:t>
             </a:r>
             <a:r>
-              <a:rPr lang="tr-TR" b="1" err="1"/>
+              <a:rPr lang="tr-TR" b="1" dirty="0" err="1"/>
               <a:t>Testing</a:t>
             </a:r>
-            <a:endParaRPr lang="tr-TR"/>
+            <a:endParaRPr lang="tr-TR" dirty="0"/>
           </a:p>
         </p:txBody>
       </p:sp>
@@ -33837,7 +35047,7 @@
             </a:r>
             <a:r>
               <a:rPr lang="en-US" sz="1800" dirty="0"/>
-              <a:t> feature normalization techniques are used,</a:t>
+              <a:t> feature normalization techniques are used, Oversampling and SMOTE balancing techniques,</a:t>
             </a:r>
             <a:r>
               <a:rPr lang="en-US" sz="1800" kern="0" dirty="0">
@@ -33845,48 +35055,8 @@
                 <a:latin typeface="Times New Roman" panose="02020603050405020304" pitchFamily="18" charset="0"/>
                 <a:ea typeface="Times New Roman" panose="02020603050405020304" pitchFamily="18" charset="0"/>
               </a:rPr>
-              <a:t> Recursive Feature Elimination with Cross-Validation (RFECV) feature selection technique for LR on heart data and For diabetes dataset, we used </a:t>
-            </a:r>
-            <a:r>
-              <a:rPr lang="en-US" sz="1800" kern="0" dirty="0" err="1">
-                <a:effectLst/>
-                <a:latin typeface="Times New Roman" panose="02020603050405020304" pitchFamily="18" charset="0"/>
-                <a:ea typeface="Times New Roman" panose="02020603050405020304" pitchFamily="18" charset="0"/>
-              </a:rPr>
-              <a:t>feature_importances</a:t>
-            </a:r>
-            <a:r>
-              <a:rPr lang="en-US" sz="1800" kern="0" dirty="0">
-                <a:effectLst/>
-                <a:latin typeface="Times New Roman" panose="02020603050405020304" pitchFamily="18" charset="0"/>
-                <a:ea typeface="Times New Roman" panose="02020603050405020304" pitchFamily="18" charset="0"/>
-              </a:rPr>
-              <a:t>_ of </a:t>
-            </a:r>
-            <a:r>
-              <a:rPr lang="en-US" sz="1800" kern="0" dirty="0" err="1">
-                <a:effectLst/>
-                <a:latin typeface="Times New Roman" panose="02020603050405020304" pitchFamily="18" charset="0"/>
-                <a:ea typeface="Times New Roman" panose="02020603050405020304" pitchFamily="18" charset="0"/>
-              </a:rPr>
-              <a:t>XGBoost</a:t>
-            </a:r>
-            <a:r>
-              <a:rPr lang="en-US" sz="1800" kern="0" dirty="0">
-                <a:effectLst/>
-                <a:latin typeface="Times New Roman" panose="02020603050405020304" pitchFamily="18" charset="0"/>
-                <a:ea typeface="Times New Roman" panose="02020603050405020304" pitchFamily="18" charset="0"/>
-              </a:rPr>
-              <a:t> </a:t>
-            </a:r>
-            <a:r>
-              <a:rPr lang="en-US" sz="1800" kern="0" dirty="0">
-                <a:latin typeface="Times New Roman" panose="02020603050405020304" pitchFamily="18" charset="0"/>
-                <a:ea typeface="Times New Roman" panose="02020603050405020304" pitchFamily="18" charset="0"/>
-              </a:rPr>
-              <a:t>.</a:t>
-            </a:r>
-            <a:endParaRPr lang="en-US" sz="1800" dirty="0"/>
+              <a:t> Gradient Boosting for Diabetes dataset,</a:t>
+            </a:r>
           </a:p>
           <a:p>
             <a:pPr>
@@ -33972,35 +35142,6 @@
           </a:p>
         </p:txBody>
       </p:sp>
-      <p:pic>
-        <p:nvPicPr>
-          <p:cNvPr id="4" name="Picture 3">
-            <a:extLst>
-              <a:ext uri="{FF2B5EF4-FFF2-40B4-BE49-F238E27FC236}">
-                <a16:creationId xmlns:a16="http://schemas.microsoft.com/office/drawing/2014/main" id="{449B7ECF-CF3F-94A2-5529-EE5168B4955E}"/>
-              </a:ext>
-            </a:extLst>
-          </p:cNvPr>
-          <p:cNvPicPr>
-            <a:picLocks noChangeAspect="1"/>
-          </p:cNvPicPr>
-          <p:nvPr/>
-        </p:nvPicPr>
-        <p:blipFill rotWithShape="1">
-          <a:blip r:embed="rId2"/>
-          <a:srcRect r="11964"/>
-          <a:stretch/>
-        </p:blipFill>
-        <p:spPr>
-          <a:xfrm>
-            <a:off x="491442" y="3179298"/>
-            <a:ext cx="3798254" cy="3346404"/>
-          </a:xfrm>
-          <a:prstGeom prst="rect">
-            <a:avLst/>
-          </a:prstGeom>
-        </p:spPr>
-      </p:pic>
       <p:sp>
         <p:nvSpPr>
           <p:cNvPr id="7" name="TextBox 6">
@@ -34046,40 +35187,11 @@
                 <a:ea typeface="Calibri" panose="020F0502020204030204" pitchFamily="34" charset="0"/>
                 <a:cs typeface="Arial" panose="020B0604020202020204" pitchFamily="34" charset="0"/>
               </a:rPr>
-              <a:t>1-confusion_matrix with Logistic Regression for heart dataset</a:t>
+              <a:t>1-confusion_matrix with SVM for heart dataset</a:t>
             </a:r>
           </a:p>
         </p:txBody>
       </p:sp>
-      <p:pic>
-        <p:nvPicPr>
-          <p:cNvPr id="8" name="Picture 7">
-            <a:extLst>
-              <a:ext uri="{FF2B5EF4-FFF2-40B4-BE49-F238E27FC236}">
-                <a16:creationId xmlns:a16="http://schemas.microsoft.com/office/drawing/2014/main" id="{5A5FE562-7344-DD21-F61D-2A7F4D3BA47F}"/>
-              </a:ext>
-            </a:extLst>
-          </p:cNvPr>
-          <p:cNvPicPr>
-            <a:picLocks noChangeAspect="1"/>
-          </p:cNvPicPr>
-          <p:nvPr/>
-        </p:nvPicPr>
-        <p:blipFill rotWithShape="1">
-          <a:blip r:embed="rId3"/>
-          <a:srcRect r="12787"/>
-          <a:stretch/>
-        </p:blipFill>
-        <p:spPr>
-          <a:xfrm>
-            <a:off x="4581842" y="3179298"/>
-            <a:ext cx="3506108" cy="3346404"/>
-          </a:xfrm>
-          <a:prstGeom prst="rect">
-            <a:avLst/>
-          </a:prstGeom>
-        </p:spPr>
-      </p:pic>
       <p:sp>
         <p:nvSpPr>
           <p:cNvPr id="10" name="TextBox 9">
@@ -34094,7 +35206,7 @@
         </p:nvSpPr>
         <p:spPr>
           <a:xfrm>
-            <a:off x="4289696" y="6503232"/>
+            <a:off x="4234482" y="6542367"/>
             <a:ext cx="4860026" cy="845809"/>
           </a:xfrm>
           <a:prstGeom prst="rect">
@@ -34114,7 +35226,7 @@
               </a:spcAft>
             </a:pPr>
             <a:r>
-              <a:rPr lang="en-US" sz="1100" i="1" kern="100" dirty="0">
+              <a:rPr lang="en-US" sz="1200" i="1" kern="100" dirty="0">
                 <a:solidFill>
                   <a:schemeClr val="accent1">
                     <a:lumMod val="75000"/>
@@ -34127,7 +35239,7 @@
               <a:t>2</a:t>
             </a:r>
             <a:r>
-              <a:rPr lang="en-US" sz="1100" i="1" kern="100" dirty="0">
+              <a:rPr lang="en-US" sz="1200" i="1" kern="100" dirty="0">
                 <a:solidFill>
                   <a:schemeClr val="accent1">
                     <a:lumMod val="75000"/>
@@ -34138,7 +35250,7 @@
                 <a:ea typeface="Calibri" panose="020F0502020204030204" pitchFamily="34" charset="0"/>
                 <a:cs typeface="Arial" panose="020B0604020202020204" pitchFamily="34" charset="0"/>
               </a:rPr>
-              <a:t>-confusion matrix with  for diabetes dataset</a:t>
+              <a:t>-confusion matrix with GB  for diabetes dataset</a:t>
             </a:r>
           </a:p>
           <a:p>
@@ -34162,35 +35274,6 @@
           </a:p>
         </p:txBody>
       </p:sp>
-      <p:pic>
-        <p:nvPicPr>
-          <p:cNvPr id="11" name="Picture 10">
-            <a:extLst>
-              <a:ext uri="{FF2B5EF4-FFF2-40B4-BE49-F238E27FC236}">
-                <a16:creationId xmlns:a16="http://schemas.microsoft.com/office/drawing/2014/main" id="{F12C0913-3E4C-97D6-0C9C-2401CBD0848D}"/>
-              </a:ext>
-            </a:extLst>
-          </p:cNvPr>
-          <p:cNvPicPr>
-            <a:picLocks noChangeAspect="1"/>
-          </p:cNvPicPr>
-          <p:nvPr/>
-        </p:nvPicPr>
-        <p:blipFill rotWithShape="1">
-          <a:blip r:embed="rId4"/>
-          <a:srcRect r="10892"/>
-          <a:stretch/>
-        </p:blipFill>
-        <p:spPr>
-          <a:xfrm>
-            <a:off x="8380096" y="3179298"/>
-            <a:ext cx="3587382" cy="3253926"/>
-          </a:xfrm>
-          <a:prstGeom prst="rect">
-            <a:avLst/>
-          </a:prstGeom>
-        </p:spPr>
-      </p:pic>
       <p:sp>
         <p:nvSpPr>
           <p:cNvPr id="13" name="TextBox 12">
@@ -34206,7 +35289,7 @@
         <p:spPr>
           <a:xfrm>
             <a:off x="8380095" y="6471910"/>
-            <a:ext cx="4326547" cy="845809"/>
+            <a:ext cx="3811905" cy="1030475"/>
           </a:xfrm>
           <a:prstGeom prst="rect">
             <a:avLst/>
@@ -34236,7 +35319,34 @@
                 <a:ea typeface="Calibri" panose="020F0502020204030204" pitchFamily="34" charset="0"/>
                 <a:cs typeface="Arial" panose="020B0604020202020204" pitchFamily="34" charset="0"/>
               </a:rPr>
-              <a:t>confusion matrix with KNN for Parkinson dataset</a:t>
+              <a:t>3- confusion matrix with </a:t>
+            </a:r>
+            <a:r>
+              <a:rPr lang="en-US" sz="1200" i="1" kern="100" dirty="0" err="1">
+                <a:solidFill>
+                  <a:schemeClr val="accent1">
+                    <a:lumMod val="75000"/>
+                  </a:schemeClr>
+                </a:solidFill>
+                <a:latin typeface="Calibri" panose="020F0502020204030204" pitchFamily="34" charset="0"/>
+                <a:ea typeface="Calibri" panose="020F0502020204030204" pitchFamily="34" charset="0"/>
+                <a:cs typeface="Arial" panose="020B0604020202020204" pitchFamily="34" charset="0"/>
+              </a:rPr>
+              <a:t>RandomForest</a:t>
+            </a:r>
+            <a:r>
+              <a:rPr lang="en-US" sz="1200" i="1" kern="100" dirty="0">
+                <a:solidFill>
+                  <a:schemeClr val="accent1">
+                    <a:lumMod val="75000"/>
+                  </a:schemeClr>
+                </a:solidFill>
+                <a:effectLst/>
+                <a:latin typeface="Calibri" panose="020F0502020204030204" pitchFamily="34" charset="0"/>
+                <a:ea typeface="Calibri" panose="020F0502020204030204" pitchFamily="34" charset="0"/>
+                <a:cs typeface="Arial" panose="020B0604020202020204" pitchFamily="34" charset="0"/>
+              </a:rPr>
+              <a:t> for Parkinson dataset</a:t>
             </a:r>
           </a:p>
           <a:p>
@@ -34260,6 +35370,121 @@
           </a:p>
         </p:txBody>
       </p:sp>
+      <p:pic>
+        <p:nvPicPr>
+          <p:cNvPr id="9" name="Picture 8">
+            <a:extLst>
+              <a:ext uri="{FF2B5EF4-FFF2-40B4-BE49-F238E27FC236}">
+                <a16:creationId xmlns:a16="http://schemas.microsoft.com/office/drawing/2014/main" id="{698604BC-01E9-A981-4CFF-4339C4FB9070}"/>
+              </a:ext>
+            </a:extLst>
+          </p:cNvPr>
+          <p:cNvPicPr>
+            <a:picLocks noChangeAspect="1"/>
+          </p:cNvPicPr>
+          <p:nvPr/>
+        </p:nvPicPr>
+        <p:blipFill rotWithShape="1">
+          <a:blip r:embed="rId2">
+            <a:extLst>
+              <a:ext uri="{28A0092B-C50C-407E-A947-70E740481C1C}">
+                <a14:useLocalDpi xmlns:a14="http://schemas.microsoft.com/office/drawing/2010/main" val="0"/>
+              </a:ext>
+            </a:extLst>
+          </a:blip>
+          <a:srcRect r="14856"/>
+          <a:stretch/>
+        </p:blipFill>
+        <p:spPr>
+          <a:xfrm>
+            <a:off x="476451" y="3179299"/>
+            <a:ext cx="3640339" cy="3402298"/>
+          </a:xfrm>
+          <a:prstGeom prst="rect">
+            <a:avLst/>
+          </a:prstGeom>
+        </p:spPr>
+      </p:pic>
+      <p:pic>
+        <p:nvPicPr>
+          <p:cNvPr id="16" name="Picture 15">
+            <a:extLst>
+              <a:ext uri="{FF2B5EF4-FFF2-40B4-BE49-F238E27FC236}">
+                <a16:creationId xmlns:a16="http://schemas.microsoft.com/office/drawing/2014/main" id="{C91A1D5F-101E-32EE-0F1D-B5D96577E724}"/>
+              </a:ext>
+            </a:extLst>
+          </p:cNvPr>
+          <p:cNvPicPr>
+            <a:picLocks noChangeAspect="1"/>
+          </p:cNvPicPr>
+          <p:nvPr/>
+        </p:nvPicPr>
+        <p:blipFill rotWithShape="1">
+          <a:blip r:embed="rId3">
+            <a:extLst>
+              <a:ext uri="{28A0092B-C50C-407E-A947-70E740481C1C}">
+                <a14:useLocalDpi xmlns:a14="http://schemas.microsoft.com/office/drawing/2010/main" val="0"/>
+              </a:ext>
+            </a:extLst>
+          </a:blip>
+          <a:srcRect r="12716"/>
+          <a:stretch/>
+        </p:blipFill>
+        <p:spPr>
+          <a:xfrm>
+            <a:off x="8390957" y="3179298"/>
+            <a:ext cx="3619534" cy="3392118"/>
+          </a:xfrm>
+          <a:prstGeom prst="rect">
+            <a:avLst/>
+          </a:prstGeom>
+        </p:spPr>
+      </p:pic>
+      <p:pic>
+        <p:nvPicPr>
+          <p:cNvPr id="2050" name="Picture 2">
+            <a:extLst>
+              <a:ext uri="{FF2B5EF4-FFF2-40B4-BE49-F238E27FC236}">
+                <a16:creationId xmlns:a16="http://schemas.microsoft.com/office/drawing/2014/main" id="{1AF63751-265F-C1CB-EC4B-A6EC12B69358}"/>
+              </a:ext>
+            </a:extLst>
+          </p:cNvPr>
+          <p:cNvPicPr>
+            <a:picLocks noChangeAspect="1" noChangeArrowheads="1"/>
+          </p:cNvPicPr>
+          <p:nvPr/>
+        </p:nvPicPr>
+        <p:blipFill rotWithShape="1">
+          <a:blip r:embed="rId4">
+            <a:extLst>
+              <a:ext uri="{28A0092B-C50C-407E-A947-70E740481C1C}">
+                <a14:useLocalDpi xmlns:a14="http://schemas.microsoft.com/office/drawing/2010/main" val="0"/>
+              </a:ext>
+            </a:extLst>
+          </a:blip>
+          <a:srcRect r="11743"/>
+          <a:stretch/>
+        </p:blipFill>
+        <p:spPr bwMode="auto">
+          <a:xfrm>
+            <a:off x="4515234" y="3216648"/>
+            <a:ext cx="3619534" cy="3354768"/>
+          </a:xfrm>
+          <a:prstGeom prst="rect">
+            <a:avLst/>
+          </a:prstGeom>
+          <a:noFill/>
+          <a:extLst>
+            <a:ext uri="{909E8E84-426E-40DD-AFC4-6F175D3DCCD1}">
+              <a14:hiddenFill xmlns:a14="http://schemas.microsoft.com/office/drawing/2010/main">
+                <a:solidFill>
+                  <a:srgbClr val="FFFFFF"/>
+                </a:solidFill>
+              </a14:hiddenFill>
+            </a:ext>
+          </a:extLst>
+        </p:spPr>
+      </p:pic>
     </p:spTree>
     <p:extLst>
       <p:ext uri="{BB962C8B-B14F-4D97-AF65-F5344CB8AC3E}">
@@ -34412,7 +35637,14 @@
           <a:prstGeom prst="rect">
             <a:avLst/>
           </a:prstGeom>
-          <a:noFill/>
+          <a:ln>
+            <a:solidFill>
+              <a:srgbClr val="FFC000"/>
+            </a:solidFill>
+          </a:ln>
+          <a:effectLst>
+            <a:softEdge rad="112500"/>
+          </a:effectLst>
           <a:extLst>
             <a:ext uri="{909E8E84-426E-40DD-AFC4-6F175D3DCCD1}">
               <a14:hiddenFill xmlns:a14="http://schemas.microsoft.com/office/drawing/2010/main">
@@ -34559,14 +35791,14 @@
             <p:ph idx="1"/>
             <p:extLst>
               <p:ext uri="{D42A27DB-BD31-4B8C-83A1-F6EECF244321}">
-                <p14:modId xmlns:p14="http://schemas.microsoft.com/office/powerpoint/2010/main" val="3929947514"/>
+                <p14:modId xmlns:p14="http://schemas.microsoft.com/office/powerpoint/2010/main" val="822538854"/>
               </p:ext>
             </p:extLst>
           </p:nvPr>
         </p:nvGraphicFramePr>
         <p:xfrm>
-          <a:off x="1039653" y="2468165"/>
-          <a:ext cx="10093324" cy="3325056"/>
+          <a:off x="1020282" y="2468164"/>
+          <a:ext cx="10112695" cy="3508565"/>
         </p:xfrm>
         <a:graphic>
           <a:graphicData uri="http://schemas.openxmlformats.org/drawingml/2006/table">
@@ -34575,28 +35807,28 @@
                 <a:tableStyleId>{ED083AE6-46FA-4A59-8FB0-9F97EB10719F}</a:tableStyleId>
               </a:tblPr>
               <a:tblGrid>
-                <a:gridCol w="2439450">
+                <a:gridCol w="2444132">
                   <a:extLst>
                     <a:ext uri="{9D8B030D-6E8A-4147-A177-3AD203B41FA5}">
                       <a16:colId xmlns:a16="http://schemas.microsoft.com/office/drawing/2014/main" val="2293652642"/>
                     </a:ext>
                   </a:extLst>
                 </a:gridCol>
-                <a:gridCol w="3390314">
+                <a:gridCol w="3396821">
                   <a:extLst>
                     <a:ext uri="{9D8B030D-6E8A-4147-A177-3AD203B41FA5}">
                       <a16:colId xmlns:a16="http://schemas.microsoft.com/office/drawing/2014/main" val="1065052782"/>
                     </a:ext>
                   </a:extLst>
                 </a:gridCol>
-                <a:gridCol w="2131780">
+                <a:gridCol w="2135871">
                   <a:extLst>
                     <a:ext uri="{9D8B030D-6E8A-4147-A177-3AD203B41FA5}">
                       <a16:colId xmlns:a16="http://schemas.microsoft.com/office/drawing/2014/main" val="2675078881"/>
                     </a:ext>
                   </a:extLst>
                 </a:gridCol>
-                <a:gridCol w="2131780">
+                <a:gridCol w="2135871">
                   <a:extLst>
                     <a:ext uri="{9D8B030D-6E8A-4147-A177-3AD203B41FA5}">
                       <a16:colId xmlns:a16="http://schemas.microsoft.com/office/drawing/2014/main" val="1134552956"/>
@@ -34604,7 +35836,7 @@
                   </a:extLst>
                 </a:gridCol>
               </a:tblGrid>
-              <a:tr h="415632">
+              <a:tr h="438571">
                 <a:tc rowSpan="2">
                   <a:txBody>
                     <a:bodyPr/>
@@ -34674,7 +35906,7 @@
                   </a:ext>
                 </a:extLst>
               </a:tr>
-              <a:tr h="415632">
+              <a:tr h="438571">
                 <a:tc vMerge="1">
                   <a:txBody>
                     <a:bodyPr/>
@@ -34731,12 +35963,13 @@
                   </a:ext>
                 </a:extLst>
               </a:tr>
-              <a:tr h="831264">
+              <a:tr h="877141">
                 <a:tc>
                   <a:txBody>
                     <a:bodyPr/>
                     <a:lstStyle/>
                     <a:p>
+                      <a:pPr algn="ctr"/>
                       <a:r>
                         <a:rPr lang="fr-FR" dirty="0" err="1"/>
                         <a:t>Heart</a:t>
@@ -34763,17 +35996,10 @@
                     <a:bodyPr/>
                     <a:lstStyle/>
                     <a:p>
-                      <a:r>
-                        <a:rPr lang="fr-FR" dirty="0" err="1"/>
-                        <a:t>Logistic</a:t>
-                      </a:r>
+                      <a:pPr algn="ctr"/>
                       <a:r>
                         <a:rPr lang="fr-FR" dirty="0"/>
-                        <a:t> </a:t>
-                      </a:r>
-                      <a:r>
-                        <a:rPr lang="fr-FR" dirty="0" err="1"/>
-                        <a:t>Regression</a:t>
+                        <a:t>SVM</a:t>
                       </a:r>
                       <a:endParaRPr lang="en-US" dirty="0"/>
                     </a:p>
@@ -34785,9 +36011,10 @@
                     <a:bodyPr/>
                     <a:lstStyle/>
                     <a:p>
+                      <a:pPr algn="ctr"/>
                       <a:r>
                         <a:rPr lang="fr-FR" dirty="0"/>
-                        <a:t>86%</a:t>
+                        <a:t>100%</a:t>
                       </a:r>
                       <a:endParaRPr lang="en-US" dirty="0"/>
                     </a:p>
@@ -34799,9 +36026,10 @@
                     <a:bodyPr/>
                     <a:lstStyle/>
                     <a:p>
+                      <a:pPr algn="ctr"/>
                       <a:r>
                         <a:rPr lang="fr-FR" dirty="0"/>
-                        <a:t>89%</a:t>
+                        <a:t>100%</a:t>
                       </a:r>
                       <a:endParaRPr lang="en-US" dirty="0"/>
                     </a:p>
@@ -34814,12 +36042,13 @@
                   </a:ext>
                 </a:extLst>
               </a:tr>
-              <a:tr h="831264">
+              <a:tr h="877141">
                 <a:tc>
                   <a:txBody>
                     <a:bodyPr/>
                     <a:lstStyle/>
                     <a:p>
+                      <a:pPr algn="ctr"/>
                       <a:r>
                         <a:rPr lang="fr-FR" dirty="0" err="1"/>
                         <a:t>Diabetes</a:t>
@@ -34834,9 +36063,14 @@
                     <a:bodyPr/>
                     <a:lstStyle/>
                     <a:p>
+                      <a:pPr algn="ctr"/>
+                      <a:r>
+                        <a:rPr lang="fr-FR" dirty="0"/>
+                        <a:t>Gradient </a:t>
+                      </a:r>
                       <a:r>
                         <a:rPr lang="fr-FR" dirty="0" err="1"/>
-                        <a:t>XGBoost</a:t>
+                        <a:t>Boosting</a:t>
                       </a:r>
                       <a:endParaRPr lang="en-US" dirty="0"/>
                     </a:p>
@@ -34848,9 +36082,10 @@
                     <a:bodyPr/>
                     <a:lstStyle/>
                     <a:p>
+                      <a:pPr algn="ctr"/>
                       <a:r>
                         <a:rPr lang="fr-FR" dirty="0"/>
-                        <a:t>97%</a:t>
+                        <a:t>97.87%</a:t>
                       </a:r>
                       <a:endParaRPr lang="en-US" dirty="0"/>
                     </a:p>
@@ -34862,9 +36097,10 @@
                     <a:bodyPr/>
                     <a:lstStyle/>
                     <a:p>
+                      <a:pPr algn="ctr"/>
                       <a:r>
                         <a:rPr lang="fr-FR" dirty="0"/>
-                        <a:t>79%</a:t>
+                        <a:t>90.25%</a:t>
                       </a:r>
                       <a:endParaRPr lang="en-US" dirty="0"/>
                     </a:p>
@@ -34877,12 +36113,13 @@
                   </a:ext>
                 </a:extLst>
               </a:tr>
-              <a:tr h="831264">
+              <a:tr h="877141">
                 <a:tc>
                   <a:txBody>
                     <a:bodyPr/>
                     <a:lstStyle/>
                     <a:p>
+                      <a:pPr algn="ctr"/>
                       <a:r>
                         <a:rPr lang="fr-FR" dirty="0"/>
                         <a:t>Parkinson </a:t>
@@ -34897,9 +36134,10 @@
                     <a:bodyPr/>
                     <a:lstStyle/>
                     <a:p>
+                      <a:pPr algn="ctr"/>
                       <a:r>
-                        <a:rPr lang="fr-FR" dirty="0"/>
-                        <a:t>KNN</a:t>
+                        <a:rPr lang="fr-FR" dirty="0" err="1"/>
+                        <a:t>RandomForest</a:t>
                       </a:r>
                       <a:endParaRPr lang="en-US" dirty="0"/>
                     </a:p>
@@ -34911,9 +36149,10 @@
                     <a:bodyPr/>
                     <a:lstStyle/>
                     <a:p>
+                      <a:pPr algn="ctr"/>
                       <a:r>
                         <a:rPr lang="fr-FR" dirty="0"/>
-                        <a:t>95%</a:t>
+                        <a:t>100%</a:t>
                       </a:r>
                       <a:endParaRPr lang="en-US" dirty="0"/>
                     </a:p>
@@ -34925,9 +36164,10 @@
                     <a:bodyPr/>
                     <a:lstStyle/>
                     <a:p>
+                      <a:pPr algn="ctr"/>
                       <a:r>
                         <a:rPr lang="fr-FR" dirty="0"/>
-                        <a:t>95%</a:t>
+                        <a:t>100%</a:t>
                       </a:r>
                       <a:endParaRPr lang="en-US" dirty="0"/>
                     </a:p>
@@ -35058,19 +36298,17 @@
       </p:sp>
       <p:pic>
         <p:nvPicPr>
-          <p:cNvPr id="4" name="Content Placeholder 3">
+          <p:cNvPr id="8" name="Picture 7">
             <a:extLst>
               <a:ext uri="{FF2B5EF4-FFF2-40B4-BE49-F238E27FC236}">
-                <a16:creationId xmlns:a16="http://schemas.microsoft.com/office/drawing/2014/main" id="{CF9C01F6-9646-2471-656F-A0780F613A90}"/>
+                <a16:creationId xmlns:a16="http://schemas.microsoft.com/office/drawing/2014/main" id="{849B5CDD-E7BF-1FD7-AC8C-47CB762C71DB}"/>
               </a:ext>
             </a:extLst>
           </p:cNvPr>
           <p:cNvPicPr>
-            <a:picLocks noGrp="1" noChangeAspect="1"/>
+            <a:picLocks noChangeAspect="1"/>
           </p:cNvPicPr>
-          <p:nvPr>
-            <p:ph idx="1"/>
-          </p:nvPr>
+          <p:nvPr/>
         </p:nvPicPr>
         <p:blipFill>
           <a:blip r:embed="rId2"/>
@@ -35080,8 +36318,8 @@
         </p:blipFill>
         <p:spPr>
           <a:xfrm>
-            <a:off x="6555544" y="1978468"/>
-            <a:ext cx="5421717" cy="2201832"/>
+            <a:off x="510882" y="1816241"/>
+            <a:ext cx="5164937" cy="2358626"/>
           </a:xfrm>
           <a:prstGeom prst="rect">
             <a:avLst/>
@@ -35090,10 +36328,10 @@
       </p:pic>
       <p:pic>
         <p:nvPicPr>
-          <p:cNvPr id="6" name="Picture 5">
+          <p:cNvPr id="12" name="Picture 11">
             <a:extLst>
               <a:ext uri="{FF2B5EF4-FFF2-40B4-BE49-F238E27FC236}">
-                <a16:creationId xmlns:a16="http://schemas.microsoft.com/office/drawing/2014/main" id="{CEA1AEEA-AEF4-5D89-5F59-3DEBAB666A3C}"/>
+                <a16:creationId xmlns:a16="http://schemas.microsoft.com/office/drawing/2014/main" id="{AA1963C0-0104-0E90-B3D8-0F297122DFA3}"/>
               </a:ext>
             </a:extLst>
           </p:cNvPr>
@@ -35110,8 +36348,8 @@
         </p:blipFill>
         <p:spPr>
           <a:xfrm>
-            <a:off x="3166663" y="4504488"/>
-            <a:ext cx="5572365" cy="2175960"/>
+            <a:off x="6086158" y="1816240"/>
+            <a:ext cx="5164938" cy="2358627"/>
           </a:xfrm>
           <a:prstGeom prst="rect">
             <a:avLst/>
@@ -35120,10 +36358,10 @@
       </p:pic>
       <p:pic>
         <p:nvPicPr>
-          <p:cNvPr id="7" name="Picture 6">
+          <p:cNvPr id="14" name="Picture 13">
             <a:extLst>
               <a:ext uri="{FF2B5EF4-FFF2-40B4-BE49-F238E27FC236}">
-                <a16:creationId xmlns:a16="http://schemas.microsoft.com/office/drawing/2014/main" id="{8A2E7C6C-C042-870B-3942-74432B8E251A}"/>
+                <a16:creationId xmlns:a16="http://schemas.microsoft.com/office/drawing/2014/main" id="{9D77B391-85DC-C5DA-9CC9-3FB1166FF4FB}"/>
               </a:ext>
             </a:extLst>
           </p:cNvPr>
@@ -35140,8 +36378,8 @@
         </p:blipFill>
         <p:spPr>
           <a:xfrm>
-            <a:off x="422781" y="2004340"/>
-            <a:ext cx="5530064" cy="2175960"/>
+            <a:off x="3111560" y="4356512"/>
+            <a:ext cx="5376268" cy="2323935"/>
           </a:xfrm>
           <a:prstGeom prst="rect">
             <a:avLst/>
@@ -35196,7 +36434,7 @@
         </p:nvSpPr>
         <p:spPr>
           <a:xfrm>
-            <a:off x="1030161" y="938170"/>
+            <a:off x="1030161" y="858657"/>
             <a:ext cx="10112695" cy="921254"/>
           </a:xfrm>
         </p:spPr>
@@ -35570,7 +36808,7 @@
         </p:nvSpPr>
         <p:spPr>
           <a:xfrm>
-            <a:off x="520506" y="939472"/>
+            <a:off x="533758" y="686744"/>
             <a:ext cx="10112695" cy="921254"/>
           </a:xfrm>
         </p:spPr>
@@ -35641,15 +36879,15 @@
       </p:sp>
       <p:pic>
         <p:nvPicPr>
-          <p:cNvPr id="15" name="Picture 14">
+          <p:cNvPr id="3074" name="Picture 2">
             <a:extLst>
               <a:ext uri="{FF2B5EF4-FFF2-40B4-BE49-F238E27FC236}">
-                <a16:creationId xmlns:a16="http://schemas.microsoft.com/office/drawing/2014/main" id="{B78972D2-A790-FE79-D8A0-0C7DC90C992A}"/>
+                <a16:creationId xmlns:a16="http://schemas.microsoft.com/office/drawing/2014/main" id="{C8D693C7-0C18-D891-2A71-C6AAD8B0AA3C}"/>
               </a:ext>
             </a:extLst>
           </p:cNvPr>
           <p:cNvPicPr>
-            <a:picLocks noChangeAspect="1"/>
+            <a:picLocks noChangeAspect="1" noChangeArrowheads="1"/>
           </p:cNvPicPr>
           <p:nvPr/>
         </p:nvPicPr>
@@ -35668,29 +36906,35 @@
         </p:blipFill>
         <p:spPr bwMode="auto">
           <a:xfrm>
-            <a:off x="520506" y="1869688"/>
-            <a:ext cx="3499544" cy="2810582"/>
+            <a:off x="131270" y="1569543"/>
+            <a:ext cx="3956208" cy="3174735"/>
           </a:xfrm>
           <a:prstGeom prst="rect">
             <a:avLst/>
           </a:prstGeom>
           <a:noFill/>
-          <a:ln>
-            <a:noFill/>
-          </a:ln>
+          <a:extLst>
+            <a:ext uri="{909E8E84-426E-40DD-AFC4-6F175D3DCCD1}">
+              <a14:hiddenFill xmlns:a14="http://schemas.microsoft.com/office/drawing/2010/main">
+                <a:solidFill>
+                  <a:srgbClr val="FFFFFF"/>
+                </a:solidFill>
+              </a14:hiddenFill>
+            </a:ext>
+          </a:extLst>
         </p:spPr>
       </p:pic>
       <p:pic>
         <p:nvPicPr>
-          <p:cNvPr id="18" name="Picture 17">
+          <p:cNvPr id="3076" name="Picture 4">
             <a:extLst>
               <a:ext uri="{FF2B5EF4-FFF2-40B4-BE49-F238E27FC236}">
-                <a16:creationId xmlns:a16="http://schemas.microsoft.com/office/drawing/2014/main" id="{B6FE889A-F80D-2450-8479-03334E7E2F53}"/>
+                <a16:creationId xmlns:a16="http://schemas.microsoft.com/office/drawing/2014/main" id="{A1C3D8A5-D0B7-89CB-CD66-BBA53697232A}"/>
               </a:ext>
             </a:extLst>
           </p:cNvPr>
           <p:cNvPicPr>
-            <a:picLocks noChangeAspect="1"/>
+            <a:picLocks noChangeAspect="1" noChangeArrowheads="1"/>
           </p:cNvPicPr>
           <p:nvPr/>
         </p:nvPicPr>
@@ -35709,29 +36953,35 @@
         </p:blipFill>
         <p:spPr bwMode="auto">
           <a:xfrm>
-            <a:off x="8270961" y="1860726"/>
-            <a:ext cx="3651885" cy="2933700"/>
+            <a:off x="4193510" y="3605801"/>
+            <a:ext cx="3831483" cy="3074646"/>
           </a:xfrm>
           <a:prstGeom prst="rect">
             <a:avLst/>
           </a:prstGeom>
           <a:noFill/>
-          <a:ln>
-            <a:noFill/>
-          </a:ln>
+          <a:extLst>
+            <a:ext uri="{909E8E84-426E-40DD-AFC4-6F175D3DCCD1}">
+              <a14:hiddenFill xmlns:a14="http://schemas.microsoft.com/office/drawing/2010/main">
+                <a:solidFill>
+                  <a:srgbClr val="FFFFFF"/>
+                </a:solidFill>
+              </a14:hiddenFill>
+            </a:ext>
+          </a:extLst>
         </p:spPr>
       </p:pic>
       <p:pic>
         <p:nvPicPr>
-          <p:cNvPr id="19" name="Picture 18">
+          <p:cNvPr id="3078" name="Picture 6">
             <a:extLst>
               <a:ext uri="{FF2B5EF4-FFF2-40B4-BE49-F238E27FC236}">
-                <a16:creationId xmlns:a16="http://schemas.microsoft.com/office/drawing/2014/main" id="{F8D57BCA-9396-BDDA-20E7-93252802FF07}"/>
+                <a16:creationId xmlns:a16="http://schemas.microsoft.com/office/drawing/2014/main" id="{E8C516CE-F983-0DB0-F6B5-8E99FB4DDD34}"/>
               </a:ext>
             </a:extLst>
           </p:cNvPr>
           <p:cNvPicPr>
-            <a:picLocks noChangeAspect="1"/>
+            <a:picLocks noChangeAspect="1" noChangeArrowheads="1"/>
           </p:cNvPicPr>
           <p:nvPr/>
         </p:nvPicPr>
@@ -35750,16 +37000,22 @@
         </p:blipFill>
         <p:spPr bwMode="auto">
           <a:xfrm>
-            <a:off x="4279889" y="3682698"/>
-            <a:ext cx="3731233" cy="2997749"/>
+            <a:off x="8068533" y="1194877"/>
+            <a:ext cx="3831483" cy="3074646"/>
           </a:xfrm>
           <a:prstGeom prst="rect">
             <a:avLst/>
           </a:prstGeom>
           <a:noFill/>
-          <a:ln>
-            <a:noFill/>
-          </a:ln>
+          <a:extLst>
+            <a:ext uri="{909E8E84-426E-40DD-AFC4-6F175D3DCCD1}">
+              <a14:hiddenFill xmlns:a14="http://schemas.microsoft.com/office/drawing/2010/main">
+                <a:solidFill>
+                  <a:srgbClr val="FFFFFF"/>
+                </a:solidFill>
+              </a14:hiddenFill>
+            </a:ext>
+          </a:extLst>
         </p:spPr>
       </p:pic>
     </p:spTree>
@@ -35844,8 +37100,8 @@
         </p:nvSpPr>
         <p:spPr>
           <a:xfrm>
-            <a:off x="478301" y="1828800"/>
-            <a:ext cx="11563643" cy="5029199"/>
+            <a:off x="478301" y="1630018"/>
+            <a:ext cx="11563643" cy="5227982"/>
           </a:xfrm>
         </p:spPr>
         <p:txBody>
@@ -35868,14 +37124,32 @@
             </a:r>
             <a:r>
               <a:rPr lang="en-US" sz="1800" dirty="0"/>
-              <a:t> cloud: </a:t>
-            </a:r>
-            <a:r>
-              <a:rPr lang="en-US" sz="1800" dirty="0">
+              <a:t> cloud</a:t>
+            </a:r>
+            <a:r>
+              <a:rPr lang="en-US" sz="1800"/>
+              <a:t>: </a:t>
+            </a:r>
+            <a:r>
+              <a:rPr lang="en-US" sz="1800">
                 <a:hlinkClick r:id="rId2"/>
               </a:rPr>
-              <a:t>https://capstonedatascienceprojectsdg-lt7uswtnqcyahlogqcejma.streamlit.app/</a:t>
-            </a:r>
+              <a:t>https://capstoneprojectchronicdisease-4t9vcgbfqw3botzprmyfbt.streamlit.app/</a:t>
+            </a:r>
+            <a:endParaRPr lang="en-US" sz="1800"/>
+          </a:p>
+          <a:p>
+            <a:pPr>
+              <a:buFont typeface="Arial" panose="020B0604020202020204" pitchFamily="34" charset="0"/>
+              <a:buChar char="•"/>
+            </a:pPr>
+            <a:endParaRPr lang="en-US" sz="1800" dirty="0"/>
+          </a:p>
+          <a:p>
+            <a:pPr>
+              <a:buFont typeface="Arial" panose="020B0604020202020204" pitchFamily="34" charset="0"/>
+              <a:buChar char="•"/>
+            </a:pPr>
             <a:endParaRPr lang="en-US" sz="1800" dirty="0"/>
           </a:p>
           <a:p>
@@ -35948,10 +37222,10 @@
       </p:sp>
       <p:pic>
         <p:nvPicPr>
-          <p:cNvPr id="6" name="Picture 5">
+          <p:cNvPr id="7" name="Picture 6">
             <a:extLst>
               <a:ext uri="{FF2B5EF4-FFF2-40B4-BE49-F238E27FC236}">
-                <a16:creationId xmlns:a16="http://schemas.microsoft.com/office/drawing/2014/main" id="{D4748D71-E57B-4DFF-687C-F931968C7213}"/>
+                <a16:creationId xmlns:a16="http://schemas.microsoft.com/office/drawing/2014/main" id="{C4DA5B10-FFE7-5B0C-18C8-8651429B4AC8}"/>
               </a:ext>
             </a:extLst>
           </p:cNvPr>
@@ -35960,16 +37234,15 @@
           </p:cNvPicPr>
           <p:nvPr/>
         </p:nvPicPr>
-        <p:blipFill>
+        <p:blipFill rotWithShape="1">
           <a:blip r:embed="rId3"/>
-          <a:stretch>
-            <a:fillRect/>
-          </a:stretch>
+          <a:srcRect r="8102"/>
+          <a:stretch/>
         </p:blipFill>
         <p:spPr>
           <a:xfrm>
-            <a:off x="1896540" y="2502988"/>
-            <a:ext cx="8014036" cy="4177459"/>
+            <a:off x="1792751" y="2458506"/>
+            <a:ext cx="8798245" cy="4170132"/>
           </a:xfrm>
           <a:prstGeom prst="rect">
             <a:avLst/>
@@ -36076,8 +37349,16 @@
               <a:buChar char="•"/>
             </a:pPr>
             <a:r>
-              <a:rPr lang="en-US" sz="2400" dirty="0"/>
-              <a:t>Improve the models for the good use of this app to predict chronic diseases</a:t>
+              <a:rPr lang="en-US" dirty="0"/>
+              <a:t>This application can be a more large application, we can build others models for more diseases like Malaria, Kidney, covid </a:t>
+            </a:r>
+            <a:r>
+              <a:rPr lang="en-US" dirty="0" err="1"/>
+              <a:t>etc</a:t>
+            </a:r>
+            <a:r>
+              <a:rPr lang="en-US" dirty="0"/>
+              <a:t>, </a:t>
             </a:r>
           </a:p>
           <a:p>
@@ -36086,16 +37367,16 @@
               <a:buChar char="•"/>
             </a:pPr>
             <a:r>
-              <a:rPr lang="en-US" sz="2400" dirty="0"/>
-              <a:t>This application can be a more large application, we can add build models for more diseases like Malaria, Kidney, covid </a:t>
-            </a:r>
-            <a:r>
-              <a:rPr lang="en-US" sz="2400" dirty="0" err="1"/>
-              <a:t>etc</a:t>
-            </a:r>
-            <a:r>
-              <a:rPr lang="en-US" sz="2400" dirty="0"/>
-              <a:t> </a:t>
+              <a:rPr lang="en-US" dirty="0"/>
+              <a:t>This means </a:t>
+            </a:r>
+            <a:r>
+              <a:rPr lang="en-US" dirty="0" err="1"/>
+              <a:t>developping</a:t>
+            </a:r>
+            <a:r>
+              <a:rPr lang="en-US" dirty="0"/>
+              <a:t> the same app on large datasets  to predict more diseases. </a:t>
             </a:r>
           </a:p>
           <a:p>
@@ -36104,27 +37385,21 @@
               <a:buChar char="•"/>
             </a:pPr>
             <a:r>
-              <a:rPr lang="en-US" sz="2400" dirty="0"/>
-              <a:t>This means </a:t>
-            </a:r>
-            <a:r>
-              <a:rPr lang="en-US" sz="2400" dirty="0" err="1"/>
-              <a:t>developping</a:t>
-            </a:r>
-            <a:r>
-              <a:rPr lang="en-US" sz="2400" dirty="0"/>
-              <a:t> the same app on large datasets  to predict more diseases </a:t>
-            </a:r>
-          </a:p>
-          <a:p>
-            <a:pPr>
-              <a:buFont typeface="Arial" panose="020B0604020202020204" pitchFamily="34" charset="0"/>
-              <a:buChar char="•"/>
+              <a:rPr lang="en-US" dirty="0"/>
+              <a:t>We can also add different types of diseases such as infectious diseases for prediction.</a:t>
+            </a:r>
+          </a:p>
+          <a:p>
+            <a:r>
+              <a:rPr lang="en-US" dirty="0"/>
+              <a:t>Improve diabetes model for the good use of this app to predict chronic diseases</a:t>
+            </a:r>
+          </a:p>
+          <a:p>
+            <a:pPr marL="0" indent="0">
+              <a:buNone/>
             </a:pPr>
-            <a:r>
-              <a:rPr lang="en-US" sz="2400" dirty="0"/>
-              <a:t>We can also add different types of diseases such as infectious diseases for prediction</a:t>
-            </a:r>
+            <a:endParaRPr lang="en-US" sz="2400" dirty="0"/>
           </a:p>
           <a:p>
             <a:endParaRPr lang="tr-TR" dirty="0"/>
@@ -37911,7 +39186,7 @@
             </a:pPr>
             <a:r>
               <a:rPr lang="en-US" sz="2000" dirty="0"/>
-              <a:t>  Diabetes: 768 rows × 9 columns               heart: 303 rows × 14 columns              Parkinson: 195 rows × 24 columns</a:t>
+              <a:t>  Diabetes: 768 rows × 9 columns               heart: 1025 rows × 14 columns          Parkinson: 195 rows × 24 columns</a:t>
             </a:r>
           </a:p>
           <a:p>
@@ -38088,10 +39363,10 @@
       </p:pic>
       <p:pic>
         <p:nvPicPr>
-          <p:cNvPr id="7" name="Picture 12">
+          <p:cNvPr id="1026" name="Picture 2">
             <a:extLst>
               <a:ext uri="{FF2B5EF4-FFF2-40B4-BE49-F238E27FC236}">
-                <a16:creationId xmlns:a16="http://schemas.microsoft.com/office/drawing/2014/main" id="{046B842C-AEFE-06BA-E884-FA2C8A49AA93}"/>
+                <a16:creationId xmlns:a16="http://schemas.microsoft.com/office/drawing/2014/main" id="{432C9DB9-DB74-417D-14D1-3025101A2486}"/>
               </a:ext>
             </a:extLst>
           </p:cNvPr>
@@ -38115,8 +39390,8 @@
         </p:blipFill>
         <p:spPr bwMode="auto">
           <a:xfrm>
-            <a:off x="4433602" y="3429000"/>
-            <a:ext cx="3747101" cy="3057884"/>
+            <a:off x="4448621" y="3427111"/>
+            <a:ext cx="3837477" cy="3057884"/>
           </a:xfrm>
           <a:prstGeom prst="rect">
             <a:avLst/>
@@ -38231,7 +39506,12 @@
             <p:ph idx="1"/>
           </p:nvPr>
         </p:nvSpPr>
-        <p:spPr/>
+        <p:spPr>
+          <a:xfrm>
+            <a:off x="244665" y="2152357"/>
+            <a:ext cx="11947336" cy="4514249"/>
+          </a:xfrm>
+        </p:spPr>
         <p:txBody>
           <a:bodyPr>
             <a:noAutofit/>
@@ -38244,7 +39524,7 @@
             </a:pPr>
             <a:r>
               <a:rPr lang="en-US" sz="2400" dirty="0"/>
-              <a:t>Handing Outliers</a:t>
+              <a:t>Handling Outliers</a:t>
             </a:r>
           </a:p>
           <a:p>
@@ -38254,7 +39534,7 @@
             </a:pPr>
             <a:r>
               <a:rPr lang="en-US" sz="2400" dirty="0"/>
-              <a:t>Rationale behind feature engineering decisions: Improve the accuracies of the models</a:t>
+              <a:t>Balance the data using oversampling and smote techniques</a:t>
             </a:r>
           </a:p>
           <a:p>
@@ -39980,6 +41260,26 @@
 </a:theme>
 </file>
 
+<file path=ppt/webextensions/taskpanes.xml><?xml version="1.0" encoding="utf-8"?>
+<wetp:taskpanes xmlns:wetp="http://schemas.microsoft.com/office/webextensions/taskpanes/2010/11">
+  <wetp:taskpane dockstate="right" visibility="0" width="350" row="7">
+    <wetp:webextensionref xmlns:r="http://schemas.openxmlformats.org/officeDocument/2006/relationships" r:id="rId1"/>
+  </wetp:taskpane>
+</wetp:taskpanes>
+</file>
+
+<file path=ppt/webextensions/webextension1.xml><?xml version="1.0" encoding="utf-8"?>
+<we:webextension xmlns:we="http://schemas.microsoft.com/office/webextensions/webextension/2010/11" id="{EB50B8A1-0E64-4CDA-A1C3-39324AA99F2A}">
+  <we:reference id="wa200003157" version="1.0.0.0" store="en-US" storeType="OMEX"/>
+  <we:alternateReferences>
+    <we:reference id="wa200003157" version="1.0.0.0" store="wa200003157" storeType="OMEX"/>
+  </we:alternateReferences>
+  <we:properties/>
+  <we:bindings/>
+  <we:snapshot xmlns:r="http://schemas.openxmlformats.org/officeDocument/2006/relationships"/>
+</we:webextension>
+</file>
+
 <file path=customXml/item1.xml><?xml version="1.0" encoding="utf-8"?>
 <?mso-contentType ?>
 <FormTemplates xmlns="http://schemas.microsoft.com/sharepoint/v3/contenttype/forms">
@@ -39990,24 +41290,6 @@
 </file>
 
 <file path=customXml/item2.xml><?xml version="1.0" encoding="utf-8"?>
-<p:properties xmlns:p="http://schemas.microsoft.com/office/2006/metadata/properties" xmlns:xsi="http://www.w3.org/2001/XMLSchema-instance" xmlns:pc="http://schemas.microsoft.com/office/infopath/2007/PartnerControls">
-  <documentManagement>
-    <TaxCatchAll xmlns="8024aa29-09e0-41bf-a8ba-de7a3ccff2d2" xsi:nil="true"/>
-    <lcf76f155ced4ddcb4097134ff3c332f xmlns="30072bdd-44e3-492a-9bf3-41313a20fa59">
-      <Terms xmlns="http://schemas.microsoft.com/office/infopath/2007/PartnerControls"/>
-    </lcf76f155ced4ddcb4097134ff3c332f>
-    <SharedWithUsers xmlns="8024aa29-09e0-41bf-a8ba-de7a3ccff2d2">
-      <UserInfo>
-        <DisplayName>Ipek beril Benli</DisplayName>
-        <AccountId>43</AccountId>
-        <AccountType/>
-      </UserInfo>
-    </SharedWithUsers>
-  </documentManagement>
-</p:properties>
-</file>
-
-<file path=customXml/item3.xml><?xml version="1.0" encoding="utf-8"?>
 <ct:contentTypeSchema xmlns:ct="http://schemas.microsoft.com/office/2006/metadata/contentType" xmlns:ma="http://schemas.microsoft.com/office/2006/metadata/properties/metaAttributes" ct:_="" ma:_="" ma:contentTypeName="Document" ma:contentTypeID="0x010100F4E2296B40A12549AAF59F14837A4C74" ma:contentTypeVersion="13" ma:contentTypeDescription="Create a new document." ma:contentTypeScope="" ma:versionID="8dcfb88d3270fafa381daa4411591c9c">
   <xsd:schema xmlns:xsd="http://www.w3.org/2001/XMLSchema" xmlns:xs="http://www.w3.org/2001/XMLSchema" xmlns:p="http://schemas.microsoft.com/office/2006/metadata/properties" xmlns:ns2="30072bdd-44e3-492a-9bf3-41313a20fa59" xmlns:ns3="8024aa29-09e0-41bf-a8ba-de7a3ccff2d2" targetNamespace="http://schemas.microsoft.com/office/2006/metadata/properties" ma:root="true" ma:fieldsID="f2130b10d26f37cd1d597ea78e321af3" ns2:_="" ns3:_="">
     <xsd:import namespace="30072bdd-44e3-492a-9bf3-41313a20fa59"/>
@@ -40230,6 +41512,24 @@
 </ct:contentTypeSchema>
 </file>
 
+<file path=customXml/item3.xml><?xml version="1.0" encoding="utf-8"?>
+<p:properties xmlns:p="http://schemas.microsoft.com/office/2006/metadata/properties" xmlns:xsi="http://www.w3.org/2001/XMLSchema-instance" xmlns:pc="http://schemas.microsoft.com/office/infopath/2007/PartnerControls">
+  <documentManagement>
+    <TaxCatchAll xmlns="8024aa29-09e0-41bf-a8ba-de7a3ccff2d2" xsi:nil="true"/>
+    <lcf76f155ced4ddcb4097134ff3c332f xmlns="30072bdd-44e3-492a-9bf3-41313a20fa59">
+      <Terms xmlns="http://schemas.microsoft.com/office/infopath/2007/PartnerControls"/>
+    </lcf76f155ced4ddcb4097134ff3c332f>
+    <SharedWithUsers xmlns="8024aa29-09e0-41bf-a8ba-de7a3ccff2d2">
+      <UserInfo>
+        <DisplayName>Ipek beril Benli</DisplayName>
+        <AccountId>43</AccountId>
+        <AccountType/>
+      </UserInfo>
+    </SharedWithUsers>
+  </documentManagement>
+</p:properties>
+</file>
+
 <file path=customXml/itemProps1.xml><?xml version="1.0" encoding="utf-8"?>
 <ds:datastoreItem xmlns:ds="http://schemas.openxmlformats.org/officeDocument/2006/customXml" ds:itemID="{1673DD53-6A06-4588-9E9A-777572FF2106}">
   <ds:schemaRefs>
@@ -40239,23 +41539,6 @@
 </file>
 
 <file path=customXml/itemProps2.xml><?xml version="1.0" encoding="utf-8"?>
-<ds:datastoreItem xmlns:ds="http://schemas.openxmlformats.org/officeDocument/2006/customXml" ds:itemID="{0DEDE2C8-FC7C-4381-A834-6FD8DD37E8B0}">
-  <ds:schemaRefs>
-    <ds:schemaRef ds:uri="8024aa29-09e0-41bf-a8ba-de7a3ccff2d2"/>
-    <ds:schemaRef ds:uri="http://schemas.microsoft.com/office/infopath/2007/PartnerControls"/>
-    <ds:schemaRef ds:uri="http://purl.org/dc/dcmitype/"/>
-    <ds:schemaRef ds:uri="http://schemas.microsoft.com/office/2006/metadata/properties"/>
-    <ds:schemaRef ds:uri="http://www.w3.org/XML/1998/namespace"/>
-    <ds:schemaRef ds:uri="http://schemas.microsoft.com/office/2006/documentManagement/types"/>
-    <ds:schemaRef ds:uri="http://schemas.openxmlformats.org/package/2006/metadata/core-properties"/>
-    <ds:schemaRef ds:uri="30072bdd-44e3-492a-9bf3-41313a20fa59"/>
-    <ds:schemaRef ds:uri="http://purl.org/dc/terms/"/>
-    <ds:schemaRef ds:uri="http://purl.org/dc/elements/1.1/"/>
-  </ds:schemaRefs>
-</ds:datastoreItem>
-</file>
-
-<file path=customXml/itemProps3.xml><?xml version="1.0" encoding="utf-8"?>
 <ds:datastoreItem xmlns:ds="http://schemas.openxmlformats.org/officeDocument/2006/customXml" ds:itemID="{E62FF70B-FFC7-48CB-B09C-960C61FEE494}">
   <ds:schemaRefs>
     <ds:schemaRef ds:uri="http://schemas.microsoft.com/office/2006/metadata/contentType"/>
@@ -40272,4 +41555,21 @@
     <ds:schemaRef ds:uri="http://schemas.microsoft.com/internal/obd"/>
   </ds:schemaRefs>
 </ds:datastoreItem>
+</file>
+
+<file path=customXml/itemProps3.xml><?xml version="1.0" encoding="utf-8"?>
+<ds:datastoreItem xmlns:ds="http://schemas.openxmlformats.org/officeDocument/2006/customXml" ds:itemID="{0DEDE2C8-FC7C-4381-A834-6FD8DD37E8B0}">
+  <ds:schemaRefs>
+    <ds:schemaRef ds:uri="8024aa29-09e0-41bf-a8ba-de7a3ccff2d2"/>
+    <ds:schemaRef ds:uri="http://schemas.microsoft.com/office/infopath/2007/PartnerControls"/>
+    <ds:schemaRef ds:uri="http://purl.org/dc/dcmitype/"/>
+    <ds:schemaRef ds:uri="http://schemas.microsoft.com/office/2006/metadata/properties"/>
+    <ds:schemaRef ds:uri="http://www.w3.org/XML/1998/namespace"/>
+    <ds:schemaRef ds:uri="http://schemas.microsoft.com/office/2006/documentManagement/types"/>
+    <ds:schemaRef ds:uri="http://schemas.openxmlformats.org/package/2006/metadata/core-properties"/>
+    <ds:schemaRef ds:uri="30072bdd-44e3-492a-9bf3-41313a20fa59"/>
+    <ds:schemaRef ds:uri="http://purl.org/dc/terms/"/>
+    <ds:schemaRef ds:uri="http://purl.org/dc/elements/1.1/"/>
+  </ds:schemaRefs>
+</ds:datastoreItem>
 </file>